--- a/CPU block diagram with jump.pptx
+++ b/CPU block diagram with jump.pptx
@@ -289,7 +289,7 @@
             <a:fld id="{AA76FD35-F9F8-4A42-9A4F-278A7EAB713E}" type="datetimeFigureOut">
               <a:rPr lang="en-US" smtClean="0"/>
               <a:pPr/>
-              <a:t>11/5/2025</a:t>
+              <a:t>11/11/2025</a:t>
             </a:fld>
             <a:endParaRPr lang="en-US"/>
           </a:p>
@@ -456,7 +456,7 @@
             <a:fld id="{AA76FD35-F9F8-4A42-9A4F-278A7EAB713E}" type="datetimeFigureOut">
               <a:rPr lang="en-US" smtClean="0"/>
               <a:pPr/>
-              <a:t>11/5/2025</a:t>
+              <a:t>11/11/2025</a:t>
             </a:fld>
             <a:endParaRPr lang="en-US"/>
           </a:p>
@@ -633,7 +633,7 @@
             <a:fld id="{AA76FD35-F9F8-4A42-9A4F-278A7EAB713E}" type="datetimeFigureOut">
               <a:rPr lang="en-US" smtClean="0"/>
               <a:pPr/>
-              <a:t>11/5/2025</a:t>
+              <a:t>11/11/2025</a:t>
             </a:fld>
             <a:endParaRPr lang="en-US"/>
           </a:p>
@@ -800,7 +800,7 @@
             <a:fld id="{AA76FD35-F9F8-4A42-9A4F-278A7EAB713E}" type="datetimeFigureOut">
               <a:rPr lang="en-US" smtClean="0"/>
               <a:pPr/>
-              <a:t>11/5/2025</a:t>
+              <a:t>11/11/2025</a:t>
             </a:fld>
             <a:endParaRPr lang="en-US"/>
           </a:p>
@@ -1043,7 +1043,7 @@
             <a:fld id="{AA76FD35-F9F8-4A42-9A4F-278A7EAB713E}" type="datetimeFigureOut">
               <a:rPr lang="en-US" smtClean="0"/>
               <a:pPr/>
-              <a:t>11/5/2025</a:t>
+              <a:t>11/11/2025</a:t>
             </a:fld>
             <a:endParaRPr lang="en-US"/>
           </a:p>
@@ -1328,7 +1328,7 @@
             <a:fld id="{AA76FD35-F9F8-4A42-9A4F-278A7EAB713E}" type="datetimeFigureOut">
               <a:rPr lang="en-US" smtClean="0"/>
               <a:pPr/>
-              <a:t>11/5/2025</a:t>
+              <a:t>11/11/2025</a:t>
             </a:fld>
             <a:endParaRPr lang="en-US"/>
           </a:p>
@@ -1747,7 +1747,7 @@
             <a:fld id="{AA76FD35-F9F8-4A42-9A4F-278A7EAB713E}" type="datetimeFigureOut">
               <a:rPr lang="en-US" smtClean="0"/>
               <a:pPr/>
-              <a:t>11/5/2025</a:t>
+              <a:t>11/11/2025</a:t>
             </a:fld>
             <a:endParaRPr lang="en-US"/>
           </a:p>
@@ -1862,7 +1862,7 @@
             <a:fld id="{AA76FD35-F9F8-4A42-9A4F-278A7EAB713E}" type="datetimeFigureOut">
               <a:rPr lang="en-US" smtClean="0"/>
               <a:pPr/>
-              <a:t>11/5/2025</a:t>
+              <a:t>11/11/2025</a:t>
             </a:fld>
             <a:endParaRPr lang="en-US"/>
           </a:p>
@@ -1954,7 +1954,7 @@
             <a:fld id="{AA76FD35-F9F8-4A42-9A4F-278A7EAB713E}" type="datetimeFigureOut">
               <a:rPr lang="en-US" smtClean="0"/>
               <a:pPr/>
-              <a:t>11/5/2025</a:t>
+              <a:t>11/11/2025</a:t>
             </a:fld>
             <a:endParaRPr lang="en-US"/>
           </a:p>
@@ -2228,7 +2228,7 @@
             <a:fld id="{AA76FD35-F9F8-4A42-9A4F-278A7EAB713E}" type="datetimeFigureOut">
               <a:rPr lang="en-US" smtClean="0"/>
               <a:pPr/>
-              <a:t>11/5/2025</a:t>
+              <a:t>11/11/2025</a:t>
             </a:fld>
             <a:endParaRPr lang="en-US"/>
           </a:p>
@@ -2478,7 +2478,7 @@
             <a:fld id="{AA76FD35-F9F8-4A42-9A4F-278A7EAB713E}" type="datetimeFigureOut">
               <a:rPr lang="en-US" smtClean="0"/>
               <a:pPr/>
-              <a:t>11/5/2025</a:t>
+              <a:t>11/11/2025</a:t>
             </a:fld>
             <a:endParaRPr lang="en-US"/>
           </a:p>
@@ -2688,7 +2688,7 @@
             <a:fld id="{AA76FD35-F9F8-4A42-9A4F-278A7EAB713E}" type="datetimeFigureOut">
               <a:rPr lang="en-US" smtClean="0"/>
               <a:pPr/>
-              <a:t>11/5/2025</a:t>
+              <a:t>11/11/2025</a:t>
             </a:fld>
             <a:endParaRPr lang="en-US"/>
           </a:p>
@@ -4264,190 +4264,6 @@
           </a:p>
         </p:txBody>
       </p:sp>
-      <p:grpSp>
-        <p:nvGrpSpPr>
-          <p:cNvPr id="90" name="Group 89"/>
-          <p:cNvGrpSpPr/>
-          <p:nvPr/>
-        </p:nvGrpSpPr>
-        <p:grpSpPr>
-          <a:xfrm>
-            <a:off x="3048000" y="4267200"/>
-            <a:ext cx="381000" cy="914400"/>
-            <a:chOff x="5677986" y="3048000"/>
-            <a:chExt cx="418014" cy="914400"/>
-          </a:xfrm>
-        </p:grpSpPr>
-        <p:sp>
-          <p:nvSpPr>
-            <p:cNvPr id="86" name="Flowchart: Terminator 85"/>
-            <p:cNvSpPr/>
-            <p:nvPr/>
-          </p:nvSpPr>
-          <p:spPr>
-            <a:xfrm rot="5400000">
-              <a:off x="5448300" y="3314700"/>
-              <a:ext cx="914400" cy="381000"/>
-            </a:xfrm>
-            <a:prstGeom prst="flowChartTerminator">
-              <a:avLst/>
-            </a:prstGeom>
-            <a:noFill/>
-            <a:ln w="38100">
-              <a:solidFill>
-                <a:schemeClr val="bg2">
-                  <a:lumMod val="50000"/>
-                </a:schemeClr>
-              </a:solidFill>
-            </a:ln>
-          </p:spPr>
-          <p:style>
-            <a:lnRef idx="2">
-              <a:schemeClr val="accent1">
-                <a:shade val="50000"/>
-              </a:schemeClr>
-            </a:lnRef>
-            <a:fillRef idx="1">
-              <a:schemeClr val="accent1"/>
-            </a:fillRef>
-            <a:effectRef idx="0">
-              <a:schemeClr val="accent1"/>
-            </a:effectRef>
-            <a:fontRef idx="minor">
-              <a:schemeClr val="lt1"/>
-            </a:fontRef>
-          </p:style>
-          <p:txBody>
-            <a:bodyPr vert="vert270" rtlCol="0" anchor="ctr"/>
-            <a:lstStyle/>
-            <a:p>
-              <a:pPr algn="ctr"/>
-              <a:r>
-                <a:rPr lang="en-US" sz="1000" dirty="0" smtClean="0">
-                  <a:solidFill>
-                    <a:schemeClr val="bg2">
-                      <a:lumMod val="75000"/>
-                    </a:schemeClr>
-                  </a:solidFill>
-                </a:rPr>
-                <a:t>M</a:t>
-              </a:r>
-            </a:p>
-            <a:p>
-              <a:pPr algn="ctr"/>
-              <a:r>
-                <a:rPr lang="en-US" sz="1000" dirty="0">
-                  <a:solidFill>
-                    <a:schemeClr val="bg2">
-                      <a:lumMod val="75000"/>
-                    </a:schemeClr>
-                  </a:solidFill>
-                </a:rPr>
-                <a:t>u</a:t>
-              </a:r>
-              <a:endParaRPr lang="en-US" sz="1000" dirty="0" smtClean="0">
-                <a:solidFill>
-                  <a:schemeClr val="bg2">
-                    <a:lumMod val="75000"/>
-                  </a:schemeClr>
-                </a:solidFill>
-              </a:endParaRPr>
-            </a:p>
-            <a:p>
-              <a:pPr algn="ctr"/>
-              <a:r>
-                <a:rPr lang="en-US" sz="1000" dirty="0" smtClean="0">
-                  <a:solidFill>
-                    <a:schemeClr val="bg2">
-                      <a:lumMod val="75000"/>
-                    </a:schemeClr>
-                  </a:solidFill>
-                </a:rPr>
-                <a:t>X</a:t>
-              </a:r>
-            </a:p>
-            <a:p>
-              <a:pPr algn="ctr"/>
-              <a:r>
-                <a:rPr lang="en-US" sz="1000" dirty="0" smtClean="0">
-                  <a:solidFill>
-                    <a:schemeClr val="bg2">
-                      <a:lumMod val="75000"/>
-                    </a:schemeClr>
-                  </a:solidFill>
-                </a:rPr>
-                <a:t>0</a:t>
-              </a:r>
-              <a:endParaRPr lang="en-US" sz="1000" dirty="0" smtClean="0">
-                <a:solidFill>
-                  <a:schemeClr val="bg2">
-                    <a:lumMod val="75000"/>
-                  </a:schemeClr>
-                </a:solidFill>
-              </a:endParaRPr>
-            </a:p>
-          </p:txBody>
-        </p:sp>
-        <p:sp>
-          <p:nvSpPr>
-            <p:cNvPr id="87" name="TextBox 86"/>
-            <p:cNvSpPr txBox="1"/>
-            <p:nvPr/>
-          </p:nvSpPr>
-          <p:spPr>
-            <a:xfrm>
-              <a:off x="5677986" y="3158982"/>
-              <a:ext cx="228600" cy="230832"/>
-            </a:xfrm>
-            <a:prstGeom prst="rect">
-              <a:avLst/>
-            </a:prstGeom>
-            <a:noFill/>
-          </p:spPr>
-          <p:txBody>
-            <a:bodyPr wrap="square" rtlCol="0">
-              <a:spAutoFit/>
-            </a:bodyPr>
-            <a:lstStyle/>
-            <a:p>
-              <a:r>
-                <a:rPr lang="en-US" sz="900" dirty="0" smtClean="0"/>
-                <a:t>0</a:t>
-              </a:r>
-              <a:endParaRPr lang="en-US" sz="900" dirty="0"/>
-            </a:p>
-          </p:txBody>
-        </p:sp>
-        <p:sp>
-          <p:nvSpPr>
-            <p:cNvPr id="89" name="TextBox 88"/>
-            <p:cNvSpPr txBox="1"/>
-            <p:nvPr/>
-          </p:nvSpPr>
-          <p:spPr>
-            <a:xfrm>
-              <a:off x="5677986" y="3657600"/>
-              <a:ext cx="228600" cy="230832"/>
-            </a:xfrm>
-            <a:prstGeom prst="rect">
-              <a:avLst/>
-            </a:prstGeom>
-            <a:noFill/>
-          </p:spPr>
-          <p:txBody>
-            <a:bodyPr wrap="square" rtlCol="0">
-              <a:spAutoFit/>
-            </a:bodyPr>
-            <a:lstStyle/>
-            <a:p>
-              <a:r>
-                <a:rPr lang="en-US" sz="900" dirty="0"/>
-                <a:t>1</a:t>
-              </a:r>
-            </a:p>
-          </p:txBody>
-        </p:sp>
-      </p:grpSp>
       <p:sp>
         <p:nvSpPr>
           <p:cNvPr id="91" name="Oval 90"/>
@@ -7714,366 +7530,6 @@
       </p:grpSp>
       <p:grpSp>
         <p:nvGrpSpPr>
-          <p:cNvPr id="260" name="Group 259"/>
-          <p:cNvGrpSpPr/>
-          <p:nvPr/>
-        </p:nvGrpSpPr>
-        <p:grpSpPr>
-          <a:xfrm>
-            <a:off x="3429000" y="4267200"/>
-            <a:ext cx="457200" cy="457200"/>
-            <a:chOff x="3429000" y="4267200"/>
-            <a:chExt cx="457200" cy="457200"/>
-          </a:xfrm>
-        </p:grpSpPr>
-        <p:cxnSp>
-          <p:nvCxnSpPr>
-            <p:cNvPr id="206" name="Straight Arrow Connector 205"/>
-            <p:cNvCxnSpPr/>
-            <p:nvPr/>
-          </p:nvCxnSpPr>
-          <p:spPr>
-            <a:xfrm>
-              <a:off x="3581400" y="4267200"/>
-              <a:ext cx="304800" cy="0"/>
-            </a:xfrm>
-            <a:prstGeom prst="straightConnector1">
-              <a:avLst/>
-            </a:prstGeom>
-            <a:ln>
-              <a:solidFill>
-                <a:schemeClr val="tx1"/>
-              </a:solidFill>
-              <a:tailEnd type="arrow"/>
-            </a:ln>
-          </p:spPr>
-          <p:style>
-            <a:lnRef idx="1">
-              <a:schemeClr val="accent1"/>
-            </a:lnRef>
-            <a:fillRef idx="0">
-              <a:schemeClr val="accent1"/>
-            </a:fillRef>
-            <a:effectRef idx="0">
-              <a:schemeClr val="accent1"/>
-            </a:effectRef>
-            <a:fontRef idx="minor">
-              <a:schemeClr val="tx1"/>
-            </a:fontRef>
-          </p:style>
-        </p:cxnSp>
-        <p:cxnSp>
-          <p:nvCxnSpPr>
-            <p:cNvPr id="254" name="Straight Connector 253"/>
-            <p:cNvCxnSpPr/>
-            <p:nvPr/>
-          </p:nvCxnSpPr>
-          <p:spPr>
-            <a:xfrm>
-              <a:off x="3429000" y="4724400"/>
-              <a:ext cx="152400" cy="0"/>
-            </a:xfrm>
-            <a:prstGeom prst="line">
-              <a:avLst/>
-            </a:prstGeom>
-            <a:ln>
-              <a:solidFill>
-                <a:schemeClr val="tx1"/>
-              </a:solidFill>
-            </a:ln>
-          </p:spPr>
-          <p:style>
-            <a:lnRef idx="1">
-              <a:schemeClr val="accent1"/>
-            </a:lnRef>
-            <a:fillRef idx="0">
-              <a:schemeClr val="accent1"/>
-            </a:fillRef>
-            <a:effectRef idx="0">
-              <a:schemeClr val="accent1"/>
-            </a:effectRef>
-            <a:fontRef idx="minor">
-              <a:schemeClr val="tx1"/>
-            </a:fontRef>
-          </p:style>
-        </p:cxnSp>
-        <p:cxnSp>
-          <p:nvCxnSpPr>
-            <p:cNvPr id="256" name="Straight Connector 255"/>
-            <p:cNvCxnSpPr/>
-            <p:nvPr/>
-          </p:nvCxnSpPr>
-          <p:spPr>
-            <a:xfrm>
-              <a:off x="3581400" y="4267200"/>
-              <a:ext cx="0" cy="457200"/>
-            </a:xfrm>
-            <a:prstGeom prst="line">
-              <a:avLst/>
-            </a:prstGeom>
-            <a:ln>
-              <a:solidFill>
-                <a:schemeClr val="tx1"/>
-              </a:solidFill>
-            </a:ln>
-          </p:spPr>
-          <p:style>
-            <a:lnRef idx="1">
-              <a:schemeClr val="accent1"/>
-            </a:lnRef>
-            <a:fillRef idx="0">
-              <a:schemeClr val="accent1"/>
-            </a:fillRef>
-            <a:effectRef idx="0">
-              <a:schemeClr val="accent1"/>
-            </a:effectRef>
-            <a:fontRef idx="minor">
-              <a:schemeClr val="tx1"/>
-            </a:fontRef>
-          </p:style>
-        </p:cxnSp>
-      </p:grpSp>
-      <p:cxnSp>
-        <p:nvCxnSpPr>
-          <p:cNvPr id="358" name="Straight Connector 357"/>
-          <p:cNvCxnSpPr/>
-          <p:nvPr/>
-        </p:nvCxnSpPr>
-        <p:spPr>
-          <a:xfrm>
-            <a:off x="3733800" y="2667000"/>
-            <a:ext cx="152400" cy="0"/>
-          </a:xfrm>
-          <a:prstGeom prst="line">
-            <a:avLst/>
-          </a:prstGeom>
-        </p:spPr>
-        <p:style>
-          <a:lnRef idx="1">
-            <a:schemeClr val="accent1"/>
-          </a:lnRef>
-          <a:fillRef idx="0">
-            <a:schemeClr val="accent1"/>
-          </a:fillRef>
-          <a:effectRef idx="0">
-            <a:schemeClr val="accent1"/>
-          </a:effectRef>
-          <a:fontRef idx="minor">
-            <a:schemeClr val="tx1"/>
-          </a:fontRef>
-        </p:style>
-      </p:cxnSp>
-      <p:grpSp>
-        <p:nvGrpSpPr>
-          <p:cNvPr id="400" name="Group 399"/>
-          <p:cNvGrpSpPr/>
-          <p:nvPr/>
-        </p:nvGrpSpPr>
-        <p:grpSpPr>
-          <a:xfrm>
-            <a:off x="2209800" y="2514600"/>
-            <a:ext cx="1981200" cy="2743200"/>
-            <a:chOff x="2209800" y="2514600"/>
-            <a:chExt cx="1981200" cy="2743200"/>
-          </a:xfrm>
-        </p:grpSpPr>
-        <p:cxnSp>
-          <p:nvCxnSpPr>
-            <p:cNvPr id="347" name="Straight Connector 346"/>
-            <p:cNvCxnSpPr/>
-            <p:nvPr/>
-          </p:nvCxnSpPr>
-          <p:spPr>
-            <a:xfrm>
-              <a:off x="3276600" y="5181600"/>
-              <a:ext cx="0" cy="76200"/>
-            </a:xfrm>
-            <a:prstGeom prst="line">
-              <a:avLst/>
-            </a:prstGeom>
-          </p:spPr>
-          <p:style>
-            <a:lnRef idx="1">
-              <a:schemeClr val="accent1"/>
-            </a:lnRef>
-            <a:fillRef idx="0">
-              <a:schemeClr val="accent1"/>
-            </a:fillRef>
-            <a:effectRef idx="0">
-              <a:schemeClr val="accent1"/>
-            </a:effectRef>
-            <a:fontRef idx="minor">
-              <a:schemeClr val="tx1"/>
-            </a:fontRef>
-          </p:style>
-        </p:cxnSp>
-        <p:cxnSp>
-          <p:nvCxnSpPr>
-            <p:cNvPr id="350" name="Straight Connector 349"/>
-            <p:cNvCxnSpPr/>
-            <p:nvPr/>
-          </p:nvCxnSpPr>
-          <p:spPr>
-            <a:xfrm>
-              <a:off x="2209800" y="5257800"/>
-              <a:ext cx="1066800" cy="0"/>
-            </a:xfrm>
-            <a:prstGeom prst="line">
-              <a:avLst/>
-            </a:prstGeom>
-          </p:spPr>
-          <p:style>
-            <a:lnRef idx="1">
-              <a:schemeClr val="accent1"/>
-            </a:lnRef>
-            <a:fillRef idx="0">
-              <a:schemeClr val="accent1"/>
-            </a:fillRef>
-            <a:effectRef idx="0">
-              <a:schemeClr val="accent1"/>
-            </a:effectRef>
-            <a:fontRef idx="minor">
-              <a:schemeClr val="tx1"/>
-            </a:fontRef>
-          </p:style>
-        </p:cxnSp>
-        <p:cxnSp>
-          <p:nvCxnSpPr>
-            <p:cNvPr id="353" name="Straight Connector 352"/>
-            <p:cNvCxnSpPr/>
-            <p:nvPr/>
-          </p:nvCxnSpPr>
-          <p:spPr>
-            <a:xfrm>
-              <a:off x="2209800" y="2895600"/>
-              <a:ext cx="0" cy="2362200"/>
-            </a:xfrm>
-            <a:prstGeom prst="line">
-              <a:avLst/>
-            </a:prstGeom>
-          </p:spPr>
-          <p:style>
-            <a:lnRef idx="1">
-              <a:schemeClr val="accent1"/>
-            </a:lnRef>
-            <a:fillRef idx="0">
-              <a:schemeClr val="accent1"/>
-            </a:fillRef>
-            <a:effectRef idx="0">
-              <a:schemeClr val="accent1"/>
-            </a:effectRef>
-            <a:fontRef idx="minor">
-              <a:schemeClr val="tx1"/>
-            </a:fontRef>
-          </p:style>
-        </p:cxnSp>
-        <p:cxnSp>
-          <p:nvCxnSpPr>
-            <p:cNvPr id="356" name="Straight Connector 355"/>
-            <p:cNvCxnSpPr/>
-            <p:nvPr/>
-          </p:nvCxnSpPr>
-          <p:spPr>
-            <a:xfrm>
-              <a:off x="2209800" y="2895600"/>
-              <a:ext cx="1676400" cy="0"/>
-            </a:xfrm>
-            <a:prstGeom prst="line">
-              <a:avLst/>
-            </a:prstGeom>
-          </p:spPr>
-          <p:style>
-            <a:lnRef idx="1">
-              <a:schemeClr val="accent1"/>
-            </a:lnRef>
-            <a:fillRef idx="0">
-              <a:schemeClr val="accent1"/>
-            </a:fillRef>
-            <a:effectRef idx="0">
-              <a:schemeClr val="accent1"/>
-            </a:effectRef>
-            <a:fontRef idx="minor">
-              <a:schemeClr val="tx1"/>
-            </a:fontRef>
-          </p:style>
-        </p:cxnSp>
-        <p:cxnSp>
-          <p:nvCxnSpPr>
-            <p:cNvPr id="362" name="Straight Connector 361"/>
-            <p:cNvCxnSpPr/>
-            <p:nvPr/>
-          </p:nvCxnSpPr>
-          <p:spPr>
-            <a:xfrm flipV="1">
-              <a:off x="3886200" y="2667000"/>
-              <a:ext cx="0" cy="228600"/>
-            </a:xfrm>
-            <a:prstGeom prst="line">
-              <a:avLst/>
-            </a:prstGeom>
-          </p:spPr>
-          <p:style>
-            <a:lnRef idx="1">
-              <a:schemeClr val="accent1"/>
-            </a:lnRef>
-            <a:fillRef idx="0">
-              <a:schemeClr val="accent1"/>
-            </a:fillRef>
-            <a:effectRef idx="0">
-              <a:schemeClr val="accent1"/>
-            </a:effectRef>
-            <a:fontRef idx="minor">
-              <a:schemeClr val="tx1"/>
-            </a:fontRef>
-          </p:style>
-        </p:cxnSp>
-        <p:sp>
-          <p:nvSpPr>
-            <p:cNvPr id="366" name="TextBox 365"/>
-            <p:cNvSpPr txBox="1"/>
-            <p:nvPr/>
-          </p:nvSpPr>
-          <p:spPr>
-            <a:xfrm>
-              <a:off x="3733800" y="2514600"/>
-              <a:ext cx="457200" cy="200055"/>
-            </a:xfrm>
-            <a:prstGeom prst="rect">
-              <a:avLst/>
-            </a:prstGeom>
-            <a:noFill/>
-          </p:spPr>
-          <p:txBody>
-            <a:bodyPr wrap="square" rtlCol="0">
-              <a:spAutoFit/>
-            </a:bodyPr>
-            <a:lstStyle/>
-            <a:p>
-              <a:r>
-                <a:rPr lang="en-US" sz="700" dirty="0" err="1" smtClean="0">
-                  <a:solidFill>
-                    <a:schemeClr val="tx2">
-                      <a:lumMod val="60000"/>
-                      <a:lumOff val="40000"/>
-                    </a:schemeClr>
-                  </a:solidFill>
-                </a:rPr>
-                <a:t>RegDst</a:t>
-              </a:r>
-              <a:endParaRPr lang="en-US" sz="700" dirty="0" smtClean="0">
-                <a:solidFill>
-                  <a:schemeClr val="tx2">
-                    <a:lumMod val="60000"/>
-                    <a:lumOff val="40000"/>
-                  </a:schemeClr>
-                </a:solidFill>
-              </a:endParaRPr>
-            </a:p>
-          </p:txBody>
-        </p:sp>
-      </p:grpSp>
-      <p:grpSp>
-        <p:nvGrpSpPr>
           <p:cNvPr id="399" name="Group 398"/>
           <p:cNvGrpSpPr/>
           <p:nvPr/>
@@ -9709,10 +9165,10 @@
         </p:nvGrpSpPr>
         <p:grpSpPr>
           <a:xfrm>
-            <a:off x="2057400" y="914400"/>
-            <a:ext cx="3657600" cy="5290066"/>
-            <a:chOff x="2057400" y="914400"/>
-            <a:chExt cx="3657600" cy="5290066"/>
+            <a:off x="2133600" y="914400"/>
+            <a:ext cx="3581400" cy="5290066"/>
+            <a:chOff x="2133600" y="914400"/>
+            <a:chExt cx="3581400" cy="5290066"/>
           </a:xfrm>
         </p:grpSpPr>
         <p:grpSp>
@@ -9723,659 +9179,104 @@
           </p:nvGrpSpPr>
           <p:grpSpPr>
             <a:xfrm>
-              <a:off x="2057400" y="914400"/>
-              <a:ext cx="2286000" cy="4726927"/>
-              <a:chOff x="2057400" y="914400"/>
-              <a:chExt cx="2286000" cy="4726927"/>
+              <a:off x="2133600" y="914400"/>
+              <a:ext cx="2209800" cy="4726927"/>
+              <a:chOff x="2133600" y="914400"/>
+              <a:chExt cx="2209800" cy="4726927"/>
             </a:xfrm>
           </p:grpSpPr>
           <p:grpSp>
             <p:nvGrpSpPr>
-              <p:cNvPr id="496" name="Group 495"/>
+              <p:cNvPr id="495" name="Group 494"/>
               <p:cNvGrpSpPr/>
               <p:nvPr/>
             </p:nvGrpSpPr>
             <p:grpSpPr>
               <a:xfrm>
-                <a:off x="2057400" y="914400"/>
-                <a:ext cx="2286000" cy="4726927"/>
-                <a:chOff x="2057400" y="914400"/>
-                <a:chExt cx="2286000" cy="4726927"/>
+                <a:off x="2133600" y="914400"/>
+                <a:ext cx="2209800" cy="4726927"/>
+                <a:chOff x="2133600" y="914400"/>
+                <a:chExt cx="2209800" cy="4726927"/>
               </a:xfrm>
             </p:grpSpPr>
-            <p:sp>
-              <p:nvSpPr>
-                <p:cNvPr id="493" name="Oval 492"/>
-                <p:cNvSpPr/>
-                <p:nvPr/>
-              </p:nvSpPr>
-              <p:spPr>
-                <a:xfrm>
-                  <a:off x="2874956" y="3824292"/>
-                  <a:ext cx="45719" cy="45719"/>
-                </a:xfrm>
-                <a:prstGeom prst="ellipse">
-                  <a:avLst/>
-                </a:prstGeom>
-                <a:solidFill>
-                  <a:schemeClr val="tx1"/>
-                </a:solidFill>
-                <a:ln>
-                  <a:solidFill>
-                    <a:schemeClr val="tx1"/>
-                  </a:solidFill>
-                </a:ln>
-              </p:spPr>
-              <p:style>
-                <a:lnRef idx="2">
-                  <a:schemeClr val="accent1">
-                    <a:shade val="50000"/>
-                  </a:schemeClr>
-                </a:lnRef>
-                <a:fillRef idx="1">
-                  <a:schemeClr val="accent1"/>
-                </a:fillRef>
-                <a:effectRef idx="0">
-                  <a:schemeClr val="accent1"/>
-                </a:effectRef>
-                <a:fontRef idx="minor">
-                  <a:schemeClr val="lt1"/>
-                </a:fontRef>
-              </p:style>
-              <p:txBody>
-                <a:bodyPr rtlCol="0" anchor="ctr"/>
-                <a:lstStyle/>
-                <a:p>
-                  <a:pPr algn="ctr"/>
-                  <a:endParaRPr lang="en-US"/>
-                </a:p>
-              </p:txBody>
-            </p:sp>
             <p:grpSp>
               <p:nvGrpSpPr>
-                <p:cNvPr id="495" name="Group 494"/>
+                <p:cNvPr id="491" name="Group 490"/>
                 <p:cNvGrpSpPr/>
                 <p:nvPr/>
               </p:nvGrpSpPr>
               <p:grpSpPr>
                 <a:xfrm>
-                  <a:off x="2057400" y="914400"/>
-                  <a:ext cx="2286000" cy="4726927"/>
-                  <a:chOff x="2057400" y="914400"/>
-                  <a:chExt cx="2286000" cy="4726927"/>
+                  <a:off x="2133600" y="914400"/>
+                  <a:ext cx="2209800" cy="4726927"/>
+                  <a:chOff x="2133600" y="914400"/>
+                  <a:chExt cx="2209800" cy="4726927"/>
                 </a:xfrm>
               </p:grpSpPr>
               <p:grpSp>
                 <p:nvGrpSpPr>
-                  <p:cNvPr id="491" name="Group 490"/>
+                  <p:cNvPr id="345" name="Group 344"/>
                   <p:cNvGrpSpPr/>
                   <p:nvPr/>
                 </p:nvGrpSpPr>
                 <p:grpSpPr>
                   <a:xfrm>
-                    <a:off x="2057400" y="914400"/>
-                    <a:ext cx="2286000" cy="4726927"/>
-                    <a:chOff x="2057400" y="914400"/>
-                    <a:chExt cx="2286000" cy="4726927"/>
+                    <a:off x="2133600" y="914400"/>
+                    <a:ext cx="2209800" cy="4726927"/>
+                    <a:chOff x="2133600" y="914400"/>
+                    <a:chExt cx="2209800" cy="4726927"/>
                   </a:xfrm>
                 </p:grpSpPr>
-                <p:grpSp>
-                  <p:nvGrpSpPr>
-                    <p:cNvPr id="345" name="Group 344"/>
-                    <p:cNvGrpSpPr/>
+                <p:cxnSp>
+                  <p:nvCxnSpPr>
+                    <p:cNvPr id="286" name="Straight Arrow Connector 285"/>
+                    <p:cNvCxnSpPr/>
                     <p:nvPr/>
-                  </p:nvGrpSpPr>
-                  <p:grpSpPr>
-                    <a:xfrm>
-                      <a:off x="2057400" y="914400"/>
-                      <a:ext cx="2286000" cy="4726927"/>
-                      <a:chOff x="2057400" y="914400"/>
-                      <a:chExt cx="2286000" cy="4726927"/>
-                    </a:xfrm>
-                  </p:grpSpPr>
-                  <p:cxnSp>
-                    <p:nvCxnSpPr>
-                      <p:cNvPr id="286" name="Straight Arrow Connector 285"/>
-                      <p:cNvCxnSpPr/>
-                      <p:nvPr/>
-                    </p:nvCxnSpPr>
-                    <p:spPr>
-                      <a:xfrm>
-                        <a:off x="2286000" y="1905000"/>
-                        <a:ext cx="609600" cy="0"/>
-                      </a:xfrm>
-                      <a:prstGeom prst="straightConnector1">
-                        <a:avLst/>
-                      </a:prstGeom>
-                      <a:ln>
-                        <a:solidFill>
-                          <a:schemeClr val="tx1"/>
-                        </a:solidFill>
-                        <a:tailEnd type="arrow"/>
-                      </a:ln>
-                    </p:spPr>
-                    <p:style>
-                      <a:lnRef idx="1">
-                        <a:schemeClr val="accent1"/>
-                      </a:lnRef>
-                      <a:fillRef idx="0">
-                        <a:schemeClr val="accent1"/>
-                      </a:fillRef>
-                      <a:effectRef idx="0">
-                        <a:schemeClr val="accent1"/>
-                      </a:effectRef>
-                      <a:fontRef idx="minor">
-                        <a:schemeClr val="tx1"/>
-                      </a:fontRef>
-                    </p:style>
-                  </p:cxnSp>
-                  <p:cxnSp>
-                    <p:nvCxnSpPr>
-                      <p:cNvPr id="289" name="Straight Connector 288"/>
-                      <p:cNvCxnSpPr/>
-                      <p:nvPr/>
-                    </p:nvCxnSpPr>
-                    <p:spPr>
-                      <a:xfrm>
-                        <a:off x="2286000" y="914400"/>
-                        <a:ext cx="0" cy="4419600"/>
-                      </a:xfrm>
-                      <a:prstGeom prst="line">
-                        <a:avLst/>
-                      </a:prstGeom>
-                      <a:ln>
-                        <a:solidFill>
-                          <a:schemeClr val="tx1"/>
-                        </a:solidFill>
-                      </a:ln>
-                    </p:spPr>
-                    <p:style>
-                      <a:lnRef idx="1">
-                        <a:schemeClr val="accent1"/>
-                      </a:lnRef>
-                      <a:fillRef idx="0">
-                        <a:schemeClr val="accent1"/>
-                      </a:fillRef>
-                      <a:effectRef idx="0">
-                        <a:schemeClr val="accent1"/>
-                      </a:effectRef>
-                      <a:fontRef idx="minor">
-                        <a:schemeClr val="tx1"/>
-                      </a:fontRef>
-                    </p:style>
-                  </p:cxnSp>
-                  <p:cxnSp>
-                    <p:nvCxnSpPr>
-                      <p:cNvPr id="296" name="Straight Arrow Connector 295"/>
-                      <p:cNvCxnSpPr/>
-                      <p:nvPr/>
-                    </p:nvCxnSpPr>
-                    <p:spPr>
-                      <a:xfrm>
-                        <a:off x="2286000" y="5334000"/>
-                        <a:ext cx="2057400" cy="0"/>
-                      </a:xfrm>
-                      <a:prstGeom prst="straightConnector1">
-                        <a:avLst/>
-                      </a:prstGeom>
-                      <a:ln>
-                        <a:solidFill>
-                          <a:schemeClr val="tx1"/>
-                        </a:solidFill>
-                        <a:tailEnd type="arrow"/>
-                      </a:ln>
-                    </p:spPr>
-                    <p:style>
-                      <a:lnRef idx="1">
-                        <a:schemeClr val="accent1"/>
-                      </a:lnRef>
-                      <a:fillRef idx="0">
-                        <a:schemeClr val="accent1"/>
-                      </a:fillRef>
-                      <a:effectRef idx="0">
-                        <a:schemeClr val="accent1"/>
-                      </a:effectRef>
-                      <a:fontRef idx="minor">
-                        <a:schemeClr val="tx1"/>
-                      </a:fontRef>
-                    </p:style>
-                  </p:cxnSp>
-                  <p:cxnSp>
-                    <p:nvCxnSpPr>
-                      <p:cNvPr id="298" name="Straight Connector 297"/>
-                      <p:cNvCxnSpPr/>
-                      <p:nvPr/>
-                    </p:nvCxnSpPr>
-                    <p:spPr>
-                      <a:xfrm flipV="1">
-                        <a:off x="4049490" y="5257800"/>
-                        <a:ext cx="152400" cy="152400"/>
-                      </a:xfrm>
-                      <a:prstGeom prst="line">
-                        <a:avLst/>
-                      </a:prstGeom>
-                      <a:ln>
-                        <a:solidFill>
-                          <a:schemeClr val="tx1"/>
-                        </a:solidFill>
-                      </a:ln>
-                    </p:spPr>
-                    <p:style>
-                      <a:lnRef idx="1">
-                        <a:schemeClr val="accent1"/>
-                      </a:lnRef>
-                      <a:fillRef idx="0">
-                        <a:schemeClr val="accent1"/>
-                      </a:fillRef>
-                      <a:effectRef idx="0">
-                        <a:schemeClr val="accent1"/>
-                      </a:effectRef>
-                      <a:fontRef idx="minor">
-                        <a:schemeClr val="tx1"/>
-                      </a:fontRef>
-                    </p:style>
-                  </p:cxnSp>
-                  <p:sp>
-                    <p:nvSpPr>
-                      <p:cNvPr id="299" name="TextBox 298"/>
-                      <p:cNvSpPr txBox="1"/>
-                      <p:nvPr/>
-                    </p:nvSpPr>
-                    <p:spPr>
-                      <a:xfrm>
-                        <a:off x="3962400" y="5379717"/>
-                        <a:ext cx="381000" cy="261610"/>
-                      </a:xfrm>
-                      <a:prstGeom prst="rect">
-                        <a:avLst/>
-                      </a:prstGeom>
-                      <a:noFill/>
-                      <a:ln>
-                        <a:noFill/>
-                      </a:ln>
-                    </p:spPr>
-                    <p:txBody>
-                      <a:bodyPr wrap="square" rtlCol="0">
-                        <a:spAutoFit/>
-                      </a:bodyPr>
-                      <a:lstStyle/>
-                      <a:p>
-                        <a:r>
-                          <a:rPr lang="en-US" sz="1100" dirty="0" smtClean="0"/>
-                          <a:t>6</a:t>
-                        </a:r>
-                        <a:endParaRPr lang="en-US" sz="1050" dirty="0"/>
-                      </a:p>
-                    </p:txBody>
-                  </p:sp>
-                  <p:sp>
-                    <p:nvSpPr>
-                      <p:cNvPr id="300" name="TextBox 299"/>
-                      <p:cNvSpPr txBox="1"/>
-                      <p:nvPr/>
-                    </p:nvSpPr>
-                    <p:spPr>
-                      <a:xfrm>
-                        <a:off x="2743200" y="5334000"/>
-                        <a:ext cx="990600" cy="184666"/>
-                      </a:xfrm>
-                      <a:prstGeom prst="rect">
-                        <a:avLst/>
-                      </a:prstGeom>
-                      <a:noFill/>
-                      <a:ln>
-                        <a:noFill/>
-                      </a:ln>
-                    </p:spPr>
-                    <p:txBody>
-                      <a:bodyPr wrap="square" rtlCol="0">
-                        <a:spAutoFit/>
-                      </a:bodyPr>
-                      <a:lstStyle/>
-                      <a:p>
-                        <a:pPr algn="r"/>
-                        <a:r>
-                          <a:rPr lang="en-US" sz="600" dirty="0" smtClean="0"/>
-                          <a:t>Instruction [5-0]</a:t>
-                        </a:r>
-                        <a:endParaRPr lang="en-US" sz="600" dirty="0"/>
-                      </a:p>
-                    </p:txBody>
-                  </p:sp>
-                  <p:cxnSp>
-                    <p:nvCxnSpPr>
-                      <p:cNvPr id="302" name="Straight Arrow Connector 301"/>
-                      <p:cNvCxnSpPr/>
-                      <p:nvPr/>
-                    </p:nvCxnSpPr>
-                    <p:spPr>
-                      <a:xfrm flipV="1">
-                        <a:off x="2286000" y="4999563"/>
-                        <a:ext cx="783165" cy="4233"/>
-                      </a:xfrm>
-                      <a:prstGeom prst="straightConnector1">
-                        <a:avLst/>
-                      </a:prstGeom>
-                      <a:ln>
-                        <a:solidFill>
-                          <a:schemeClr val="tx1"/>
-                        </a:solidFill>
-                        <a:tailEnd type="arrow"/>
-                      </a:ln>
-                    </p:spPr>
-                    <p:style>
-                      <a:lnRef idx="1">
-                        <a:schemeClr val="accent1"/>
-                      </a:lnRef>
-                      <a:fillRef idx="0">
-                        <a:schemeClr val="accent1"/>
-                      </a:fillRef>
-                      <a:effectRef idx="0">
-                        <a:schemeClr val="accent1"/>
-                      </a:effectRef>
-                      <a:fontRef idx="minor">
-                        <a:schemeClr val="tx1"/>
-                      </a:fontRef>
-                    </p:style>
-                  </p:cxnSp>
-                  <p:cxnSp>
-                    <p:nvCxnSpPr>
-                      <p:cNvPr id="311" name="Straight Connector 310"/>
-                      <p:cNvCxnSpPr/>
-                      <p:nvPr/>
-                    </p:nvCxnSpPr>
-                    <p:spPr>
-                      <a:xfrm flipH="1">
-                        <a:off x="2133600" y="4191000"/>
-                        <a:ext cx="152400" cy="0"/>
-                      </a:xfrm>
-                      <a:prstGeom prst="line">
-                        <a:avLst/>
-                      </a:prstGeom>
-                      <a:ln>
-                        <a:solidFill>
-                          <a:schemeClr val="tx1"/>
-                        </a:solidFill>
-                      </a:ln>
-                    </p:spPr>
-                    <p:style>
-                      <a:lnRef idx="1">
-                        <a:schemeClr val="accent1"/>
-                      </a:lnRef>
-                      <a:fillRef idx="0">
-                        <a:schemeClr val="accent1"/>
-                      </a:fillRef>
-                      <a:effectRef idx="0">
-                        <a:schemeClr val="accent1"/>
-                      </a:effectRef>
-                      <a:fontRef idx="minor">
-                        <a:schemeClr val="tx1"/>
-                      </a:fontRef>
-                    </p:style>
-                  </p:cxnSp>
-                  <p:sp>
-                    <p:nvSpPr>
-                      <p:cNvPr id="320" name="TextBox 319"/>
-                      <p:cNvSpPr txBox="1"/>
-                      <p:nvPr/>
-                    </p:nvSpPr>
-                    <p:spPr>
-                      <a:xfrm>
-                        <a:off x="2057400" y="4953000"/>
-                        <a:ext cx="990600" cy="184666"/>
-                      </a:xfrm>
-                      <a:prstGeom prst="rect">
-                        <a:avLst/>
-                      </a:prstGeom>
-                      <a:noFill/>
-                      <a:ln>
-                        <a:noFill/>
-                      </a:ln>
-                    </p:spPr>
-                    <p:txBody>
-                      <a:bodyPr wrap="square" rtlCol="0">
-                        <a:spAutoFit/>
-                      </a:bodyPr>
-                      <a:lstStyle/>
-                      <a:p>
-                        <a:pPr algn="r"/>
-                        <a:r>
-                          <a:rPr lang="en-US" sz="600" dirty="0" smtClean="0"/>
-                          <a:t>Instruction [5-3]</a:t>
-                        </a:r>
-                        <a:endParaRPr lang="en-US" sz="600" dirty="0"/>
-                      </a:p>
-                    </p:txBody>
-                  </p:sp>
-                  <p:cxnSp>
-                    <p:nvCxnSpPr>
-                      <p:cNvPr id="321" name="Straight Arrow Connector 320"/>
-                      <p:cNvCxnSpPr/>
-                      <p:nvPr/>
-                    </p:nvCxnSpPr>
-                    <p:spPr>
-                      <a:xfrm>
-                        <a:off x="2895600" y="4495800"/>
-                        <a:ext cx="186253" cy="1"/>
-                      </a:xfrm>
-                      <a:prstGeom prst="straightConnector1">
-                        <a:avLst/>
-                      </a:prstGeom>
-                      <a:ln>
-                        <a:solidFill>
-                          <a:schemeClr val="tx1"/>
-                        </a:solidFill>
-                        <a:tailEnd type="arrow"/>
-                      </a:ln>
-                    </p:spPr>
-                    <p:style>
-                      <a:lnRef idx="1">
-                        <a:schemeClr val="accent1"/>
-                      </a:lnRef>
-                      <a:fillRef idx="0">
-                        <a:schemeClr val="accent1"/>
-                      </a:fillRef>
-                      <a:effectRef idx="0">
-                        <a:schemeClr val="accent1"/>
-                      </a:effectRef>
-                      <a:fontRef idx="minor">
-                        <a:schemeClr val="tx1"/>
-                      </a:fontRef>
-                    </p:style>
-                  </p:cxnSp>
-                  <p:cxnSp>
-                    <p:nvCxnSpPr>
-                      <p:cNvPr id="325" name="Straight Arrow Connector 324"/>
-                      <p:cNvCxnSpPr/>
-                      <p:nvPr/>
-                    </p:nvCxnSpPr>
-                    <p:spPr>
-                      <a:xfrm>
-                        <a:off x="2286000" y="3352800"/>
-                        <a:ext cx="1600200" cy="0"/>
-                      </a:xfrm>
-                      <a:prstGeom prst="straightConnector1">
-                        <a:avLst/>
-                      </a:prstGeom>
-                      <a:ln>
-                        <a:solidFill>
-                          <a:schemeClr val="tx1"/>
-                        </a:solidFill>
-                        <a:tailEnd type="arrow"/>
-                      </a:ln>
-                    </p:spPr>
-                    <p:style>
-                      <a:lnRef idx="1">
-                        <a:schemeClr val="accent1"/>
-                      </a:lnRef>
-                      <a:fillRef idx="0">
-                        <a:schemeClr val="accent1"/>
-                      </a:fillRef>
-                      <a:effectRef idx="0">
-                        <a:schemeClr val="accent1"/>
-                      </a:effectRef>
-                      <a:fontRef idx="minor">
-                        <a:schemeClr val="tx1"/>
-                      </a:fontRef>
-                    </p:style>
-                  </p:cxnSp>
-                  <p:sp>
-                    <p:nvSpPr>
-                      <p:cNvPr id="326" name="TextBox 325"/>
-                      <p:cNvSpPr txBox="1"/>
-                      <p:nvPr/>
-                    </p:nvSpPr>
-                    <p:spPr>
-                      <a:xfrm>
-                        <a:off x="2819400" y="3314697"/>
-                        <a:ext cx="990600" cy="184666"/>
-                      </a:xfrm>
-                      <a:prstGeom prst="rect">
-                        <a:avLst/>
-                      </a:prstGeom>
-                      <a:noFill/>
-                      <a:ln>
-                        <a:noFill/>
-                      </a:ln>
-                    </p:spPr>
-                    <p:txBody>
-                      <a:bodyPr wrap="square" rtlCol="0">
-                        <a:spAutoFit/>
-                      </a:bodyPr>
-                      <a:lstStyle/>
-                      <a:p>
-                        <a:pPr algn="r"/>
-                        <a:r>
-                          <a:rPr lang="en-US" sz="600" dirty="0" smtClean="0"/>
-                          <a:t>Instruction [11-9]</a:t>
-                        </a:r>
-                        <a:endParaRPr lang="en-US" sz="600" dirty="0"/>
-                      </a:p>
-                    </p:txBody>
-                  </p:sp>
-                  <p:cxnSp>
-                    <p:nvCxnSpPr>
-                      <p:cNvPr id="335" name="Straight Arrow Connector 334"/>
-                      <p:cNvCxnSpPr/>
-                      <p:nvPr/>
-                    </p:nvCxnSpPr>
-                    <p:spPr>
-                      <a:xfrm>
-                        <a:off x="2286000" y="3848103"/>
-                        <a:ext cx="1600200" cy="0"/>
-                      </a:xfrm>
-                      <a:prstGeom prst="straightConnector1">
-                        <a:avLst/>
-                      </a:prstGeom>
-                      <a:ln>
-                        <a:solidFill>
-                          <a:schemeClr val="tx1"/>
-                        </a:solidFill>
-                        <a:tailEnd type="arrow"/>
-                      </a:ln>
-                    </p:spPr>
-                    <p:style>
-                      <a:lnRef idx="1">
-                        <a:schemeClr val="accent1"/>
-                      </a:lnRef>
-                      <a:fillRef idx="0">
-                        <a:schemeClr val="accent1"/>
-                      </a:fillRef>
-                      <a:effectRef idx="0">
-                        <a:schemeClr val="accent1"/>
-                      </a:effectRef>
-                      <a:fontRef idx="minor">
-                        <a:schemeClr val="tx1"/>
-                      </a:fontRef>
-                    </p:style>
-                  </p:cxnSp>
-                  <p:sp>
-                    <p:nvSpPr>
-                      <p:cNvPr id="336" name="TextBox 335"/>
-                      <p:cNvSpPr txBox="1"/>
-                      <p:nvPr/>
-                    </p:nvSpPr>
-                    <p:spPr>
-                      <a:xfrm>
-                        <a:off x="2819400" y="3810000"/>
-                        <a:ext cx="990600" cy="184666"/>
-                      </a:xfrm>
-                      <a:prstGeom prst="rect">
-                        <a:avLst/>
-                      </a:prstGeom>
-                      <a:noFill/>
-                      <a:ln>
-                        <a:noFill/>
-                      </a:ln>
-                    </p:spPr>
-                    <p:txBody>
-                      <a:bodyPr wrap="square" rtlCol="0">
-                        <a:spAutoFit/>
-                      </a:bodyPr>
-                      <a:lstStyle/>
-                      <a:p>
-                        <a:pPr algn="r"/>
-                        <a:r>
-                          <a:rPr lang="en-US" sz="600" dirty="0" smtClean="0"/>
-                          <a:t>Instruction [8-6]</a:t>
-                        </a:r>
-                        <a:endParaRPr lang="en-US" sz="600" dirty="0"/>
-                      </a:p>
-                    </p:txBody>
-                  </p:sp>
-                  <p:cxnSp>
-                    <p:nvCxnSpPr>
-                      <p:cNvPr id="340" name="Straight Connector 339"/>
-                      <p:cNvCxnSpPr/>
-                      <p:nvPr/>
-                    </p:nvCxnSpPr>
-                    <p:spPr>
-                      <a:xfrm>
-                        <a:off x="2895600" y="3848103"/>
-                        <a:ext cx="0" cy="647697"/>
-                      </a:xfrm>
-                      <a:prstGeom prst="line">
-                        <a:avLst/>
-                      </a:prstGeom>
-                      <a:ln>
-                        <a:solidFill>
-                          <a:schemeClr val="tx1"/>
-                        </a:solidFill>
-                      </a:ln>
-                    </p:spPr>
-                    <p:style>
-                      <a:lnRef idx="1">
-                        <a:schemeClr val="accent1"/>
-                      </a:lnRef>
-                      <a:fillRef idx="0">
-                        <a:schemeClr val="accent1"/>
-                      </a:fillRef>
-                      <a:effectRef idx="0">
-                        <a:schemeClr val="accent1"/>
-                      </a:effectRef>
-                      <a:fontRef idx="minor">
-                        <a:schemeClr val="tx1"/>
-                      </a:fontRef>
-                    </p:style>
-                  </p:cxnSp>
-                </p:grpSp>
-                <p:sp>
-                  <p:nvSpPr>
-                    <p:cNvPr id="490" name="Oval 489"/>
-                    <p:cNvSpPr/>
-                    <p:nvPr/>
-                  </p:nvSpPr>
+                  </p:nvCxnSpPr>
                   <p:spPr>
                     <a:xfrm>
-                      <a:off x="2266944" y="3325828"/>
-                      <a:ext cx="45719" cy="45719"/>
+                      <a:off x="2286000" y="1905000"/>
+                      <a:ext cx="609600" cy="0"/>
                     </a:xfrm>
-                    <a:prstGeom prst="ellipse">
+                    <a:prstGeom prst="straightConnector1">
                       <a:avLst/>
                     </a:prstGeom>
-                    <a:solidFill>
+                    <a:ln>
+                      <a:solidFill>
+                        <a:schemeClr val="tx1"/>
+                      </a:solidFill>
+                      <a:tailEnd type="arrow"/>
+                    </a:ln>
+                  </p:spPr>
+                  <p:style>
+                    <a:lnRef idx="1">
+                      <a:schemeClr val="accent1"/>
+                    </a:lnRef>
+                    <a:fillRef idx="0">
+                      <a:schemeClr val="accent1"/>
+                    </a:fillRef>
+                    <a:effectRef idx="0">
+                      <a:schemeClr val="accent1"/>
+                    </a:effectRef>
+                    <a:fontRef idx="minor">
                       <a:schemeClr val="tx1"/>
-                    </a:solidFill>
+                    </a:fontRef>
+                  </p:style>
+                </p:cxnSp>
+                <p:cxnSp>
+                  <p:nvCxnSpPr>
+                    <p:cNvPr id="289" name="Straight Connector 288"/>
+                    <p:cNvCxnSpPr/>
+                    <p:nvPr/>
+                  </p:nvCxnSpPr>
+                  <p:spPr>
+                    <a:xfrm>
+                      <a:off x="2286000" y="914400"/>
+                      <a:ext cx="0" cy="4419600"/>
+                    </a:xfrm>
+                    <a:prstGeom prst="line">
+                      <a:avLst/>
+                    </a:prstGeom>
                     <a:ln>
                       <a:solidFill>
                         <a:schemeClr val="tx1"/>
@@ -10383,88 +9284,425 @@
                     </a:ln>
                   </p:spPr>
                   <p:style>
-                    <a:lnRef idx="2">
-                      <a:schemeClr val="accent1">
-                        <a:shade val="50000"/>
-                      </a:schemeClr>
+                    <a:lnRef idx="1">
+                      <a:schemeClr val="accent1"/>
                     </a:lnRef>
-                    <a:fillRef idx="1">
+                    <a:fillRef idx="0">
                       <a:schemeClr val="accent1"/>
                     </a:fillRef>
                     <a:effectRef idx="0">
                       <a:schemeClr val="accent1"/>
                     </a:effectRef>
                     <a:fontRef idx="minor">
-                      <a:schemeClr val="lt1"/>
+                      <a:schemeClr val="tx1"/>
                     </a:fontRef>
                   </p:style>
+                </p:cxnSp>
+                <p:cxnSp>
+                  <p:nvCxnSpPr>
+                    <p:cNvPr id="296" name="Straight Arrow Connector 295"/>
+                    <p:cNvCxnSpPr/>
+                    <p:nvPr/>
+                  </p:nvCxnSpPr>
+                  <p:spPr>
+                    <a:xfrm>
+                      <a:off x="2286000" y="5334000"/>
+                      <a:ext cx="2057400" cy="0"/>
+                    </a:xfrm>
+                    <a:prstGeom prst="straightConnector1">
+                      <a:avLst/>
+                    </a:prstGeom>
+                    <a:ln>
+                      <a:solidFill>
+                        <a:schemeClr val="tx1"/>
+                      </a:solidFill>
+                      <a:tailEnd type="arrow"/>
+                    </a:ln>
+                  </p:spPr>
+                  <p:style>
+                    <a:lnRef idx="1">
+                      <a:schemeClr val="accent1"/>
+                    </a:lnRef>
+                    <a:fillRef idx="0">
+                      <a:schemeClr val="accent1"/>
+                    </a:fillRef>
+                    <a:effectRef idx="0">
+                      <a:schemeClr val="accent1"/>
+                    </a:effectRef>
+                    <a:fontRef idx="minor">
+                      <a:schemeClr val="tx1"/>
+                    </a:fontRef>
+                  </p:style>
+                </p:cxnSp>
+                <p:cxnSp>
+                  <p:nvCxnSpPr>
+                    <p:cNvPr id="298" name="Straight Connector 297"/>
+                    <p:cNvCxnSpPr/>
+                    <p:nvPr/>
+                  </p:nvCxnSpPr>
+                  <p:spPr>
+                    <a:xfrm flipV="1">
+                      <a:off x="4049490" y="5257800"/>
+                      <a:ext cx="152400" cy="152400"/>
+                    </a:xfrm>
+                    <a:prstGeom prst="line">
+                      <a:avLst/>
+                    </a:prstGeom>
+                    <a:ln>
+                      <a:solidFill>
+                        <a:schemeClr val="tx1"/>
+                      </a:solidFill>
+                    </a:ln>
+                  </p:spPr>
+                  <p:style>
+                    <a:lnRef idx="1">
+                      <a:schemeClr val="accent1"/>
+                    </a:lnRef>
+                    <a:fillRef idx="0">
+                      <a:schemeClr val="accent1"/>
+                    </a:fillRef>
+                    <a:effectRef idx="0">
+                      <a:schemeClr val="accent1"/>
+                    </a:effectRef>
+                    <a:fontRef idx="minor">
+                      <a:schemeClr val="tx1"/>
+                    </a:fontRef>
+                  </p:style>
+                </p:cxnSp>
+                <p:sp>
+                  <p:nvSpPr>
+                    <p:cNvPr id="299" name="TextBox 298"/>
+                    <p:cNvSpPr txBox="1"/>
+                    <p:nvPr/>
+                  </p:nvSpPr>
+                  <p:spPr>
+                    <a:xfrm>
+                      <a:off x="3962400" y="5379717"/>
+                      <a:ext cx="381000" cy="261610"/>
+                    </a:xfrm>
+                    <a:prstGeom prst="rect">
+                      <a:avLst/>
+                    </a:prstGeom>
+                    <a:noFill/>
+                    <a:ln>
+                      <a:noFill/>
+                    </a:ln>
+                  </p:spPr>
                   <p:txBody>
-                    <a:bodyPr rtlCol="0" anchor="ctr"/>
+                    <a:bodyPr wrap="square" rtlCol="0">
+                      <a:spAutoFit/>
+                    </a:bodyPr>
                     <a:lstStyle/>
                     <a:p>
-                      <a:pPr algn="ctr"/>
-                      <a:endParaRPr lang="en-US"/>
+                      <a:r>
+                        <a:rPr lang="en-US" sz="1100" dirty="0" smtClean="0"/>
+                        <a:t>6</a:t>
+                      </a:r>
+                      <a:endParaRPr lang="en-US" sz="1050" dirty="0"/>
+                    </a:p>
+                  </p:txBody>
+                </p:sp>
+                <p:sp>
+                  <p:nvSpPr>
+                    <p:cNvPr id="300" name="TextBox 299"/>
+                    <p:cNvSpPr txBox="1"/>
+                    <p:nvPr/>
+                  </p:nvSpPr>
+                  <p:spPr>
+                    <a:xfrm>
+                      <a:off x="2743200" y="5334000"/>
+                      <a:ext cx="990600" cy="184666"/>
+                    </a:xfrm>
+                    <a:prstGeom prst="rect">
+                      <a:avLst/>
+                    </a:prstGeom>
+                    <a:noFill/>
+                    <a:ln>
+                      <a:noFill/>
+                    </a:ln>
+                  </p:spPr>
+                  <p:txBody>
+                    <a:bodyPr wrap="square" rtlCol="0">
+                      <a:spAutoFit/>
+                    </a:bodyPr>
+                    <a:lstStyle/>
+                    <a:p>
+                      <a:pPr algn="r"/>
+                      <a:r>
+                        <a:rPr lang="en-US" sz="600" dirty="0" smtClean="0"/>
+                        <a:t>Instruction [5-0]</a:t>
+                      </a:r>
+                      <a:endParaRPr lang="en-US" sz="600" dirty="0"/>
+                    </a:p>
+                  </p:txBody>
+                </p:sp>
+                <p:cxnSp>
+                  <p:nvCxnSpPr>
+                    <p:cNvPr id="302" name="Straight Arrow Connector 301"/>
+                    <p:cNvCxnSpPr/>
+                    <p:nvPr/>
+                  </p:nvCxnSpPr>
+                  <p:spPr>
+                    <a:xfrm flipV="1">
+                      <a:off x="2286000" y="4343400"/>
+                      <a:ext cx="1600200" cy="4234"/>
+                    </a:xfrm>
+                    <a:prstGeom prst="straightConnector1">
+                      <a:avLst/>
+                    </a:prstGeom>
+                    <a:ln>
+                      <a:solidFill>
+                        <a:schemeClr val="tx1"/>
+                      </a:solidFill>
+                      <a:tailEnd type="arrow"/>
+                    </a:ln>
+                  </p:spPr>
+                  <p:style>
+                    <a:lnRef idx="1">
+                      <a:schemeClr val="accent1"/>
+                    </a:lnRef>
+                    <a:fillRef idx="0">
+                      <a:schemeClr val="accent1"/>
+                    </a:fillRef>
+                    <a:effectRef idx="0">
+                      <a:schemeClr val="accent1"/>
+                    </a:effectRef>
+                    <a:fontRef idx="minor">
+                      <a:schemeClr val="tx1"/>
+                    </a:fontRef>
+                  </p:style>
+                </p:cxnSp>
+                <p:cxnSp>
+                  <p:nvCxnSpPr>
+                    <p:cNvPr id="311" name="Straight Connector 310"/>
+                    <p:cNvCxnSpPr/>
+                    <p:nvPr/>
+                  </p:nvCxnSpPr>
+                  <p:spPr>
+                    <a:xfrm flipH="1">
+                      <a:off x="2133600" y="4191000"/>
+                      <a:ext cx="152400" cy="0"/>
+                    </a:xfrm>
+                    <a:prstGeom prst="line">
+                      <a:avLst/>
+                    </a:prstGeom>
+                    <a:ln>
+                      <a:solidFill>
+                        <a:schemeClr val="tx1"/>
+                      </a:solidFill>
+                    </a:ln>
+                  </p:spPr>
+                  <p:style>
+                    <a:lnRef idx="1">
+                      <a:schemeClr val="accent1"/>
+                    </a:lnRef>
+                    <a:fillRef idx="0">
+                      <a:schemeClr val="accent1"/>
+                    </a:fillRef>
+                    <a:effectRef idx="0">
+                      <a:schemeClr val="accent1"/>
+                    </a:effectRef>
+                    <a:fontRef idx="minor">
+                      <a:schemeClr val="tx1"/>
+                    </a:fontRef>
+                  </p:style>
+                </p:cxnSp>
+                <p:sp>
+                  <p:nvSpPr>
+                    <p:cNvPr id="320" name="TextBox 319"/>
+                    <p:cNvSpPr txBox="1"/>
+                    <p:nvPr/>
+                  </p:nvSpPr>
+                  <p:spPr>
+                    <a:xfrm>
+                      <a:off x="2819400" y="4311134"/>
+                      <a:ext cx="990600" cy="184666"/>
+                    </a:xfrm>
+                    <a:prstGeom prst="rect">
+                      <a:avLst/>
+                    </a:prstGeom>
+                    <a:noFill/>
+                    <a:ln>
+                      <a:noFill/>
+                    </a:ln>
+                  </p:spPr>
+                  <p:txBody>
+                    <a:bodyPr wrap="square" rtlCol="0">
+                      <a:spAutoFit/>
+                    </a:bodyPr>
+                    <a:lstStyle/>
+                    <a:p>
+                      <a:pPr algn="r"/>
+                      <a:r>
+                        <a:rPr lang="en-US" sz="600" dirty="0" smtClean="0"/>
+                        <a:t>Instruction </a:t>
+                      </a:r>
+                      <a:r>
+                        <a:rPr lang="en-US" sz="600" dirty="0" smtClean="0"/>
+                        <a:t>[11-9]</a:t>
+                      </a:r>
+                      <a:endParaRPr lang="en-US" sz="600" dirty="0"/>
+                    </a:p>
+                  </p:txBody>
+                </p:sp>
+                <p:cxnSp>
+                  <p:nvCxnSpPr>
+                    <p:cNvPr id="325" name="Straight Arrow Connector 324"/>
+                    <p:cNvCxnSpPr/>
+                    <p:nvPr/>
+                  </p:nvCxnSpPr>
+                  <p:spPr>
+                    <a:xfrm>
+                      <a:off x="2286000" y="3352800"/>
+                      <a:ext cx="1600200" cy="0"/>
+                    </a:xfrm>
+                    <a:prstGeom prst="straightConnector1">
+                      <a:avLst/>
+                    </a:prstGeom>
+                    <a:ln>
+                      <a:solidFill>
+                        <a:schemeClr val="tx1"/>
+                      </a:solidFill>
+                      <a:tailEnd type="arrow"/>
+                    </a:ln>
+                  </p:spPr>
+                  <p:style>
+                    <a:lnRef idx="1">
+                      <a:schemeClr val="accent1"/>
+                    </a:lnRef>
+                    <a:fillRef idx="0">
+                      <a:schemeClr val="accent1"/>
+                    </a:fillRef>
+                    <a:effectRef idx="0">
+                      <a:schemeClr val="accent1"/>
+                    </a:effectRef>
+                    <a:fontRef idx="minor">
+                      <a:schemeClr val="tx1"/>
+                    </a:fontRef>
+                  </p:style>
+                </p:cxnSp>
+                <p:sp>
+                  <p:nvSpPr>
+                    <p:cNvPr id="326" name="TextBox 325"/>
+                    <p:cNvSpPr txBox="1"/>
+                    <p:nvPr/>
+                  </p:nvSpPr>
+                  <p:spPr>
+                    <a:xfrm>
+                      <a:off x="2819400" y="3314697"/>
+                      <a:ext cx="990600" cy="184666"/>
+                    </a:xfrm>
+                    <a:prstGeom prst="rect">
+                      <a:avLst/>
+                    </a:prstGeom>
+                    <a:noFill/>
+                    <a:ln>
+                      <a:noFill/>
+                    </a:ln>
+                  </p:spPr>
+                  <p:txBody>
+                    <a:bodyPr wrap="square" rtlCol="0">
+                      <a:spAutoFit/>
+                    </a:bodyPr>
+                    <a:lstStyle/>
+                    <a:p>
+                      <a:pPr algn="r"/>
+                      <a:r>
+                        <a:rPr lang="en-US" sz="600" dirty="0" smtClean="0"/>
+                        <a:t>Instruction </a:t>
+                      </a:r>
+                      <a:r>
+                        <a:rPr lang="en-US" sz="600" dirty="0" smtClean="0"/>
+                        <a:t>[8-6]</a:t>
+                      </a:r>
+                      <a:endParaRPr lang="en-US" sz="600" dirty="0"/>
+                    </a:p>
+                  </p:txBody>
+                </p:sp>
+                <p:cxnSp>
+                  <p:nvCxnSpPr>
+                    <p:cNvPr id="335" name="Straight Arrow Connector 334"/>
+                    <p:cNvCxnSpPr/>
+                    <p:nvPr/>
+                  </p:nvCxnSpPr>
+                  <p:spPr>
+                    <a:xfrm>
+                      <a:off x="2286000" y="3848103"/>
+                      <a:ext cx="1600200" cy="0"/>
+                    </a:xfrm>
+                    <a:prstGeom prst="straightConnector1">
+                      <a:avLst/>
+                    </a:prstGeom>
+                    <a:ln>
+                      <a:solidFill>
+                        <a:schemeClr val="tx1"/>
+                      </a:solidFill>
+                      <a:tailEnd type="arrow"/>
+                    </a:ln>
+                  </p:spPr>
+                  <p:style>
+                    <a:lnRef idx="1">
+                      <a:schemeClr val="accent1"/>
+                    </a:lnRef>
+                    <a:fillRef idx="0">
+                      <a:schemeClr val="accent1"/>
+                    </a:fillRef>
+                    <a:effectRef idx="0">
+                      <a:schemeClr val="accent1"/>
+                    </a:effectRef>
+                    <a:fontRef idx="minor">
+                      <a:schemeClr val="tx1"/>
+                    </a:fontRef>
+                  </p:style>
+                </p:cxnSp>
+                <p:sp>
+                  <p:nvSpPr>
+                    <p:cNvPr id="336" name="TextBox 335"/>
+                    <p:cNvSpPr txBox="1"/>
+                    <p:nvPr/>
+                  </p:nvSpPr>
+                  <p:spPr>
+                    <a:xfrm>
+                      <a:off x="2819400" y="3810000"/>
+                      <a:ext cx="990600" cy="184666"/>
+                    </a:xfrm>
+                    <a:prstGeom prst="rect">
+                      <a:avLst/>
+                    </a:prstGeom>
+                    <a:noFill/>
+                    <a:ln>
+                      <a:noFill/>
+                    </a:ln>
+                  </p:spPr>
+                  <p:txBody>
+                    <a:bodyPr wrap="square" rtlCol="0">
+                      <a:spAutoFit/>
+                    </a:bodyPr>
+                    <a:lstStyle/>
+                    <a:p>
+                      <a:pPr algn="r"/>
+                      <a:r>
+                        <a:rPr lang="en-US" sz="600" dirty="0" smtClean="0"/>
+                        <a:t>Instruction </a:t>
+                      </a:r>
+                      <a:r>
+                        <a:rPr lang="en-US" sz="600" dirty="0" smtClean="0"/>
+                        <a:t>[5-3]</a:t>
+                      </a:r>
+                      <a:endParaRPr lang="en-US" sz="600" dirty="0"/>
                     </a:p>
                   </p:txBody>
                 </p:sp>
               </p:grpSp>
               <p:sp>
                 <p:nvSpPr>
-                  <p:cNvPr id="492" name="Oval 491"/>
+                  <p:cNvPr id="490" name="Oval 489"/>
                   <p:cNvSpPr/>
                   <p:nvPr/>
                 </p:nvSpPr>
                 <p:spPr>
                   <a:xfrm>
-                    <a:off x="2265356" y="3822704"/>
-                    <a:ext cx="45719" cy="45719"/>
-                  </a:xfrm>
-                  <a:prstGeom prst="ellipse">
-                    <a:avLst/>
-                  </a:prstGeom>
-                  <a:solidFill>
-                    <a:schemeClr val="tx1"/>
-                  </a:solidFill>
-                  <a:ln>
-                    <a:solidFill>
-                      <a:schemeClr val="tx1"/>
-                    </a:solidFill>
-                  </a:ln>
-                </p:spPr>
-                <p:style>
-                  <a:lnRef idx="2">
-                    <a:schemeClr val="accent1">
-                      <a:shade val="50000"/>
-                    </a:schemeClr>
-                  </a:lnRef>
-                  <a:fillRef idx="1">
-                    <a:schemeClr val="accent1"/>
-                  </a:fillRef>
-                  <a:effectRef idx="0">
-                    <a:schemeClr val="accent1"/>
-                  </a:effectRef>
-                  <a:fontRef idx="minor">
-                    <a:schemeClr val="lt1"/>
-                  </a:fontRef>
-                </p:style>
-                <p:txBody>
-                  <a:bodyPr rtlCol="0" anchor="ctr"/>
-                  <a:lstStyle/>
-                  <a:p>
-                    <a:pPr algn="ctr"/>
-                    <a:endParaRPr lang="en-US"/>
-                  </a:p>
-                </p:txBody>
-              </p:sp>
-              <p:sp>
-                <p:nvSpPr>
-                  <p:cNvPr id="494" name="Oval 493"/>
-                  <p:cNvSpPr/>
-                  <p:nvPr/>
-                </p:nvSpPr>
-                <p:spPr>
-                  <a:xfrm>
-                    <a:off x="2263768" y="4983481"/>
+                    <a:off x="2266944" y="3325828"/>
                     <a:ext cx="45719" cy="45719"/>
                   </a:xfrm>
                   <a:prstGeom prst="ellipse">
@@ -10505,6 +9743,54 @@
                 </p:txBody>
               </p:sp>
             </p:grpSp>
+            <p:sp>
+              <p:nvSpPr>
+                <p:cNvPr id="492" name="Oval 491"/>
+                <p:cNvSpPr/>
+                <p:nvPr/>
+              </p:nvSpPr>
+              <p:spPr>
+                <a:xfrm>
+                  <a:off x="2265356" y="3822704"/>
+                  <a:ext cx="45719" cy="45719"/>
+                </a:xfrm>
+                <a:prstGeom prst="ellipse">
+                  <a:avLst/>
+                </a:prstGeom>
+                <a:solidFill>
+                  <a:schemeClr val="tx1"/>
+                </a:solidFill>
+                <a:ln>
+                  <a:solidFill>
+                    <a:schemeClr val="tx1"/>
+                  </a:solidFill>
+                </a:ln>
+              </p:spPr>
+              <p:style>
+                <a:lnRef idx="2">
+                  <a:schemeClr val="accent1">
+                    <a:shade val="50000"/>
+                  </a:schemeClr>
+                </a:lnRef>
+                <a:fillRef idx="1">
+                  <a:schemeClr val="accent1"/>
+                </a:fillRef>
+                <a:effectRef idx="0">
+                  <a:schemeClr val="accent1"/>
+                </a:effectRef>
+                <a:fontRef idx="minor">
+                  <a:schemeClr val="lt1"/>
+                </a:fontRef>
+              </p:style>
+              <p:txBody>
+                <a:bodyPr rtlCol="0" anchor="ctr"/>
+                <a:lstStyle/>
+                <a:p>
+                  <a:pPr algn="ctr"/>
+                  <a:endParaRPr lang="en-US"/>
+                </a:p>
+              </p:txBody>
+            </p:sp>
           </p:grpSp>
           <p:sp>
             <p:nvSpPr>
@@ -10591,41 +9877,6 @@
             </a:fontRef>
           </p:style>
         </p:cxnSp>
-        <p:cxnSp>
-          <p:nvCxnSpPr>
-            <p:cNvPr id="521" name="Straight Connector 520"/>
-            <p:cNvCxnSpPr/>
-            <p:nvPr/>
-          </p:nvCxnSpPr>
-          <p:spPr>
-            <a:xfrm flipV="1">
-              <a:off x="3886200" y="5334000"/>
-              <a:ext cx="0" cy="685800"/>
-            </a:xfrm>
-            <a:prstGeom prst="line">
-              <a:avLst/>
-            </a:prstGeom>
-            <a:ln>
-              <a:solidFill>
-                <a:schemeClr val="tx1"/>
-              </a:solidFill>
-            </a:ln>
-          </p:spPr>
-          <p:style>
-            <a:lnRef idx="1">
-              <a:schemeClr val="accent1"/>
-            </a:lnRef>
-            <a:fillRef idx="0">
-              <a:schemeClr val="accent1"/>
-            </a:fillRef>
-            <a:effectRef idx="0">
-              <a:schemeClr val="accent1"/>
-            </a:effectRef>
-            <a:fontRef idx="minor">
-              <a:schemeClr val="tx1"/>
-            </a:fontRef>
-          </p:style>
-        </p:cxnSp>
         <p:sp>
           <p:nvSpPr>
             <p:cNvPr id="525" name="Oval 524"/>
@@ -10674,6 +9925,41 @@
             </a:p>
           </p:txBody>
         </p:sp>
+        <p:cxnSp>
+          <p:nvCxnSpPr>
+            <p:cNvPr id="521" name="Straight Connector 520"/>
+            <p:cNvCxnSpPr/>
+            <p:nvPr/>
+          </p:nvCxnSpPr>
+          <p:spPr>
+            <a:xfrm flipV="1">
+              <a:off x="3886200" y="5334000"/>
+              <a:ext cx="0" cy="685800"/>
+            </a:xfrm>
+            <a:prstGeom prst="line">
+              <a:avLst/>
+            </a:prstGeom>
+            <a:ln>
+              <a:solidFill>
+                <a:schemeClr val="tx1"/>
+              </a:solidFill>
+            </a:ln>
+          </p:spPr>
+          <p:style>
+            <a:lnRef idx="1">
+              <a:schemeClr val="accent1"/>
+            </a:lnRef>
+            <a:fillRef idx="0">
+              <a:schemeClr val="accent1"/>
+            </a:fillRef>
+            <a:effectRef idx="0">
+              <a:schemeClr val="accent1"/>
+            </a:effectRef>
+            <a:fontRef idx="minor">
+              <a:schemeClr val="tx1"/>
+            </a:fontRef>
+          </p:style>
+        </p:cxnSp>
         <p:sp>
           <p:nvSpPr>
             <p:cNvPr id="551" name="TextBox 550"/>
@@ -11575,18 +10861,7 @@
                   </a:schemeClr>
                 </a:solidFill>
               </a:rPr>
-              <a:t>Left shift </a:t>
-            </a:r>
-            <a:r>
-              <a:rPr lang="en-US" sz="1100" dirty="0" smtClean="0">
-                <a:solidFill>
-                  <a:schemeClr val="accent5">
-                    <a:lumMod val="60000"/>
-                    <a:lumOff val="40000"/>
-                  </a:schemeClr>
-                </a:solidFill>
-              </a:rPr>
-              <a:t>1</a:t>
+              <a:t>Left shift 1</a:t>
             </a:r>
             <a:endParaRPr lang="en-US" dirty="0">
               <a:solidFill>
@@ -12671,11 +11946,7 @@
             <a:pPr algn="r"/>
             <a:r>
               <a:rPr lang="en-US" sz="600" dirty="0" smtClean="0"/>
-              <a:t>Instruction [</a:t>
-            </a:r>
-            <a:r>
-              <a:rPr lang="en-US" sz="600" dirty="0" smtClean="0"/>
-              <a:t>11-0]</a:t>
+              <a:t>Instruction [11-0]</a:t>
             </a:r>
             <a:endParaRPr lang="en-US" sz="600" dirty="0"/>
           </a:p>

--- a/CPU block diagram with jump.pptx
+++ b/CPU block diagram with jump.pptx
@@ -289,7 +289,7 @@
             <a:fld id="{AA76FD35-F9F8-4A42-9A4F-278A7EAB713E}" type="datetimeFigureOut">
               <a:rPr lang="en-US" smtClean="0"/>
               <a:pPr/>
-              <a:t>11/11/2025</a:t>
+              <a:t>11/12/2025</a:t>
             </a:fld>
             <a:endParaRPr lang="en-US"/>
           </a:p>
@@ -456,7 +456,7 @@
             <a:fld id="{AA76FD35-F9F8-4A42-9A4F-278A7EAB713E}" type="datetimeFigureOut">
               <a:rPr lang="en-US" smtClean="0"/>
               <a:pPr/>
-              <a:t>11/11/2025</a:t>
+              <a:t>11/12/2025</a:t>
             </a:fld>
             <a:endParaRPr lang="en-US"/>
           </a:p>
@@ -633,7 +633,7 @@
             <a:fld id="{AA76FD35-F9F8-4A42-9A4F-278A7EAB713E}" type="datetimeFigureOut">
               <a:rPr lang="en-US" smtClean="0"/>
               <a:pPr/>
-              <a:t>11/11/2025</a:t>
+              <a:t>11/12/2025</a:t>
             </a:fld>
             <a:endParaRPr lang="en-US"/>
           </a:p>
@@ -800,7 +800,7 @@
             <a:fld id="{AA76FD35-F9F8-4A42-9A4F-278A7EAB713E}" type="datetimeFigureOut">
               <a:rPr lang="en-US" smtClean="0"/>
               <a:pPr/>
-              <a:t>11/11/2025</a:t>
+              <a:t>11/12/2025</a:t>
             </a:fld>
             <a:endParaRPr lang="en-US"/>
           </a:p>
@@ -1043,7 +1043,7 @@
             <a:fld id="{AA76FD35-F9F8-4A42-9A4F-278A7EAB713E}" type="datetimeFigureOut">
               <a:rPr lang="en-US" smtClean="0"/>
               <a:pPr/>
-              <a:t>11/11/2025</a:t>
+              <a:t>11/12/2025</a:t>
             </a:fld>
             <a:endParaRPr lang="en-US"/>
           </a:p>
@@ -1328,7 +1328,7 @@
             <a:fld id="{AA76FD35-F9F8-4A42-9A4F-278A7EAB713E}" type="datetimeFigureOut">
               <a:rPr lang="en-US" smtClean="0"/>
               <a:pPr/>
-              <a:t>11/11/2025</a:t>
+              <a:t>11/12/2025</a:t>
             </a:fld>
             <a:endParaRPr lang="en-US"/>
           </a:p>
@@ -1747,7 +1747,7 @@
             <a:fld id="{AA76FD35-F9F8-4A42-9A4F-278A7EAB713E}" type="datetimeFigureOut">
               <a:rPr lang="en-US" smtClean="0"/>
               <a:pPr/>
-              <a:t>11/11/2025</a:t>
+              <a:t>11/12/2025</a:t>
             </a:fld>
             <a:endParaRPr lang="en-US"/>
           </a:p>
@@ -1862,7 +1862,7 @@
             <a:fld id="{AA76FD35-F9F8-4A42-9A4F-278A7EAB713E}" type="datetimeFigureOut">
               <a:rPr lang="en-US" smtClean="0"/>
               <a:pPr/>
-              <a:t>11/11/2025</a:t>
+              <a:t>11/12/2025</a:t>
             </a:fld>
             <a:endParaRPr lang="en-US"/>
           </a:p>
@@ -1954,7 +1954,7 @@
             <a:fld id="{AA76FD35-F9F8-4A42-9A4F-278A7EAB713E}" type="datetimeFigureOut">
               <a:rPr lang="en-US" smtClean="0"/>
               <a:pPr/>
-              <a:t>11/11/2025</a:t>
+              <a:t>11/12/2025</a:t>
             </a:fld>
             <a:endParaRPr lang="en-US"/>
           </a:p>
@@ -2228,7 +2228,7 @@
             <a:fld id="{AA76FD35-F9F8-4A42-9A4F-278A7EAB713E}" type="datetimeFigureOut">
               <a:rPr lang="en-US" smtClean="0"/>
               <a:pPr/>
-              <a:t>11/11/2025</a:t>
+              <a:t>11/12/2025</a:t>
             </a:fld>
             <a:endParaRPr lang="en-US"/>
           </a:p>
@@ -2478,7 +2478,7 @@
             <a:fld id="{AA76FD35-F9F8-4A42-9A4F-278A7EAB713E}" type="datetimeFigureOut">
               <a:rPr lang="en-US" smtClean="0"/>
               <a:pPr/>
-              <a:t>11/11/2025</a:t>
+              <a:t>11/12/2025</a:t>
             </a:fld>
             <a:endParaRPr lang="en-US"/>
           </a:p>
@@ -2688,7 +2688,7 @@
             <a:fld id="{AA76FD35-F9F8-4A42-9A4F-278A7EAB713E}" type="datetimeFigureOut">
               <a:rPr lang="en-US" smtClean="0"/>
               <a:pPr/>
-              <a:t>11/11/2025</a:t>
+              <a:t>11/12/2025</a:t>
             </a:fld>
             <a:endParaRPr lang="en-US"/>
           </a:p>
@@ -5059,7 +5059,7 @@
           </p:nvSpPr>
           <p:spPr>
             <a:xfrm>
-              <a:off x="6825345" y="3505200"/>
+              <a:off x="6825345" y="3657600"/>
               <a:ext cx="457200" cy="261610"/>
             </a:xfrm>
             <a:prstGeom prst="rect">
@@ -5122,8 +5122,8 @@
         </p:nvSpPr>
         <p:spPr>
           <a:xfrm>
-            <a:off x="7315200" y="2895600"/>
-            <a:ext cx="381000" cy="435429"/>
+            <a:off x="7467600" y="3124200"/>
+            <a:ext cx="228600" cy="206829"/>
           </a:xfrm>
           <a:prstGeom prst="flowChartDelay">
             <a:avLst/>
@@ -6993,107 +6993,16 @@
       </p:cxnSp>
       <p:grpSp>
         <p:nvGrpSpPr>
-          <p:cNvPr id="199" name="Group 198"/>
-          <p:cNvGrpSpPr/>
-          <p:nvPr/>
-        </p:nvGrpSpPr>
-        <p:grpSpPr>
-          <a:xfrm>
-            <a:off x="7696219" y="1477432"/>
-            <a:ext cx="457200" cy="1646770"/>
-            <a:chOff x="7599227" y="1390929"/>
-            <a:chExt cx="124691" cy="1073983"/>
-          </a:xfrm>
-        </p:grpSpPr>
-        <p:cxnSp>
-          <p:nvCxnSpPr>
-            <p:cNvPr id="178" name="Straight Connector 177"/>
-            <p:cNvCxnSpPr/>
-            <p:nvPr/>
-          </p:nvCxnSpPr>
-          <p:spPr>
-            <a:xfrm flipH="1">
-              <a:off x="7723913" y="1390929"/>
-              <a:ext cx="3" cy="1073982"/>
-            </a:xfrm>
-            <a:prstGeom prst="line">
-              <a:avLst/>
-            </a:prstGeom>
-            <a:ln>
-              <a:solidFill>
-                <a:schemeClr val="tx2">
-                  <a:lumMod val="60000"/>
-                  <a:lumOff val="40000"/>
-                </a:schemeClr>
-              </a:solidFill>
-            </a:ln>
-          </p:spPr>
-          <p:style>
-            <a:lnRef idx="1">
-              <a:schemeClr val="accent1"/>
-            </a:lnRef>
-            <a:fillRef idx="0">
-              <a:schemeClr val="accent1"/>
-            </a:fillRef>
-            <a:effectRef idx="0">
-              <a:schemeClr val="accent1"/>
-            </a:effectRef>
-            <a:fontRef idx="minor">
-              <a:schemeClr val="tx1"/>
-            </a:fontRef>
-          </p:style>
-        </p:cxnSp>
-        <p:cxnSp>
-          <p:nvCxnSpPr>
-            <p:cNvPr id="180" name="Straight Connector 179"/>
-            <p:cNvCxnSpPr/>
-            <p:nvPr/>
-          </p:nvCxnSpPr>
-          <p:spPr>
-            <a:xfrm>
-              <a:off x="7599227" y="2464911"/>
-              <a:ext cx="124691" cy="1"/>
-            </a:xfrm>
-            <a:prstGeom prst="line">
-              <a:avLst/>
-            </a:prstGeom>
-            <a:ln>
-              <a:solidFill>
-                <a:schemeClr val="tx2">
-                  <a:lumMod val="60000"/>
-                  <a:lumOff val="40000"/>
-                </a:schemeClr>
-              </a:solidFill>
-            </a:ln>
-          </p:spPr>
-          <p:style>
-            <a:lnRef idx="1">
-              <a:schemeClr val="accent1"/>
-            </a:lnRef>
-            <a:fillRef idx="0">
-              <a:schemeClr val="accent1"/>
-            </a:fillRef>
-            <a:effectRef idx="0">
-              <a:schemeClr val="accent1"/>
-            </a:effectRef>
-            <a:fontRef idx="minor">
-              <a:schemeClr val="tx1"/>
-            </a:fontRef>
-          </p:style>
-        </p:cxnSp>
-      </p:grpSp>
-      <p:grpSp>
-        <p:nvGrpSpPr>
           <p:cNvPr id="198" name="Group 197"/>
           <p:cNvGrpSpPr/>
           <p:nvPr/>
         </p:nvGrpSpPr>
         <p:grpSpPr>
           <a:xfrm>
-            <a:off x="6934200" y="3200400"/>
-            <a:ext cx="381000" cy="457200"/>
-            <a:chOff x="6934200" y="3200400"/>
-            <a:chExt cx="381000" cy="457200"/>
+            <a:off x="6934200" y="3276600"/>
+            <a:ext cx="516466" cy="533400"/>
+            <a:chOff x="6798734" y="3276600"/>
+            <a:chExt cx="516466" cy="533400"/>
           </a:xfrm>
         </p:grpSpPr>
         <p:cxnSp>
@@ -7104,7 +7013,7 @@
           </p:nvCxnSpPr>
           <p:spPr>
             <a:xfrm>
-              <a:off x="7162800" y="3200400"/>
+              <a:off x="7162800" y="3276600"/>
               <a:ext cx="152400" cy="0"/>
             </a:xfrm>
             <a:prstGeom prst="line">
@@ -7139,8 +7048,8 @@
           </p:nvCxnSpPr>
           <p:spPr>
             <a:xfrm flipH="1">
-              <a:off x="6934200" y="3657600"/>
-              <a:ext cx="228600" cy="0"/>
+              <a:off x="6798734" y="3810000"/>
+              <a:ext cx="364066" cy="0"/>
             </a:xfrm>
             <a:prstGeom prst="line">
               <a:avLst/>
@@ -7174,8 +7083,8 @@
           </p:nvCxnSpPr>
           <p:spPr>
             <a:xfrm>
-              <a:off x="7162800" y="3200400"/>
-              <a:ext cx="0" cy="457200"/>
+              <a:off x="7162800" y="3276600"/>
+              <a:ext cx="0" cy="533400"/>
             </a:xfrm>
             <a:prstGeom prst="line">
               <a:avLst/>
@@ -7905,9 +7814,9 @@
         <p:grpSpPr>
           <a:xfrm>
             <a:off x="914401" y="381000"/>
-            <a:ext cx="405384" cy="3294068"/>
+            <a:ext cx="405384" cy="3300418"/>
             <a:chOff x="914401" y="381000"/>
-            <a:chExt cx="405384" cy="3294068"/>
+            <a:chExt cx="405384" cy="3300418"/>
           </a:xfrm>
         </p:grpSpPr>
         <p:grpSp>
@@ -8055,7 +7964,7 @@
           </p:nvSpPr>
           <p:spPr>
             <a:xfrm>
-              <a:off x="967113" y="3629349"/>
+              <a:off x="967113" y="3635699"/>
               <a:ext cx="45719" cy="45719"/>
             </a:xfrm>
             <a:prstGeom prst="ellipse">
@@ -8064,7 +7973,7 @@
             <a:solidFill>
               <a:schemeClr val="tx1"/>
             </a:solidFill>
-            <a:ln>
+            <a:ln w="6350">
               <a:solidFill>
                 <a:schemeClr val="tx1"/>
               </a:solidFill>
@@ -8319,7 +8228,7 @@
             <a:solidFill>
               <a:schemeClr val="tx1"/>
             </a:solidFill>
-            <a:ln>
+            <a:ln w="6350">
               <a:solidFill>
                 <a:schemeClr val="tx1"/>
               </a:solidFill>
@@ -8636,7 +8545,7 @@
               <a:solidFill>
                 <a:schemeClr val="tx1"/>
               </a:solidFill>
-              <a:ln>
+              <a:ln w="6350">
                 <a:solidFill>
                   <a:schemeClr val="tx1"/>
                 </a:solidFill>
@@ -8871,7 +8780,7 @@
             <a:solidFill>
               <a:schemeClr val="tx1"/>
             </a:solidFill>
-            <a:ln>
+            <a:ln w="6350">
               <a:solidFill>
                 <a:schemeClr val="tx1"/>
               </a:solidFill>
@@ -9535,11 +9444,7 @@
                       <a:pPr algn="r"/>
                       <a:r>
                         <a:rPr lang="en-US" sz="600" dirty="0" smtClean="0"/>
-                        <a:t>Instruction </a:t>
-                      </a:r>
-                      <a:r>
-                        <a:rPr lang="en-US" sz="600" dirty="0" smtClean="0"/>
-                        <a:t>[11-9]</a:t>
+                        <a:t>Instruction [11-9]</a:t>
                       </a:r>
                       <a:endParaRPr lang="en-US" sz="600" dirty="0"/>
                     </a:p>
@@ -9609,11 +9514,7 @@
                       <a:pPr algn="r"/>
                       <a:r>
                         <a:rPr lang="en-US" sz="600" dirty="0" smtClean="0"/>
-                        <a:t>Instruction </a:t>
-                      </a:r>
-                      <a:r>
-                        <a:rPr lang="en-US" sz="600" dirty="0" smtClean="0"/>
-                        <a:t>[8-6]</a:t>
+                        <a:t>Instruction [8-6]</a:t>
                       </a:r>
                       <a:endParaRPr lang="en-US" sz="600" dirty="0"/>
                     </a:p>
@@ -9683,11 +9584,7 @@
                       <a:pPr algn="r"/>
                       <a:r>
                         <a:rPr lang="en-US" sz="600" dirty="0" smtClean="0"/>
-                        <a:t>Instruction </a:t>
-                      </a:r>
-                      <a:r>
-                        <a:rPr lang="en-US" sz="600" dirty="0" smtClean="0"/>
-                        <a:t>[5-3]</a:t>
+                        <a:t>Instruction [5-3]</a:t>
                       </a:r>
                       <a:endParaRPr lang="en-US" sz="600" dirty="0"/>
                     </a:p>
@@ -9711,7 +9608,7 @@
                   <a:solidFill>
                     <a:schemeClr val="tx1"/>
                   </a:solidFill>
-                  <a:ln>
+                  <a:ln w="6350">
                     <a:solidFill>
                       <a:schemeClr val="tx1"/>
                     </a:solidFill>
@@ -9760,7 +9657,7 @@
                 <a:solidFill>
                   <a:schemeClr val="tx1"/>
                 </a:solidFill>
-                <a:ln>
+                <a:ln w="6350">
                   <a:solidFill>
                     <a:schemeClr val="tx1"/>
                   </a:solidFill>
@@ -9809,7 +9706,7 @@
               <a:solidFill>
                 <a:schemeClr val="tx1"/>
               </a:solidFill>
-              <a:ln>
+              <a:ln w="6350">
                 <a:solidFill>
                   <a:schemeClr val="tx1"/>
                 </a:solidFill>
@@ -9894,7 +9791,7 @@
             <a:solidFill>
               <a:schemeClr val="tx1"/>
             </a:solidFill>
-            <a:ln>
+            <a:ln w="6350">
               <a:solidFill>
                 <a:schemeClr val="tx1"/>
               </a:solidFill>
@@ -10607,207 +10504,6 @@
           </p:style>
         </p:cxnSp>
       </p:grpSp>
-      <p:grpSp>
-        <p:nvGrpSpPr>
-          <p:cNvPr id="641" name="Group 640"/>
-          <p:cNvGrpSpPr/>
-          <p:nvPr/>
-        </p:nvGrpSpPr>
-        <p:grpSpPr>
-          <a:xfrm>
-            <a:off x="3933825" y="1447800"/>
-            <a:ext cx="3381375" cy="1600200"/>
-            <a:chOff x="3933825" y="1447800"/>
-            <a:chExt cx="3381375" cy="1600200"/>
-          </a:xfrm>
-        </p:grpSpPr>
-        <p:sp>
-          <p:nvSpPr>
-            <p:cNvPr id="616" name="TextBox 615"/>
-            <p:cNvSpPr txBox="1"/>
-            <p:nvPr/>
-          </p:nvSpPr>
-          <p:spPr>
-            <a:xfrm>
-              <a:off x="4010025" y="1447800"/>
-              <a:ext cx="609600" cy="200055"/>
-            </a:xfrm>
-            <a:prstGeom prst="rect">
-              <a:avLst/>
-            </a:prstGeom>
-            <a:noFill/>
-          </p:spPr>
-          <p:txBody>
-            <a:bodyPr wrap="square" rtlCol="0">
-              <a:spAutoFit/>
-            </a:bodyPr>
-            <a:lstStyle/>
-            <a:p>
-              <a:r>
-                <a:rPr lang="en-US" sz="700" dirty="0" smtClean="0">
-                  <a:solidFill>
-                    <a:schemeClr val="tx2">
-                      <a:lumMod val="60000"/>
-                      <a:lumOff val="40000"/>
-                    </a:schemeClr>
-                  </a:solidFill>
-                </a:rPr>
-                <a:t>Branch</a:t>
-              </a:r>
-            </a:p>
-          </p:txBody>
-        </p:sp>
-        <p:cxnSp>
-          <p:nvCxnSpPr>
-            <p:cNvPr id="617" name="Straight Connector 616"/>
-            <p:cNvCxnSpPr/>
-            <p:nvPr/>
-          </p:nvCxnSpPr>
-          <p:spPr>
-            <a:xfrm>
-              <a:off x="3933825" y="1600200"/>
-              <a:ext cx="1476375" cy="0"/>
-            </a:xfrm>
-            <a:prstGeom prst="line">
-              <a:avLst/>
-            </a:prstGeom>
-          </p:spPr>
-          <p:style>
-            <a:lnRef idx="1">
-              <a:schemeClr val="accent1"/>
-            </a:lnRef>
-            <a:fillRef idx="0">
-              <a:schemeClr val="accent1"/>
-            </a:fillRef>
-            <a:effectRef idx="0">
-              <a:schemeClr val="accent1"/>
-            </a:effectRef>
-            <a:fontRef idx="minor">
-              <a:schemeClr val="tx1"/>
-            </a:fontRef>
-          </p:style>
-        </p:cxnSp>
-        <p:cxnSp>
-          <p:nvCxnSpPr>
-            <p:cNvPr id="621" name="Straight Connector 620"/>
-            <p:cNvCxnSpPr/>
-            <p:nvPr/>
-          </p:nvCxnSpPr>
-          <p:spPr>
-            <a:xfrm flipV="1">
-              <a:off x="5410200" y="1600200"/>
-              <a:ext cx="0" cy="533400"/>
-            </a:xfrm>
-            <a:prstGeom prst="line">
-              <a:avLst/>
-            </a:prstGeom>
-          </p:spPr>
-          <p:style>
-            <a:lnRef idx="1">
-              <a:schemeClr val="accent1"/>
-            </a:lnRef>
-            <a:fillRef idx="0">
-              <a:schemeClr val="accent1"/>
-            </a:fillRef>
-            <a:effectRef idx="0">
-              <a:schemeClr val="accent1"/>
-            </a:effectRef>
-            <a:fontRef idx="minor">
-              <a:schemeClr val="tx1"/>
-            </a:fontRef>
-          </p:style>
-        </p:cxnSp>
-        <p:cxnSp>
-          <p:nvCxnSpPr>
-            <p:cNvPr id="625" name="Straight Connector 624"/>
-            <p:cNvCxnSpPr/>
-            <p:nvPr/>
-          </p:nvCxnSpPr>
-          <p:spPr>
-            <a:xfrm>
-              <a:off x="5410200" y="2133600"/>
-              <a:ext cx="1752600" cy="0"/>
-            </a:xfrm>
-            <a:prstGeom prst="line">
-              <a:avLst/>
-            </a:prstGeom>
-          </p:spPr>
-          <p:style>
-            <a:lnRef idx="1">
-              <a:schemeClr val="accent1"/>
-            </a:lnRef>
-            <a:fillRef idx="0">
-              <a:schemeClr val="accent1"/>
-            </a:fillRef>
-            <a:effectRef idx="0">
-              <a:schemeClr val="accent1"/>
-            </a:effectRef>
-            <a:fontRef idx="minor">
-              <a:schemeClr val="tx1"/>
-            </a:fontRef>
-          </p:style>
-        </p:cxnSp>
-        <p:cxnSp>
-          <p:nvCxnSpPr>
-            <p:cNvPr id="629" name="Straight Connector 628"/>
-            <p:cNvCxnSpPr/>
-            <p:nvPr/>
-          </p:nvCxnSpPr>
-          <p:spPr>
-            <a:xfrm>
-              <a:off x="7162800" y="3048000"/>
-              <a:ext cx="152400" cy="0"/>
-            </a:xfrm>
-            <a:prstGeom prst="line">
-              <a:avLst/>
-            </a:prstGeom>
-          </p:spPr>
-          <p:style>
-            <a:lnRef idx="1">
-              <a:schemeClr val="accent1"/>
-            </a:lnRef>
-            <a:fillRef idx="0">
-              <a:schemeClr val="accent1"/>
-            </a:fillRef>
-            <a:effectRef idx="0">
-              <a:schemeClr val="accent1"/>
-            </a:effectRef>
-            <a:fontRef idx="minor">
-              <a:schemeClr val="tx1"/>
-            </a:fontRef>
-          </p:style>
-        </p:cxnSp>
-        <p:cxnSp>
-          <p:nvCxnSpPr>
-            <p:cNvPr id="632" name="Straight Connector 631"/>
-            <p:cNvCxnSpPr/>
-            <p:nvPr/>
-          </p:nvCxnSpPr>
-          <p:spPr>
-            <a:xfrm>
-              <a:off x="7162800" y="2133600"/>
-              <a:ext cx="0" cy="914400"/>
-            </a:xfrm>
-            <a:prstGeom prst="line">
-              <a:avLst/>
-            </a:prstGeom>
-          </p:spPr>
-          <p:style>
-            <a:lnRef idx="1">
-              <a:schemeClr val="accent1"/>
-            </a:lnRef>
-            <a:fillRef idx="0">
-              <a:schemeClr val="accent1"/>
-            </a:fillRef>
-            <a:effectRef idx="0">
-              <a:schemeClr val="accent1"/>
-            </a:effectRef>
-            <a:fontRef idx="minor">
-              <a:schemeClr val="tx1"/>
-            </a:fontRef>
-          </p:style>
-        </p:cxnSp>
-      </p:grpSp>
       <p:sp>
         <p:nvSpPr>
           <p:cNvPr id="217" name="Oval 216"/>
@@ -11518,7 +11214,7 @@
               <a:solidFill>
                 <a:schemeClr val="tx1"/>
               </a:solidFill>
-              <a:ln>
+              <a:ln w="6350">
                 <a:solidFill>
                   <a:schemeClr val="tx1"/>
                 </a:solidFill>
@@ -11952,6 +11648,1384 @@
           </a:p>
         </p:txBody>
       </p:sp>
+      <p:sp>
+        <p:nvSpPr>
+          <p:cNvPr id="230" name="Flowchart: Delay 229"/>
+          <p:cNvSpPr/>
+          <p:nvPr/>
+        </p:nvSpPr>
+        <p:spPr>
+          <a:xfrm>
+            <a:off x="7315200" y="2819400"/>
+            <a:ext cx="228600" cy="206829"/>
+          </a:xfrm>
+          <a:prstGeom prst="flowChartDelay">
+            <a:avLst/>
+          </a:prstGeom>
+          <a:noFill/>
+          <a:ln>
+            <a:solidFill>
+              <a:schemeClr val="accent4">
+                <a:lumMod val="75000"/>
+              </a:schemeClr>
+            </a:solidFill>
+          </a:ln>
+        </p:spPr>
+        <p:style>
+          <a:lnRef idx="2">
+            <a:schemeClr val="accent1">
+              <a:shade val="50000"/>
+            </a:schemeClr>
+          </a:lnRef>
+          <a:fillRef idx="1">
+            <a:schemeClr val="accent1"/>
+          </a:fillRef>
+          <a:effectRef idx="0">
+            <a:schemeClr val="accent1"/>
+          </a:effectRef>
+          <a:fontRef idx="minor">
+            <a:schemeClr val="lt1"/>
+          </a:fontRef>
+        </p:style>
+        <p:txBody>
+          <a:bodyPr rtlCol="0" anchor="ctr"/>
+          <a:lstStyle/>
+          <a:p>
+            <a:pPr algn="ctr"/>
+            <a:endParaRPr lang="en-US"/>
+          </a:p>
+        </p:txBody>
+      </p:sp>
+      <p:sp>
+        <p:nvSpPr>
+          <p:cNvPr id="233" name="TextBox 232"/>
+          <p:cNvSpPr txBox="1"/>
+          <p:nvPr/>
+        </p:nvSpPr>
+        <p:spPr>
+          <a:xfrm>
+            <a:off x="6248400" y="3429000"/>
+            <a:ext cx="728130" cy="261610"/>
+          </a:xfrm>
+          <a:prstGeom prst="rect">
+            <a:avLst/>
+          </a:prstGeom>
+          <a:noFill/>
+        </p:spPr>
+        <p:txBody>
+          <a:bodyPr wrap="square" rtlCol="0">
+            <a:spAutoFit/>
+          </a:bodyPr>
+          <a:lstStyle/>
+          <a:p>
+            <a:pPr algn="r"/>
+            <a:r>
+              <a:rPr lang="en-US" sz="1100" dirty="0" smtClean="0"/>
+              <a:t>Negative</a:t>
+            </a:r>
+            <a:endParaRPr lang="en-US" dirty="0"/>
+          </a:p>
+        </p:txBody>
+      </p:sp>
+      <p:grpSp>
+        <p:nvGrpSpPr>
+          <p:cNvPr id="287" name="Group 286"/>
+          <p:cNvGrpSpPr/>
+          <p:nvPr/>
+        </p:nvGrpSpPr>
+        <p:grpSpPr>
+          <a:xfrm>
+            <a:off x="6934200" y="2667000"/>
+            <a:ext cx="381000" cy="914400"/>
+            <a:chOff x="6934200" y="2667000"/>
+            <a:chExt cx="381000" cy="914400"/>
+          </a:xfrm>
+        </p:grpSpPr>
+        <p:grpSp>
+          <p:nvGrpSpPr>
+            <p:cNvPr id="283" name="Group 282"/>
+            <p:cNvGrpSpPr/>
+            <p:nvPr/>
+          </p:nvGrpSpPr>
+          <p:grpSpPr>
+            <a:xfrm>
+              <a:off x="6934200" y="2667000"/>
+              <a:ext cx="381000" cy="914400"/>
+              <a:chOff x="6934200" y="2667000"/>
+              <a:chExt cx="381000" cy="914400"/>
+            </a:xfrm>
+          </p:grpSpPr>
+          <p:grpSp>
+            <p:nvGrpSpPr>
+              <p:cNvPr id="242" name="Group 241"/>
+              <p:cNvGrpSpPr/>
+              <p:nvPr/>
+            </p:nvGrpSpPr>
+            <p:grpSpPr>
+              <a:xfrm>
+                <a:off x="6934200" y="2667000"/>
+                <a:ext cx="381000" cy="914400"/>
+                <a:chOff x="6858000" y="2971800"/>
+                <a:chExt cx="381000" cy="914400"/>
+              </a:xfrm>
+            </p:grpSpPr>
+            <p:cxnSp>
+              <p:nvCxnSpPr>
+                <p:cNvPr id="244" name="Straight Connector 243"/>
+                <p:cNvCxnSpPr/>
+                <p:nvPr/>
+              </p:nvCxnSpPr>
+              <p:spPr>
+                <a:xfrm>
+                  <a:off x="7162800" y="3276600"/>
+                  <a:ext cx="76200" cy="0"/>
+                </a:xfrm>
+                <a:prstGeom prst="line">
+                  <a:avLst/>
+                </a:prstGeom>
+                <a:ln>
+                  <a:solidFill>
+                    <a:schemeClr val="tx1"/>
+                  </a:solidFill>
+                </a:ln>
+              </p:spPr>
+              <p:style>
+                <a:lnRef idx="1">
+                  <a:schemeClr val="accent1"/>
+                </a:lnRef>
+                <a:fillRef idx="0">
+                  <a:schemeClr val="accent1"/>
+                </a:fillRef>
+                <a:effectRef idx="0">
+                  <a:schemeClr val="accent1"/>
+                </a:effectRef>
+                <a:fontRef idx="minor">
+                  <a:schemeClr val="tx1"/>
+                </a:fontRef>
+              </p:style>
+            </p:cxnSp>
+            <p:cxnSp>
+              <p:nvCxnSpPr>
+                <p:cNvPr id="245" name="Straight Connector 244"/>
+                <p:cNvCxnSpPr/>
+                <p:nvPr/>
+              </p:nvCxnSpPr>
+              <p:spPr>
+                <a:xfrm flipH="1">
+                  <a:off x="6858000" y="3886200"/>
+                  <a:ext cx="304800" cy="0"/>
+                </a:xfrm>
+                <a:prstGeom prst="line">
+                  <a:avLst/>
+                </a:prstGeom>
+                <a:ln>
+                  <a:solidFill>
+                    <a:schemeClr val="tx1"/>
+                  </a:solidFill>
+                </a:ln>
+              </p:spPr>
+              <p:style>
+                <a:lnRef idx="1">
+                  <a:schemeClr val="accent1"/>
+                </a:lnRef>
+                <a:fillRef idx="0">
+                  <a:schemeClr val="accent1"/>
+                </a:fillRef>
+                <a:effectRef idx="0">
+                  <a:schemeClr val="accent1"/>
+                </a:effectRef>
+                <a:fontRef idx="minor">
+                  <a:schemeClr val="tx1"/>
+                </a:fontRef>
+              </p:style>
+            </p:cxnSp>
+            <p:cxnSp>
+              <p:nvCxnSpPr>
+                <p:cNvPr id="248" name="Straight Connector 247"/>
+                <p:cNvCxnSpPr/>
+                <p:nvPr/>
+              </p:nvCxnSpPr>
+              <p:spPr>
+                <a:xfrm>
+                  <a:off x="7162800" y="2971800"/>
+                  <a:ext cx="0" cy="914400"/>
+                </a:xfrm>
+                <a:prstGeom prst="line">
+                  <a:avLst/>
+                </a:prstGeom>
+                <a:ln>
+                  <a:solidFill>
+                    <a:schemeClr val="tx1"/>
+                  </a:solidFill>
+                </a:ln>
+              </p:spPr>
+              <p:style>
+                <a:lnRef idx="1">
+                  <a:schemeClr val="accent1"/>
+                </a:lnRef>
+                <a:fillRef idx="0">
+                  <a:schemeClr val="accent1"/>
+                </a:fillRef>
+                <a:effectRef idx="0">
+                  <a:schemeClr val="accent1"/>
+                </a:effectRef>
+                <a:fontRef idx="minor">
+                  <a:schemeClr val="tx1"/>
+                </a:fontRef>
+              </p:style>
+            </p:cxnSp>
+          </p:grpSp>
+          <p:cxnSp>
+            <p:nvCxnSpPr>
+              <p:cNvPr id="273" name="Straight Connector 272"/>
+              <p:cNvCxnSpPr/>
+              <p:nvPr/>
+            </p:nvCxnSpPr>
+            <p:spPr>
+              <a:xfrm>
+                <a:off x="7239000" y="2667000"/>
+                <a:ext cx="76200" cy="0"/>
+              </a:xfrm>
+              <a:prstGeom prst="line">
+                <a:avLst/>
+              </a:prstGeom>
+              <a:ln>
+                <a:solidFill>
+                  <a:schemeClr val="tx1"/>
+                </a:solidFill>
+              </a:ln>
+            </p:spPr>
+            <p:style>
+              <a:lnRef idx="1">
+                <a:schemeClr val="accent1"/>
+              </a:lnRef>
+              <a:fillRef idx="0">
+                <a:schemeClr val="accent1"/>
+              </a:fillRef>
+              <a:effectRef idx="0">
+                <a:schemeClr val="accent1"/>
+              </a:effectRef>
+              <a:fontRef idx="minor">
+                <a:schemeClr val="tx1"/>
+              </a:fontRef>
+            </p:style>
+          </p:cxnSp>
+        </p:grpSp>
+        <p:sp>
+          <p:nvSpPr>
+            <p:cNvPr id="284" name="Oval 283"/>
+            <p:cNvSpPr/>
+            <p:nvPr/>
+          </p:nvSpPr>
+          <p:spPr>
+            <a:xfrm>
+              <a:off x="7219944" y="2951465"/>
+              <a:ext cx="45719" cy="45719"/>
+            </a:xfrm>
+            <a:prstGeom prst="ellipse">
+              <a:avLst/>
+            </a:prstGeom>
+            <a:solidFill>
+              <a:schemeClr val="tx1"/>
+            </a:solidFill>
+            <a:ln w="6350">
+              <a:solidFill>
+                <a:schemeClr val="tx1"/>
+              </a:solidFill>
+            </a:ln>
+          </p:spPr>
+          <p:style>
+            <a:lnRef idx="2">
+              <a:schemeClr val="accent1">
+                <a:shade val="50000"/>
+              </a:schemeClr>
+            </a:lnRef>
+            <a:fillRef idx="1">
+              <a:schemeClr val="accent1"/>
+            </a:fillRef>
+            <a:effectRef idx="0">
+              <a:schemeClr val="accent1"/>
+            </a:effectRef>
+            <a:fontRef idx="minor">
+              <a:schemeClr val="lt1"/>
+            </a:fontRef>
+          </p:style>
+          <p:txBody>
+            <a:bodyPr rtlCol="0" anchor="ctr"/>
+            <a:lstStyle/>
+            <a:p>
+              <a:pPr algn="ctr"/>
+              <a:endParaRPr lang="en-US"/>
+            </a:p>
+          </p:txBody>
+        </p:sp>
+      </p:grpSp>
+      <p:grpSp>
+        <p:nvGrpSpPr>
+          <p:cNvPr id="334" name="Group 333"/>
+          <p:cNvGrpSpPr/>
+          <p:nvPr/>
+        </p:nvGrpSpPr>
+        <p:grpSpPr>
+          <a:xfrm>
+            <a:off x="3933825" y="1447800"/>
+            <a:ext cx="3533775" cy="1752600"/>
+            <a:chOff x="3933825" y="1447800"/>
+            <a:chExt cx="3533775" cy="1752600"/>
+          </a:xfrm>
+        </p:grpSpPr>
+        <p:grpSp>
+          <p:nvGrpSpPr>
+            <p:cNvPr id="641" name="Group 640"/>
+            <p:cNvGrpSpPr/>
+            <p:nvPr/>
+          </p:nvGrpSpPr>
+          <p:grpSpPr>
+            <a:xfrm>
+              <a:off x="3933825" y="1447800"/>
+              <a:ext cx="3533775" cy="1752600"/>
+              <a:chOff x="3933825" y="1447800"/>
+              <a:chExt cx="3533775" cy="1752600"/>
+            </a:xfrm>
+          </p:grpSpPr>
+          <p:sp>
+            <p:nvSpPr>
+              <p:cNvPr id="616" name="TextBox 615"/>
+              <p:cNvSpPr txBox="1"/>
+              <p:nvPr/>
+            </p:nvSpPr>
+            <p:spPr>
+              <a:xfrm>
+                <a:off x="4010025" y="1447800"/>
+                <a:ext cx="609600" cy="200055"/>
+              </a:xfrm>
+              <a:prstGeom prst="rect">
+                <a:avLst/>
+              </a:prstGeom>
+              <a:noFill/>
+            </p:spPr>
+            <p:txBody>
+              <a:bodyPr wrap="square" rtlCol="0">
+                <a:spAutoFit/>
+              </a:bodyPr>
+              <a:lstStyle/>
+              <a:p>
+                <a:r>
+                  <a:rPr lang="en-US" sz="700" dirty="0" smtClean="0">
+                    <a:solidFill>
+                      <a:schemeClr val="tx2">
+                        <a:lumMod val="60000"/>
+                        <a:lumOff val="40000"/>
+                      </a:schemeClr>
+                    </a:solidFill>
+                  </a:rPr>
+                  <a:t>Branch</a:t>
+                </a:r>
+              </a:p>
+            </p:txBody>
+          </p:sp>
+          <p:cxnSp>
+            <p:nvCxnSpPr>
+              <p:cNvPr id="617" name="Straight Connector 616"/>
+              <p:cNvCxnSpPr/>
+              <p:nvPr/>
+            </p:nvCxnSpPr>
+            <p:spPr>
+              <a:xfrm>
+                <a:off x="3933825" y="1600200"/>
+                <a:ext cx="1476375" cy="0"/>
+              </a:xfrm>
+              <a:prstGeom prst="line">
+                <a:avLst/>
+              </a:prstGeom>
+            </p:spPr>
+            <p:style>
+              <a:lnRef idx="1">
+                <a:schemeClr val="accent1"/>
+              </a:lnRef>
+              <a:fillRef idx="0">
+                <a:schemeClr val="accent1"/>
+              </a:fillRef>
+              <a:effectRef idx="0">
+                <a:schemeClr val="accent1"/>
+              </a:effectRef>
+              <a:fontRef idx="minor">
+                <a:schemeClr val="tx1"/>
+              </a:fontRef>
+            </p:style>
+          </p:cxnSp>
+          <p:cxnSp>
+            <p:nvCxnSpPr>
+              <p:cNvPr id="621" name="Straight Connector 620"/>
+              <p:cNvCxnSpPr/>
+              <p:nvPr/>
+            </p:nvCxnSpPr>
+            <p:spPr>
+              <a:xfrm flipV="1">
+                <a:off x="5410200" y="1600200"/>
+                <a:ext cx="0" cy="533400"/>
+              </a:xfrm>
+              <a:prstGeom prst="line">
+                <a:avLst/>
+              </a:prstGeom>
+            </p:spPr>
+            <p:style>
+              <a:lnRef idx="1">
+                <a:schemeClr val="accent1"/>
+              </a:lnRef>
+              <a:fillRef idx="0">
+                <a:schemeClr val="accent1"/>
+              </a:fillRef>
+              <a:effectRef idx="0">
+                <a:schemeClr val="accent1"/>
+              </a:effectRef>
+              <a:fontRef idx="minor">
+                <a:schemeClr val="tx1"/>
+              </a:fontRef>
+            </p:style>
+          </p:cxnSp>
+          <p:cxnSp>
+            <p:nvCxnSpPr>
+              <p:cNvPr id="625" name="Straight Connector 624"/>
+              <p:cNvCxnSpPr/>
+              <p:nvPr/>
+            </p:nvCxnSpPr>
+            <p:spPr>
+              <a:xfrm>
+                <a:off x="5410200" y="2133600"/>
+                <a:ext cx="1752600" cy="0"/>
+              </a:xfrm>
+              <a:prstGeom prst="line">
+                <a:avLst/>
+              </a:prstGeom>
+            </p:spPr>
+            <p:style>
+              <a:lnRef idx="1">
+                <a:schemeClr val="accent1"/>
+              </a:lnRef>
+              <a:fillRef idx="0">
+                <a:schemeClr val="accent1"/>
+              </a:fillRef>
+              <a:effectRef idx="0">
+                <a:schemeClr val="accent1"/>
+              </a:effectRef>
+              <a:fontRef idx="minor">
+                <a:schemeClr val="tx1"/>
+              </a:fontRef>
+            </p:style>
+          </p:cxnSp>
+          <p:cxnSp>
+            <p:nvCxnSpPr>
+              <p:cNvPr id="629" name="Straight Connector 628"/>
+              <p:cNvCxnSpPr/>
+              <p:nvPr/>
+            </p:nvCxnSpPr>
+            <p:spPr>
+              <a:xfrm>
+                <a:off x="7162800" y="3200400"/>
+                <a:ext cx="304800" cy="0"/>
+              </a:xfrm>
+              <a:prstGeom prst="line">
+                <a:avLst/>
+              </a:prstGeom>
+            </p:spPr>
+            <p:style>
+              <a:lnRef idx="1">
+                <a:schemeClr val="accent1"/>
+              </a:lnRef>
+              <a:fillRef idx="0">
+                <a:schemeClr val="accent1"/>
+              </a:fillRef>
+              <a:effectRef idx="0">
+                <a:schemeClr val="accent1"/>
+              </a:effectRef>
+              <a:fontRef idx="minor">
+                <a:schemeClr val="tx1"/>
+              </a:fontRef>
+            </p:style>
+          </p:cxnSp>
+          <p:cxnSp>
+            <p:nvCxnSpPr>
+              <p:cNvPr id="632" name="Straight Connector 631"/>
+              <p:cNvCxnSpPr/>
+              <p:nvPr/>
+            </p:nvCxnSpPr>
+            <p:spPr>
+              <a:xfrm>
+                <a:off x="7162800" y="2133600"/>
+                <a:ext cx="0" cy="1066800"/>
+              </a:xfrm>
+              <a:prstGeom prst="line">
+                <a:avLst/>
+              </a:prstGeom>
+            </p:spPr>
+            <p:style>
+              <a:lnRef idx="1">
+                <a:schemeClr val="accent1"/>
+              </a:lnRef>
+              <a:fillRef idx="0">
+                <a:schemeClr val="accent1"/>
+              </a:fillRef>
+              <a:effectRef idx="0">
+                <a:schemeClr val="accent1"/>
+              </a:effectRef>
+              <a:fontRef idx="minor">
+                <a:schemeClr val="tx1"/>
+              </a:fontRef>
+            </p:style>
+          </p:cxnSp>
+        </p:grpSp>
+        <p:sp>
+          <p:nvSpPr>
+            <p:cNvPr id="292" name="Oval 291"/>
+            <p:cNvSpPr/>
+            <p:nvPr/>
+          </p:nvSpPr>
+          <p:spPr>
+            <a:xfrm>
+              <a:off x="7140568" y="2564137"/>
+              <a:ext cx="45719" cy="45719"/>
+            </a:xfrm>
+            <a:prstGeom prst="ellipse">
+              <a:avLst/>
+            </a:prstGeom>
+            <a:solidFill>
+              <a:schemeClr val="accent1"/>
+            </a:solidFill>
+            <a:ln w="6350">
+              <a:solidFill>
+                <a:schemeClr val="accent1"/>
+              </a:solidFill>
+            </a:ln>
+          </p:spPr>
+          <p:style>
+            <a:lnRef idx="2">
+              <a:schemeClr val="accent1">
+                <a:shade val="50000"/>
+              </a:schemeClr>
+            </a:lnRef>
+            <a:fillRef idx="1">
+              <a:schemeClr val="accent1"/>
+            </a:fillRef>
+            <a:effectRef idx="0">
+              <a:schemeClr val="accent1"/>
+            </a:effectRef>
+            <a:fontRef idx="minor">
+              <a:schemeClr val="lt1"/>
+            </a:fontRef>
+          </p:style>
+          <p:txBody>
+            <a:bodyPr rtlCol="0" anchor="ctr"/>
+            <a:lstStyle/>
+            <a:p>
+              <a:pPr algn="ctr"/>
+              <a:endParaRPr lang="en-US" dirty="0">
+                <a:solidFill>
+                  <a:schemeClr val="tx2">
+                    <a:lumMod val="60000"/>
+                    <a:lumOff val="40000"/>
+                  </a:schemeClr>
+                </a:solidFill>
+              </a:endParaRPr>
+            </a:p>
+          </p:txBody>
+        </p:sp>
+        <p:cxnSp>
+          <p:nvCxnSpPr>
+            <p:cNvPr id="293" name="Straight Connector 292"/>
+            <p:cNvCxnSpPr/>
+            <p:nvPr/>
+          </p:nvCxnSpPr>
+          <p:spPr>
+            <a:xfrm>
+              <a:off x="7162800" y="2895600"/>
+              <a:ext cx="152400" cy="0"/>
+            </a:xfrm>
+            <a:prstGeom prst="line">
+              <a:avLst/>
+            </a:prstGeom>
+          </p:spPr>
+          <p:style>
+            <a:lnRef idx="1">
+              <a:schemeClr val="accent1"/>
+            </a:lnRef>
+            <a:fillRef idx="0">
+              <a:schemeClr val="accent1"/>
+            </a:fillRef>
+            <a:effectRef idx="0">
+              <a:schemeClr val="accent1"/>
+            </a:effectRef>
+            <a:fontRef idx="minor">
+              <a:schemeClr val="tx1"/>
+            </a:fontRef>
+          </p:style>
+        </p:cxnSp>
+        <p:cxnSp>
+          <p:nvCxnSpPr>
+            <p:cNvPr id="297" name="Straight Connector 296"/>
+            <p:cNvCxnSpPr/>
+            <p:nvPr/>
+          </p:nvCxnSpPr>
+          <p:spPr>
+            <a:xfrm>
+              <a:off x="7162800" y="2590800"/>
+              <a:ext cx="152400" cy="0"/>
+            </a:xfrm>
+            <a:prstGeom prst="line">
+              <a:avLst/>
+            </a:prstGeom>
+          </p:spPr>
+          <p:style>
+            <a:lnRef idx="1">
+              <a:schemeClr val="accent1"/>
+            </a:lnRef>
+            <a:fillRef idx="0">
+              <a:schemeClr val="accent1"/>
+            </a:fillRef>
+            <a:effectRef idx="0">
+              <a:schemeClr val="accent1"/>
+            </a:effectRef>
+            <a:fontRef idx="minor">
+              <a:schemeClr val="tx1"/>
+            </a:fontRef>
+          </p:style>
+        </p:cxnSp>
+      </p:grpSp>
+      <p:pic>
+        <p:nvPicPr>
+          <p:cNvPr id="1028" name="Picture 4" descr="C:\Users\julio\Downloads\OR_Logic_Gate_symbol_with_truth_table_480x480-696878493.png"/>
+          <p:cNvPicPr>
+            <a:picLocks noChangeAspect="1" noChangeArrowheads="1"/>
+          </p:cNvPicPr>
+          <p:nvPr/>
+        </p:nvPicPr>
+        <p:blipFill>
+          <a:blip r:embed="rId2" cstate="print">
+            <a:duotone>
+              <a:schemeClr val="accent3">
+                <a:shade val="45000"/>
+                <a:satMod val="135000"/>
+              </a:schemeClr>
+              <a:prstClr val="white"/>
+            </a:duotone>
+          </a:blip>
+          <a:srcRect l="16042" t="26481" r="63958" b="37963"/>
+          <a:stretch>
+            <a:fillRect/>
+          </a:stretch>
+        </p:blipFill>
+        <p:spPr bwMode="auto">
+          <a:xfrm>
+            <a:off x="8090576" y="2618192"/>
+            <a:ext cx="304800" cy="406400"/>
+          </a:xfrm>
+          <a:prstGeom prst="rect">
+            <a:avLst/>
+          </a:prstGeom>
+          <a:noFill/>
+        </p:spPr>
+      </p:pic>
+      <p:grpSp>
+        <p:nvGrpSpPr>
+          <p:cNvPr id="332" name="Group 331"/>
+          <p:cNvGrpSpPr/>
+          <p:nvPr/>
+        </p:nvGrpSpPr>
+        <p:grpSpPr>
+          <a:xfrm>
+            <a:off x="8153422" y="1477430"/>
+            <a:ext cx="304799" cy="1341970"/>
+            <a:chOff x="8153422" y="1477430"/>
+            <a:chExt cx="304799" cy="1341970"/>
+          </a:xfrm>
+        </p:grpSpPr>
+        <p:grpSp>
+          <p:nvGrpSpPr>
+            <p:cNvPr id="199" name="Group 198"/>
+            <p:cNvGrpSpPr/>
+            <p:nvPr/>
+          </p:nvGrpSpPr>
+          <p:grpSpPr>
+            <a:xfrm>
+              <a:off x="8153422" y="1477430"/>
+              <a:ext cx="304799" cy="1037168"/>
+              <a:chOff x="7723913" y="1390929"/>
+              <a:chExt cx="83127" cy="676416"/>
+            </a:xfrm>
+          </p:grpSpPr>
+          <p:cxnSp>
+            <p:nvCxnSpPr>
+              <p:cNvPr id="178" name="Straight Connector 177"/>
+              <p:cNvCxnSpPr/>
+              <p:nvPr/>
+            </p:nvCxnSpPr>
+            <p:spPr>
+              <a:xfrm flipH="1">
+                <a:off x="7723913" y="1390929"/>
+                <a:ext cx="4" cy="676416"/>
+              </a:xfrm>
+              <a:prstGeom prst="line">
+                <a:avLst/>
+              </a:prstGeom>
+              <a:ln>
+                <a:solidFill>
+                  <a:schemeClr val="tx2">
+                    <a:lumMod val="60000"/>
+                    <a:lumOff val="40000"/>
+                  </a:schemeClr>
+                </a:solidFill>
+              </a:ln>
+            </p:spPr>
+            <p:style>
+              <a:lnRef idx="1">
+                <a:schemeClr val="accent1"/>
+              </a:lnRef>
+              <a:fillRef idx="0">
+                <a:schemeClr val="accent1"/>
+              </a:fillRef>
+              <a:effectRef idx="0">
+                <a:schemeClr val="accent1"/>
+              </a:effectRef>
+              <a:fontRef idx="minor">
+                <a:schemeClr val="tx1"/>
+              </a:fontRef>
+            </p:style>
+          </p:cxnSp>
+          <p:cxnSp>
+            <p:nvCxnSpPr>
+              <p:cNvPr id="180" name="Straight Connector 179"/>
+              <p:cNvCxnSpPr/>
+              <p:nvPr/>
+            </p:nvCxnSpPr>
+            <p:spPr>
+              <a:xfrm>
+                <a:off x="7723913" y="2067345"/>
+                <a:ext cx="83127" cy="0"/>
+              </a:xfrm>
+              <a:prstGeom prst="line">
+                <a:avLst/>
+              </a:prstGeom>
+              <a:ln>
+                <a:solidFill>
+                  <a:schemeClr val="tx2">
+                    <a:lumMod val="60000"/>
+                    <a:lumOff val="40000"/>
+                  </a:schemeClr>
+                </a:solidFill>
+              </a:ln>
+            </p:spPr>
+            <p:style>
+              <a:lnRef idx="1">
+                <a:schemeClr val="accent1"/>
+              </a:lnRef>
+              <a:fillRef idx="0">
+                <a:schemeClr val="accent1"/>
+              </a:fillRef>
+              <a:effectRef idx="0">
+                <a:schemeClr val="accent1"/>
+              </a:effectRef>
+              <a:fontRef idx="minor">
+                <a:schemeClr val="tx1"/>
+              </a:fontRef>
+            </p:style>
+          </p:cxnSp>
+        </p:grpSp>
+        <p:cxnSp>
+          <p:nvCxnSpPr>
+            <p:cNvPr id="315" name="Straight Connector 314"/>
+            <p:cNvCxnSpPr/>
+            <p:nvPr/>
+          </p:nvCxnSpPr>
+          <p:spPr>
+            <a:xfrm>
+              <a:off x="8458200" y="2514600"/>
+              <a:ext cx="0" cy="304800"/>
+            </a:xfrm>
+            <a:prstGeom prst="line">
+              <a:avLst/>
+            </a:prstGeom>
+            <a:ln>
+              <a:solidFill>
+                <a:schemeClr val="tx2">
+                  <a:lumMod val="60000"/>
+                  <a:lumOff val="40000"/>
+                </a:schemeClr>
+              </a:solidFill>
+            </a:ln>
+          </p:spPr>
+          <p:style>
+            <a:lnRef idx="1">
+              <a:schemeClr val="accent1"/>
+            </a:lnRef>
+            <a:fillRef idx="0">
+              <a:schemeClr val="accent1"/>
+            </a:fillRef>
+            <a:effectRef idx="0">
+              <a:schemeClr val="accent1"/>
+            </a:effectRef>
+            <a:fontRef idx="minor">
+              <a:schemeClr val="tx1"/>
+            </a:fontRef>
+          </p:style>
+        </p:cxnSp>
+        <p:cxnSp>
+          <p:nvCxnSpPr>
+            <p:cNvPr id="318" name="Straight Connector 317"/>
+            <p:cNvCxnSpPr/>
+            <p:nvPr/>
+          </p:nvCxnSpPr>
+          <p:spPr>
+            <a:xfrm>
+              <a:off x="8382000" y="2819400"/>
+              <a:ext cx="76200" cy="0"/>
+            </a:xfrm>
+            <a:prstGeom prst="line">
+              <a:avLst/>
+            </a:prstGeom>
+            <a:ln>
+              <a:solidFill>
+                <a:schemeClr val="tx2">
+                  <a:lumMod val="60000"/>
+                  <a:lumOff val="40000"/>
+                </a:schemeClr>
+              </a:solidFill>
+            </a:ln>
+          </p:spPr>
+          <p:style>
+            <a:lnRef idx="1">
+              <a:schemeClr val="accent1"/>
+            </a:lnRef>
+            <a:fillRef idx="0">
+              <a:schemeClr val="accent1"/>
+            </a:fillRef>
+            <a:effectRef idx="0">
+              <a:schemeClr val="accent1"/>
+            </a:effectRef>
+            <a:fontRef idx="minor">
+              <a:schemeClr val="tx1"/>
+            </a:fontRef>
+          </p:style>
+        </p:cxnSp>
+      </p:grpSp>
+      <p:grpSp>
+        <p:nvGrpSpPr>
+          <p:cNvPr id="347" name="Group 346"/>
+          <p:cNvGrpSpPr/>
+          <p:nvPr/>
+        </p:nvGrpSpPr>
+        <p:grpSpPr>
+          <a:xfrm>
+            <a:off x="7620000" y="2611444"/>
+            <a:ext cx="533400" cy="131756"/>
+            <a:chOff x="7620000" y="2611444"/>
+            <a:chExt cx="533400" cy="131756"/>
+          </a:xfrm>
+        </p:grpSpPr>
+        <p:grpSp>
+          <p:nvGrpSpPr>
+            <p:cNvPr id="344" name="Group 343"/>
+            <p:cNvGrpSpPr/>
+            <p:nvPr/>
+          </p:nvGrpSpPr>
+          <p:grpSpPr>
+            <a:xfrm>
+              <a:off x="7620000" y="2611444"/>
+              <a:ext cx="381000" cy="131756"/>
+              <a:chOff x="7620000" y="2588036"/>
+              <a:chExt cx="381000" cy="131756"/>
+            </a:xfrm>
+          </p:grpSpPr>
+          <p:cxnSp>
+            <p:nvCxnSpPr>
+              <p:cNvPr id="333" name="Straight Connector 332"/>
+              <p:cNvCxnSpPr/>
+              <p:nvPr/>
+            </p:nvCxnSpPr>
+            <p:spPr>
+              <a:xfrm>
+                <a:off x="7620000" y="2588036"/>
+                <a:ext cx="381000" cy="0"/>
+              </a:xfrm>
+              <a:prstGeom prst="line">
+                <a:avLst/>
+              </a:prstGeom>
+            </p:spPr>
+            <p:style>
+              <a:lnRef idx="1">
+                <a:schemeClr val="accent1"/>
+              </a:lnRef>
+              <a:fillRef idx="0">
+                <a:schemeClr val="accent1"/>
+              </a:fillRef>
+              <a:effectRef idx="0">
+                <a:schemeClr val="accent1"/>
+              </a:effectRef>
+              <a:fontRef idx="minor">
+                <a:schemeClr val="tx1"/>
+              </a:fontRef>
+            </p:style>
+          </p:cxnSp>
+          <p:cxnSp>
+            <p:nvCxnSpPr>
+              <p:cNvPr id="338" name="Straight Connector 337"/>
+              <p:cNvCxnSpPr/>
+              <p:nvPr/>
+            </p:nvCxnSpPr>
+            <p:spPr>
+              <a:xfrm>
+                <a:off x="8001000" y="2590800"/>
+                <a:ext cx="0" cy="128992"/>
+              </a:xfrm>
+              <a:prstGeom prst="line">
+                <a:avLst/>
+              </a:prstGeom>
+            </p:spPr>
+            <p:style>
+              <a:lnRef idx="1">
+                <a:schemeClr val="accent1"/>
+              </a:lnRef>
+              <a:fillRef idx="0">
+                <a:schemeClr val="accent1"/>
+              </a:fillRef>
+              <a:effectRef idx="0">
+                <a:schemeClr val="accent1"/>
+              </a:effectRef>
+              <a:fontRef idx="minor">
+                <a:schemeClr val="tx1"/>
+              </a:fontRef>
+            </p:style>
+          </p:cxnSp>
+        </p:grpSp>
+        <p:cxnSp>
+          <p:nvCxnSpPr>
+            <p:cNvPr id="341" name="Straight Connector 340"/>
+            <p:cNvCxnSpPr/>
+            <p:nvPr/>
+          </p:nvCxnSpPr>
+          <p:spPr>
+            <a:xfrm>
+              <a:off x="8001000" y="2743200"/>
+              <a:ext cx="152400" cy="0"/>
+            </a:xfrm>
+            <a:prstGeom prst="line">
+              <a:avLst/>
+            </a:prstGeom>
+          </p:spPr>
+          <p:style>
+            <a:lnRef idx="1">
+              <a:schemeClr val="accent1"/>
+            </a:lnRef>
+            <a:fillRef idx="0">
+              <a:schemeClr val="accent1"/>
+            </a:fillRef>
+            <a:effectRef idx="0">
+              <a:schemeClr val="accent1"/>
+            </a:effectRef>
+            <a:fontRef idx="minor">
+              <a:schemeClr val="tx1"/>
+            </a:fontRef>
+          </p:style>
+        </p:cxnSp>
+      </p:grpSp>
+      <p:grpSp>
+        <p:nvGrpSpPr>
+          <p:cNvPr id="348" name="Group 347"/>
+          <p:cNvGrpSpPr/>
+          <p:nvPr/>
+        </p:nvGrpSpPr>
+        <p:grpSpPr>
+          <a:xfrm flipV="1">
+            <a:off x="7543800" y="2819375"/>
+            <a:ext cx="609600" cy="104645"/>
+            <a:chOff x="7535440" y="2614176"/>
+            <a:chExt cx="609600" cy="177142"/>
+          </a:xfrm>
+        </p:grpSpPr>
+        <p:grpSp>
+          <p:nvGrpSpPr>
+            <p:cNvPr id="349" name="Group 343"/>
+            <p:cNvGrpSpPr/>
+            <p:nvPr/>
+          </p:nvGrpSpPr>
+          <p:grpSpPr>
+            <a:xfrm>
+              <a:off x="7535440" y="2614176"/>
+              <a:ext cx="457200" cy="177114"/>
+              <a:chOff x="7535440" y="2590768"/>
+              <a:chExt cx="457200" cy="177114"/>
+            </a:xfrm>
+          </p:grpSpPr>
+          <p:cxnSp>
+            <p:nvCxnSpPr>
+              <p:cNvPr id="351" name="Straight Connector 350"/>
+              <p:cNvCxnSpPr/>
+              <p:nvPr/>
+            </p:nvCxnSpPr>
+            <p:spPr>
+              <a:xfrm>
+                <a:off x="7535440" y="2590768"/>
+                <a:ext cx="457200" cy="0"/>
+              </a:xfrm>
+              <a:prstGeom prst="line">
+                <a:avLst/>
+              </a:prstGeom>
+            </p:spPr>
+            <p:style>
+              <a:lnRef idx="1">
+                <a:schemeClr val="accent1"/>
+              </a:lnRef>
+              <a:fillRef idx="0">
+                <a:schemeClr val="accent1"/>
+              </a:fillRef>
+              <a:effectRef idx="0">
+                <a:schemeClr val="accent1"/>
+              </a:effectRef>
+              <a:fontRef idx="minor">
+                <a:schemeClr val="tx1"/>
+              </a:fontRef>
+            </p:style>
+          </p:cxnSp>
+          <p:cxnSp>
+            <p:nvCxnSpPr>
+              <p:cNvPr id="352" name="Straight Connector 351"/>
+              <p:cNvCxnSpPr/>
+              <p:nvPr/>
+            </p:nvCxnSpPr>
+            <p:spPr>
+              <a:xfrm>
+                <a:off x="7992640" y="2591980"/>
+                <a:ext cx="0" cy="175902"/>
+              </a:xfrm>
+              <a:prstGeom prst="line">
+                <a:avLst/>
+              </a:prstGeom>
+            </p:spPr>
+            <p:style>
+              <a:lnRef idx="1">
+                <a:schemeClr val="accent1"/>
+              </a:lnRef>
+              <a:fillRef idx="0">
+                <a:schemeClr val="accent1"/>
+              </a:fillRef>
+              <a:effectRef idx="0">
+                <a:schemeClr val="accent1"/>
+              </a:effectRef>
+              <a:fontRef idx="minor">
+                <a:schemeClr val="tx1"/>
+              </a:fontRef>
+            </p:style>
+          </p:cxnSp>
+        </p:grpSp>
+        <p:cxnSp>
+          <p:nvCxnSpPr>
+            <p:cNvPr id="350" name="Straight Connector 349"/>
+            <p:cNvCxnSpPr/>
+            <p:nvPr/>
+          </p:nvCxnSpPr>
+          <p:spPr>
+            <a:xfrm flipV="1">
+              <a:off x="7992640" y="2791318"/>
+              <a:ext cx="152400" cy="0"/>
+            </a:xfrm>
+            <a:prstGeom prst="line">
+              <a:avLst/>
+            </a:prstGeom>
+          </p:spPr>
+          <p:style>
+            <a:lnRef idx="1">
+              <a:schemeClr val="accent1"/>
+            </a:lnRef>
+            <a:fillRef idx="0">
+              <a:schemeClr val="accent1"/>
+            </a:fillRef>
+            <a:effectRef idx="0">
+              <a:schemeClr val="accent1"/>
+            </a:effectRef>
+            <a:fontRef idx="minor">
+              <a:schemeClr val="tx1"/>
+            </a:fontRef>
+          </p:style>
+        </p:cxnSp>
+      </p:grpSp>
+      <p:grpSp>
+        <p:nvGrpSpPr>
+          <p:cNvPr id="363" name="Group 362"/>
+          <p:cNvGrpSpPr/>
+          <p:nvPr/>
+        </p:nvGrpSpPr>
+        <p:grpSpPr>
+          <a:xfrm flipV="1">
+            <a:off x="7696200" y="2895597"/>
+            <a:ext cx="457200" cy="333226"/>
+            <a:chOff x="7535440" y="2614202"/>
+            <a:chExt cx="457200" cy="564079"/>
+          </a:xfrm>
+        </p:grpSpPr>
+        <p:grpSp>
+          <p:nvGrpSpPr>
+            <p:cNvPr id="364" name="Group 343"/>
+            <p:cNvGrpSpPr/>
+            <p:nvPr/>
+          </p:nvGrpSpPr>
+          <p:grpSpPr>
+            <a:xfrm>
+              <a:off x="7535440" y="2614202"/>
+              <a:ext cx="381000" cy="564076"/>
+              <a:chOff x="7535440" y="2590794"/>
+              <a:chExt cx="381000" cy="564076"/>
+            </a:xfrm>
+          </p:grpSpPr>
+          <p:cxnSp>
+            <p:nvCxnSpPr>
+              <p:cNvPr id="366" name="Straight Connector 365"/>
+              <p:cNvCxnSpPr/>
+              <p:nvPr/>
+            </p:nvCxnSpPr>
+            <p:spPr>
+              <a:xfrm flipV="1">
+                <a:off x="7535440" y="2590794"/>
+                <a:ext cx="381000" cy="0"/>
+              </a:xfrm>
+              <a:prstGeom prst="line">
+                <a:avLst/>
+              </a:prstGeom>
+            </p:spPr>
+            <p:style>
+              <a:lnRef idx="1">
+                <a:schemeClr val="accent1"/>
+              </a:lnRef>
+              <a:fillRef idx="0">
+                <a:schemeClr val="accent1"/>
+              </a:fillRef>
+              <a:effectRef idx="0">
+                <a:schemeClr val="accent1"/>
+              </a:effectRef>
+              <a:fontRef idx="minor">
+                <a:schemeClr val="tx1"/>
+              </a:fontRef>
+            </p:style>
+          </p:cxnSp>
+          <p:cxnSp>
+            <p:nvCxnSpPr>
+              <p:cNvPr id="367" name="Straight Connector 366"/>
+              <p:cNvCxnSpPr/>
+              <p:nvPr/>
+            </p:nvCxnSpPr>
+            <p:spPr>
+              <a:xfrm>
+                <a:off x="7916440" y="2591999"/>
+                <a:ext cx="0" cy="562871"/>
+              </a:xfrm>
+              <a:prstGeom prst="line">
+                <a:avLst/>
+              </a:prstGeom>
+            </p:spPr>
+            <p:style>
+              <a:lnRef idx="1">
+                <a:schemeClr val="accent1"/>
+              </a:lnRef>
+              <a:fillRef idx="0">
+                <a:schemeClr val="accent1"/>
+              </a:fillRef>
+              <a:effectRef idx="0">
+                <a:schemeClr val="accent1"/>
+              </a:effectRef>
+              <a:fontRef idx="minor">
+                <a:schemeClr val="tx1"/>
+              </a:fontRef>
+            </p:style>
+          </p:cxnSp>
+        </p:grpSp>
+        <p:cxnSp>
+          <p:nvCxnSpPr>
+            <p:cNvPr id="365" name="Straight Connector 364"/>
+            <p:cNvCxnSpPr/>
+            <p:nvPr/>
+          </p:nvCxnSpPr>
+          <p:spPr>
+            <a:xfrm flipV="1">
+              <a:off x="7916440" y="3178281"/>
+              <a:ext cx="76200" cy="0"/>
+            </a:xfrm>
+            <a:prstGeom prst="line">
+              <a:avLst/>
+            </a:prstGeom>
+          </p:spPr>
+          <p:style>
+            <a:lnRef idx="1">
+              <a:schemeClr val="accent1"/>
+            </a:lnRef>
+            <a:fillRef idx="0">
+              <a:schemeClr val="accent1"/>
+            </a:fillRef>
+            <a:effectRef idx="0">
+              <a:schemeClr val="accent1"/>
+            </a:effectRef>
+            <a:fontRef idx="minor">
+              <a:schemeClr val="tx1"/>
+            </a:fontRef>
+          </p:style>
+        </p:cxnSp>
+      </p:grpSp>
+      <p:grpSp>
+        <p:nvGrpSpPr>
+          <p:cNvPr id="303" name="Group 302"/>
+          <p:cNvGrpSpPr/>
+          <p:nvPr/>
+        </p:nvGrpSpPr>
+        <p:grpSpPr>
+          <a:xfrm>
+            <a:off x="7313612" y="2514600"/>
+            <a:ext cx="287332" cy="206829"/>
+            <a:chOff x="7313612" y="2514600"/>
+            <a:chExt cx="287332" cy="206829"/>
+          </a:xfrm>
+        </p:grpSpPr>
+        <p:sp>
+          <p:nvSpPr>
+            <p:cNvPr id="231" name="Flowchart: Delay 230"/>
+            <p:cNvSpPr/>
+            <p:nvPr/>
+          </p:nvSpPr>
+          <p:spPr>
+            <a:xfrm>
+              <a:off x="7372344" y="2514600"/>
+              <a:ext cx="228600" cy="206829"/>
+            </a:xfrm>
+            <a:prstGeom prst="flowChartDelay">
+              <a:avLst/>
+            </a:prstGeom>
+            <a:noFill/>
+            <a:ln>
+              <a:solidFill>
+                <a:schemeClr val="accent4">
+                  <a:lumMod val="75000"/>
+                </a:schemeClr>
+              </a:solidFill>
+            </a:ln>
+          </p:spPr>
+          <p:style>
+            <a:lnRef idx="2">
+              <a:schemeClr val="accent1">
+                <a:shade val="50000"/>
+              </a:schemeClr>
+            </a:lnRef>
+            <a:fillRef idx="1">
+              <a:schemeClr val="accent1"/>
+            </a:fillRef>
+            <a:effectRef idx="0">
+              <a:schemeClr val="accent1"/>
+            </a:effectRef>
+            <a:fontRef idx="minor">
+              <a:schemeClr val="lt1"/>
+            </a:fontRef>
+          </p:style>
+          <p:txBody>
+            <a:bodyPr rtlCol="0" anchor="ctr"/>
+            <a:lstStyle/>
+            <a:p>
+              <a:pPr algn="ctr"/>
+              <a:endParaRPr lang="en-US"/>
+            </a:p>
+          </p:txBody>
+        </p:sp>
+        <p:sp>
+          <p:nvSpPr>
+            <p:cNvPr id="260" name="Oval 259"/>
+            <p:cNvSpPr/>
+            <p:nvPr/>
+          </p:nvSpPr>
+          <p:spPr>
+            <a:xfrm>
+              <a:off x="7313612" y="2570156"/>
+              <a:ext cx="45719" cy="45719"/>
+            </a:xfrm>
+            <a:prstGeom prst="ellipse">
+              <a:avLst/>
+            </a:prstGeom>
+            <a:noFill/>
+            <a:ln w="3175">
+              <a:solidFill>
+                <a:schemeClr val="accent4">
+                  <a:lumMod val="75000"/>
+                </a:schemeClr>
+              </a:solidFill>
+            </a:ln>
+          </p:spPr>
+          <p:style>
+            <a:lnRef idx="2">
+              <a:schemeClr val="accent1">
+                <a:shade val="50000"/>
+              </a:schemeClr>
+            </a:lnRef>
+            <a:fillRef idx="1">
+              <a:schemeClr val="accent1"/>
+            </a:fillRef>
+            <a:effectRef idx="0">
+              <a:schemeClr val="accent1"/>
+            </a:effectRef>
+            <a:fontRef idx="minor">
+              <a:schemeClr val="lt1"/>
+            </a:fontRef>
+          </p:style>
+          <p:txBody>
+            <a:bodyPr rtlCol="0" anchor="ctr"/>
+            <a:lstStyle/>
+            <a:p>
+              <a:pPr algn="ctr"/>
+              <a:endParaRPr lang="en-US"/>
+            </a:p>
+          </p:txBody>
+        </p:sp>
+        <p:sp>
+          <p:nvSpPr>
+            <p:cNvPr id="264" name="Oval 263"/>
+            <p:cNvSpPr/>
+            <p:nvPr/>
+          </p:nvSpPr>
+          <p:spPr>
+            <a:xfrm>
+              <a:off x="7315200" y="2646356"/>
+              <a:ext cx="45719" cy="45719"/>
+            </a:xfrm>
+            <a:prstGeom prst="ellipse">
+              <a:avLst/>
+            </a:prstGeom>
+            <a:noFill/>
+            <a:ln w="3175">
+              <a:solidFill>
+                <a:schemeClr val="accent4">
+                  <a:lumMod val="75000"/>
+                </a:schemeClr>
+              </a:solidFill>
+            </a:ln>
+          </p:spPr>
+          <p:style>
+            <a:lnRef idx="2">
+              <a:schemeClr val="accent1">
+                <a:shade val="50000"/>
+              </a:schemeClr>
+            </a:lnRef>
+            <a:fillRef idx="1">
+              <a:schemeClr val="accent1"/>
+            </a:fillRef>
+            <a:effectRef idx="0">
+              <a:schemeClr val="accent1"/>
+            </a:effectRef>
+            <a:fontRef idx="minor">
+              <a:schemeClr val="lt1"/>
+            </a:fontRef>
+          </p:style>
+          <p:txBody>
+            <a:bodyPr rtlCol="0" anchor="ctr"/>
+            <a:lstStyle/>
+            <a:p>
+              <a:pPr algn="ctr"/>
+              <a:endParaRPr lang="en-US"/>
+            </a:p>
+          </p:txBody>
+        </p:sp>
+      </p:grpSp>
     </p:spTree>
   </p:cSld>
   <p:clrMapOvr>

--- a/CPU block diagram with jump.pptx
+++ b/CPU block diagram with jump.pptx
@@ -289,7 +289,7 @@
             <a:fld id="{AA76FD35-F9F8-4A42-9A4F-278A7EAB713E}" type="datetimeFigureOut">
               <a:rPr lang="en-US" smtClean="0"/>
               <a:pPr/>
-              <a:t>11/12/2025</a:t>
+              <a:t>11/16/2025</a:t>
             </a:fld>
             <a:endParaRPr lang="en-US"/>
           </a:p>
@@ -456,7 +456,7 @@
             <a:fld id="{AA76FD35-F9F8-4A42-9A4F-278A7EAB713E}" type="datetimeFigureOut">
               <a:rPr lang="en-US" smtClean="0"/>
               <a:pPr/>
-              <a:t>11/12/2025</a:t>
+              <a:t>11/16/2025</a:t>
             </a:fld>
             <a:endParaRPr lang="en-US"/>
           </a:p>
@@ -633,7 +633,7 @@
             <a:fld id="{AA76FD35-F9F8-4A42-9A4F-278A7EAB713E}" type="datetimeFigureOut">
               <a:rPr lang="en-US" smtClean="0"/>
               <a:pPr/>
-              <a:t>11/12/2025</a:t>
+              <a:t>11/16/2025</a:t>
             </a:fld>
             <a:endParaRPr lang="en-US"/>
           </a:p>
@@ -800,7 +800,7 @@
             <a:fld id="{AA76FD35-F9F8-4A42-9A4F-278A7EAB713E}" type="datetimeFigureOut">
               <a:rPr lang="en-US" smtClean="0"/>
               <a:pPr/>
-              <a:t>11/12/2025</a:t>
+              <a:t>11/16/2025</a:t>
             </a:fld>
             <a:endParaRPr lang="en-US"/>
           </a:p>
@@ -1043,7 +1043,7 @@
             <a:fld id="{AA76FD35-F9F8-4A42-9A4F-278A7EAB713E}" type="datetimeFigureOut">
               <a:rPr lang="en-US" smtClean="0"/>
               <a:pPr/>
-              <a:t>11/12/2025</a:t>
+              <a:t>11/16/2025</a:t>
             </a:fld>
             <a:endParaRPr lang="en-US"/>
           </a:p>
@@ -1328,7 +1328,7 @@
             <a:fld id="{AA76FD35-F9F8-4A42-9A4F-278A7EAB713E}" type="datetimeFigureOut">
               <a:rPr lang="en-US" smtClean="0"/>
               <a:pPr/>
-              <a:t>11/12/2025</a:t>
+              <a:t>11/16/2025</a:t>
             </a:fld>
             <a:endParaRPr lang="en-US"/>
           </a:p>
@@ -1747,7 +1747,7 @@
             <a:fld id="{AA76FD35-F9F8-4A42-9A4F-278A7EAB713E}" type="datetimeFigureOut">
               <a:rPr lang="en-US" smtClean="0"/>
               <a:pPr/>
-              <a:t>11/12/2025</a:t>
+              <a:t>11/16/2025</a:t>
             </a:fld>
             <a:endParaRPr lang="en-US"/>
           </a:p>
@@ -1862,7 +1862,7 @@
             <a:fld id="{AA76FD35-F9F8-4A42-9A4F-278A7EAB713E}" type="datetimeFigureOut">
               <a:rPr lang="en-US" smtClean="0"/>
               <a:pPr/>
-              <a:t>11/12/2025</a:t>
+              <a:t>11/16/2025</a:t>
             </a:fld>
             <a:endParaRPr lang="en-US"/>
           </a:p>
@@ -1954,7 +1954,7 @@
             <a:fld id="{AA76FD35-F9F8-4A42-9A4F-278A7EAB713E}" type="datetimeFigureOut">
               <a:rPr lang="en-US" smtClean="0"/>
               <a:pPr/>
-              <a:t>11/12/2025</a:t>
+              <a:t>11/16/2025</a:t>
             </a:fld>
             <a:endParaRPr lang="en-US"/>
           </a:p>
@@ -2228,7 +2228,7 @@
             <a:fld id="{AA76FD35-F9F8-4A42-9A4F-278A7EAB713E}" type="datetimeFigureOut">
               <a:rPr lang="en-US" smtClean="0"/>
               <a:pPr/>
-              <a:t>11/12/2025</a:t>
+              <a:t>11/16/2025</a:t>
             </a:fld>
             <a:endParaRPr lang="en-US"/>
           </a:p>
@@ -2478,7 +2478,7 @@
             <a:fld id="{AA76FD35-F9F8-4A42-9A4F-278A7EAB713E}" type="datetimeFigureOut">
               <a:rPr lang="en-US" smtClean="0"/>
               <a:pPr/>
-              <a:t>11/12/2025</a:t>
+              <a:t>11/16/2025</a:t>
             </a:fld>
             <a:endParaRPr lang="en-US"/>
           </a:p>
@@ -2688,7 +2688,7 @@
             <a:fld id="{AA76FD35-F9F8-4A42-9A4F-278A7EAB713E}" type="datetimeFigureOut">
               <a:rPr lang="en-US" smtClean="0"/>
               <a:pPr/>
-              <a:t>11/12/2025</a:t>
+              <a:t>11/16/2025</a:t>
             </a:fld>
             <a:endParaRPr lang="en-US"/>
           </a:p>
@@ -9068,832 +9068,6 @@
       </p:grpSp>
       <p:grpSp>
         <p:nvGrpSpPr>
-          <p:cNvPr id="552" name="Group 551"/>
-          <p:cNvGrpSpPr/>
-          <p:nvPr/>
-        </p:nvGrpSpPr>
-        <p:grpSpPr>
-          <a:xfrm>
-            <a:off x="2133600" y="914400"/>
-            <a:ext cx="3581400" cy="5290066"/>
-            <a:chOff x="2133600" y="914400"/>
-            <a:chExt cx="3581400" cy="5290066"/>
-          </a:xfrm>
-        </p:grpSpPr>
-        <p:grpSp>
-          <p:nvGrpSpPr>
-            <p:cNvPr id="517" name="Group 516"/>
-            <p:cNvGrpSpPr/>
-            <p:nvPr/>
-          </p:nvGrpSpPr>
-          <p:grpSpPr>
-            <a:xfrm>
-              <a:off x="2133600" y="914400"/>
-              <a:ext cx="2209800" cy="4726927"/>
-              <a:chOff x="2133600" y="914400"/>
-              <a:chExt cx="2209800" cy="4726927"/>
-            </a:xfrm>
-          </p:grpSpPr>
-          <p:grpSp>
-            <p:nvGrpSpPr>
-              <p:cNvPr id="495" name="Group 494"/>
-              <p:cNvGrpSpPr/>
-              <p:nvPr/>
-            </p:nvGrpSpPr>
-            <p:grpSpPr>
-              <a:xfrm>
-                <a:off x="2133600" y="914400"/>
-                <a:ext cx="2209800" cy="4726927"/>
-                <a:chOff x="2133600" y="914400"/>
-                <a:chExt cx="2209800" cy="4726927"/>
-              </a:xfrm>
-            </p:grpSpPr>
-            <p:grpSp>
-              <p:nvGrpSpPr>
-                <p:cNvPr id="491" name="Group 490"/>
-                <p:cNvGrpSpPr/>
-                <p:nvPr/>
-              </p:nvGrpSpPr>
-              <p:grpSpPr>
-                <a:xfrm>
-                  <a:off x="2133600" y="914400"/>
-                  <a:ext cx="2209800" cy="4726927"/>
-                  <a:chOff x="2133600" y="914400"/>
-                  <a:chExt cx="2209800" cy="4726927"/>
-                </a:xfrm>
-              </p:grpSpPr>
-              <p:grpSp>
-                <p:nvGrpSpPr>
-                  <p:cNvPr id="345" name="Group 344"/>
-                  <p:cNvGrpSpPr/>
-                  <p:nvPr/>
-                </p:nvGrpSpPr>
-                <p:grpSpPr>
-                  <a:xfrm>
-                    <a:off x="2133600" y="914400"/>
-                    <a:ext cx="2209800" cy="4726927"/>
-                    <a:chOff x="2133600" y="914400"/>
-                    <a:chExt cx="2209800" cy="4726927"/>
-                  </a:xfrm>
-                </p:grpSpPr>
-                <p:cxnSp>
-                  <p:nvCxnSpPr>
-                    <p:cNvPr id="286" name="Straight Arrow Connector 285"/>
-                    <p:cNvCxnSpPr/>
-                    <p:nvPr/>
-                  </p:nvCxnSpPr>
-                  <p:spPr>
-                    <a:xfrm>
-                      <a:off x="2286000" y="1905000"/>
-                      <a:ext cx="609600" cy="0"/>
-                    </a:xfrm>
-                    <a:prstGeom prst="straightConnector1">
-                      <a:avLst/>
-                    </a:prstGeom>
-                    <a:ln>
-                      <a:solidFill>
-                        <a:schemeClr val="tx1"/>
-                      </a:solidFill>
-                      <a:tailEnd type="arrow"/>
-                    </a:ln>
-                  </p:spPr>
-                  <p:style>
-                    <a:lnRef idx="1">
-                      <a:schemeClr val="accent1"/>
-                    </a:lnRef>
-                    <a:fillRef idx="0">
-                      <a:schemeClr val="accent1"/>
-                    </a:fillRef>
-                    <a:effectRef idx="0">
-                      <a:schemeClr val="accent1"/>
-                    </a:effectRef>
-                    <a:fontRef idx="minor">
-                      <a:schemeClr val="tx1"/>
-                    </a:fontRef>
-                  </p:style>
-                </p:cxnSp>
-                <p:cxnSp>
-                  <p:nvCxnSpPr>
-                    <p:cNvPr id="289" name="Straight Connector 288"/>
-                    <p:cNvCxnSpPr/>
-                    <p:nvPr/>
-                  </p:nvCxnSpPr>
-                  <p:spPr>
-                    <a:xfrm>
-                      <a:off x="2286000" y="914400"/>
-                      <a:ext cx="0" cy="4419600"/>
-                    </a:xfrm>
-                    <a:prstGeom prst="line">
-                      <a:avLst/>
-                    </a:prstGeom>
-                    <a:ln>
-                      <a:solidFill>
-                        <a:schemeClr val="tx1"/>
-                      </a:solidFill>
-                    </a:ln>
-                  </p:spPr>
-                  <p:style>
-                    <a:lnRef idx="1">
-                      <a:schemeClr val="accent1"/>
-                    </a:lnRef>
-                    <a:fillRef idx="0">
-                      <a:schemeClr val="accent1"/>
-                    </a:fillRef>
-                    <a:effectRef idx="0">
-                      <a:schemeClr val="accent1"/>
-                    </a:effectRef>
-                    <a:fontRef idx="minor">
-                      <a:schemeClr val="tx1"/>
-                    </a:fontRef>
-                  </p:style>
-                </p:cxnSp>
-                <p:cxnSp>
-                  <p:nvCxnSpPr>
-                    <p:cNvPr id="296" name="Straight Arrow Connector 295"/>
-                    <p:cNvCxnSpPr/>
-                    <p:nvPr/>
-                  </p:nvCxnSpPr>
-                  <p:spPr>
-                    <a:xfrm>
-                      <a:off x="2286000" y="5334000"/>
-                      <a:ext cx="2057400" cy="0"/>
-                    </a:xfrm>
-                    <a:prstGeom prst="straightConnector1">
-                      <a:avLst/>
-                    </a:prstGeom>
-                    <a:ln>
-                      <a:solidFill>
-                        <a:schemeClr val="tx1"/>
-                      </a:solidFill>
-                      <a:tailEnd type="arrow"/>
-                    </a:ln>
-                  </p:spPr>
-                  <p:style>
-                    <a:lnRef idx="1">
-                      <a:schemeClr val="accent1"/>
-                    </a:lnRef>
-                    <a:fillRef idx="0">
-                      <a:schemeClr val="accent1"/>
-                    </a:fillRef>
-                    <a:effectRef idx="0">
-                      <a:schemeClr val="accent1"/>
-                    </a:effectRef>
-                    <a:fontRef idx="minor">
-                      <a:schemeClr val="tx1"/>
-                    </a:fontRef>
-                  </p:style>
-                </p:cxnSp>
-                <p:cxnSp>
-                  <p:nvCxnSpPr>
-                    <p:cNvPr id="298" name="Straight Connector 297"/>
-                    <p:cNvCxnSpPr/>
-                    <p:nvPr/>
-                  </p:nvCxnSpPr>
-                  <p:spPr>
-                    <a:xfrm flipV="1">
-                      <a:off x="4049490" y="5257800"/>
-                      <a:ext cx="152400" cy="152400"/>
-                    </a:xfrm>
-                    <a:prstGeom prst="line">
-                      <a:avLst/>
-                    </a:prstGeom>
-                    <a:ln>
-                      <a:solidFill>
-                        <a:schemeClr val="tx1"/>
-                      </a:solidFill>
-                    </a:ln>
-                  </p:spPr>
-                  <p:style>
-                    <a:lnRef idx="1">
-                      <a:schemeClr val="accent1"/>
-                    </a:lnRef>
-                    <a:fillRef idx="0">
-                      <a:schemeClr val="accent1"/>
-                    </a:fillRef>
-                    <a:effectRef idx="0">
-                      <a:schemeClr val="accent1"/>
-                    </a:effectRef>
-                    <a:fontRef idx="minor">
-                      <a:schemeClr val="tx1"/>
-                    </a:fontRef>
-                  </p:style>
-                </p:cxnSp>
-                <p:sp>
-                  <p:nvSpPr>
-                    <p:cNvPr id="299" name="TextBox 298"/>
-                    <p:cNvSpPr txBox="1"/>
-                    <p:nvPr/>
-                  </p:nvSpPr>
-                  <p:spPr>
-                    <a:xfrm>
-                      <a:off x="3962400" y="5379717"/>
-                      <a:ext cx="381000" cy="261610"/>
-                    </a:xfrm>
-                    <a:prstGeom prst="rect">
-                      <a:avLst/>
-                    </a:prstGeom>
-                    <a:noFill/>
-                    <a:ln>
-                      <a:noFill/>
-                    </a:ln>
-                  </p:spPr>
-                  <p:txBody>
-                    <a:bodyPr wrap="square" rtlCol="0">
-                      <a:spAutoFit/>
-                    </a:bodyPr>
-                    <a:lstStyle/>
-                    <a:p>
-                      <a:r>
-                        <a:rPr lang="en-US" sz="1100" dirty="0" smtClean="0"/>
-                        <a:t>6</a:t>
-                      </a:r>
-                      <a:endParaRPr lang="en-US" sz="1050" dirty="0"/>
-                    </a:p>
-                  </p:txBody>
-                </p:sp>
-                <p:sp>
-                  <p:nvSpPr>
-                    <p:cNvPr id="300" name="TextBox 299"/>
-                    <p:cNvSpPr txBox="1"/>
-                    <p:nvPr/>
-                  </p:nvSpPr>
-                  <p:spPr>
-                    <a:xfrm>
-                      <a:off x="2743200" y="5334000"/>
-                      <a:ext cx="990600" cy="184666"/>
-                    </a:xfrm>
-                    <a:prstGeom prst="rect">
-                      <a:avLst/>
-                    </a:prstGeom>
-                    <a:noFill/>
-                    <a:ln>
-                      <a:noFill/>
-                    </a:ln>
-                  </p:spPr>
-                  <p:txBody>
-                    <a:bodyPr wrap="square" rtlCol="0">
-                      <a:spAutoFit/>
-                    </a:bodyPr>
-                    <a:lstStyle/>
-                    <a:p>
-                      <a:pPr algn="r"/>
-                      <a:r>
-                        <a:rPr lang="en-US" sz="600" dirty="0" smtClean="0"/>
-                        <a:t>Instruction [5-0]</a:t>
-                      </a:r>
-                      <a:endParaRPr lang="en-US" sz="600" dirty="0"/>
-                    </a:p>
-                  </p:txBody>
-                </p:sp>
-                <p:cxnSp>
-                  <p:nvCxnSpPr>
-                    <p:cNvPr id="302" name="Straight Arrow Connector 301"/>
-                    <p:cNvCxnSpPr/>
-                    <p:nvPr/>
-                  </p:nvCxnSpPr>
-                  <p:spPr>
-                    <a:xfrm flipV="1">
-                      <a:off x="2286000" y="4343400"/>
-                      <a:ext cx="1600200" cy="4234"/>
-                    </a:xfrm>
-                    <a:prstGeom prst="straightConnector1">
-                      <a:avLst/>
-                    </a:prstGeom>
-                    <a:ln>
-                      <a:solidFill>
-                        <a:schemeClr val="tx1"/>
-                      </a:solidFill>
-                      <a:tailEnd type="arrow"/>
-                    </a:ln>
-                  </p:spPr>
-                  <p:style>
-                    <a:lnRef idx="1">
-                      <a:schemeClr val="accent1"/>
-                    </a:lnRef>
-                    <a:fillRef idx="0">
-                      <a:schemeClr val="accent1"/>
-                    </a:fillRef>
-                    <a:effectRef idx="0">
-                      <a:schemeClr val="accent1"/>
-                    </a:effectRef>
-                    <a:fontRef idx="minor">
-                      <a:schemeClr val="tx1"/>
-                    </a:fontRef>
-                  </p:style>
-                </p:cxnSp>
-                <p:cxnSp>
-                  <p:nvCxnSpPr>
-                    <p:cNvPr id="311" name="Straight Connector 310"/>
-                    <p:cNvCxnSpPr/>
-                    <p:nvPr/>
-                  </p:nvCxnSpPr>
-                  <p:spPr>
-                    <a:xfrm flipH="1">
-                      <a:off x="2133600" y="4191000"/>
-                      <a:ext cx="152400" cy="0"/>
-                    </a:xfrm>
-                    <a:prstGeom prst="line">
-                      <a:avLst/>
-                    </a:prstGeom>
-                    <a:ln>
-                      <a:solidFill>
-                        <a:schemeClr val="tx1"/>
-                      </a:solidFill>
-                    </a:ln>
-                  </p:spPr>
-                  <p:style>
-                    <a:lnRef idx="1">
-                      <a:schemeClr val="accent1"/>
-                    </a:lnRef>
-                    <a:fillRef idx="0">
-                      <a:schemeClr val="accent1"/>
-                    </a:fillRef>
-                    <a:effectRef idx="0">
-                      <a:schemeClr val="accent1"/>
-                    </a:effectRef>
-                    <a:fontRef idx="minor">
-                      <a:schemeClr val="tx1"/>
-                    </a:fontRef>
-                  </p:style>
-                </p:cxnSp>
-                <p:sp>
-                  <p:nvSpPr>
-                    <p:cNvPr id="320" name="TextBox 319"/>
-                    <p:cNvSpPr txBox="1"/>
-                    <p:nvPr/>
-                  </p:nvSpPr>
-                  <p:spPr>
-                    <a:xfrm>
-                      <a:off x="2819400" y="4311134"/>
-                      <a:ext cx="990600" cy="184666"/>
-                    </a:xfrm>
-                    <a:prstGeom prst="rect">
-                      <a:avLst/>
-                    </a:prstGeom>
-                    <a:noFill/>
-                    <a:ln>
-                      <a:noFill/>
-                    </a:ln>
-                  </p:spPr>
-                  <p:txBody>
-                    <a:bodyPr wrap="square" rtlCol="0">
-                      <a:spAutoFit/>
-                    </a:bodyPr>
-                    <a:lstStyle/>
-                    <a:p>
-                      <a:pPr algn="r"/>
-                      <a:r>
-                        <a:rPr lang="en-US" sz="600" dirty="0" smtClean="0"/>
-                        <a:t>Instruction [11-9]</a:t>
-                      </a:r>
-                      <a:endParaRPr lang="en-US" sz="600" dirty="0"/>
-                    </a:p>
-                  </p:txBody>
-                </p:sp>
-                <p:cxnSp>
-                  <p:nvCxnSpPr>
-                    <p:cNvPr id="325" name="Straight Arrow Connector 324"/>
-                    <p:cNvCxnSpPr/>
-                    <p:nvPr/>
-                  </p:nvCxnSpPr>
-                  <p:spPr>
-                    <a:xfrm>
-                      <a:off x="2286000" y="3352800"/>
-                      <a:ext cx="1600200" cy="0"/>
-                    </a:xfrm>
-                    <a:prstGeom prst="straightConnector1">
-                      <a:avLst/>
-                    </a:prstGeom>
-                    <a:ln>
-                      <a:solidFill>
-                        <a:schemeClr val="tx1"/>
-                      </a:solidFill>
-                      <a:tailEnd type="arrow"/>
-                    </a:ln>
-                  </p:spPr>
-                  <p:style>
-                    <a:lnRef idx="1">
-                      <a:schemeClr val="accent1"/>
-                    </a:lnRef>
-                    <a:fillRef idx="0">
-                      <a:schemeClr val="accent1"/>
-                    </a:fillRef>
-                    <a:effectRef idx="0">
-                      <a:schemeClr val="accent1"/>
-                    </a:effectRef>
-                    <a:fontRef idx="minor">
-                      <a:schemeClr val="tx1"/>
-                    </a:fontRef>
-                  </p:style>
-                </p:cxnSp>
-                <p:sp>
-                  <p:nvSpPr>
-                    <p:cNvPr id="326" name="TextBox 325"/>
-                    <p:cNvSpPr txBox="1"/>
-                    <p:nvPr/>
-                  </p:nvSpPr>
-                  <p:spPr>
-                    <a:xfrm>
-                      <a:off x="2819400" y="3314697"/>
-                      <a:ext cx="990600" cy="184666"/>
-                    </a:xfrm>
-                    <a:prstGeom prst="rect">
-                      <a:avLst/>
-                    </a:prstGeom>
-                    <a:noFill/>
-                    <a:ln>
-                      <a:noFill/>
-                    </a:ln>
-                  </p:spPr>
-                  <p:txBody>
-                    <a:bodyPr wrap="square" rtlCol="0">
-                      <a:spAutoFit/>
-                    </a:bodyPr>
-                    <a:lstStyle/>
-                    <a:p>
-                      <a:pPr algn="r"/>
-                      <a:r>
-                        <a:rPr lang="en-US" sz="600" dirty="0" smtClean="0"/>
-                        <a:t>Instruction [8-6]</a:t>
-                      </a:r>
-                      <a:endParaRPr lang="en-US" sz="600" dirty="0"/>
-                    </a:p>
-                  </p:txBody>
-                </p:sp>
-                <p:cxnSp>
-                  <p:nvCxnSpPr>
-                    <p:cNvPr id="335" name="Straight Arrow Connector 334"/>
-                    <p:cNvCxnSpPr/>
-                    <p:nvPr/>
-                  </p:nvCxnSpPr>
-                  <p:spPr>
-                    <a:xfrm>
-                      <a:off x="2286000" y="3848103"/>
-                      <a:ext cx="1600200" cy="0"/>
-                    </a:xfrm>
-                    <a:prstGeom prst="straightConnector1">
-                      <a:avLst/>
-                    </a:prstGeom>
-                    <a:ln>
-                      <a:solidFill>
-                        <a:schemeClr val="tx1"/>
-                      </a:solidFill>
-                      <a:tailEnd type="arrow"/>
-                    </a:ln>
-                  </p:spPr>
-                  <p:style>
-                    <a:lnRef idx="1">
-                      <a:schemeClr val="accent1"/>
-                    </a:lnRef>
-                    <a:fillRef idx="0">
-                      <a:schemeClr val="accent1"/>
-                    </a:fillRef>
-                    <a:effectRef idx="0">
-                      <a:schemeClr val="accent1"/>
-                    </a:effectRef>
-                    <a:fontRef idx="minor">
-                      <a:schemeClr val="tx1"/>
-                    </a:fontRef>
-                  </p:style>
-                </p:cxnSp>
-                <p:sp>
-                  <p:nvSpPr>
-                    <p:cNvPr id="336" name="TextBox 335"/>
-                    <p:cNvSpPr txBox="1"/>
-                    <p:nvPr/>
-                  </p:nvSpPr>
-                  <p:spPr>
-                    <a:xfrm>
-                      <a:off x="2819400" y="3810000"/>
-                      <a:ext cx="990600" cy="184666"/>
-                    </a:xfrm>
-                    <a:prstGeom prst="rect">
-                      <a:avLst/>
-                    </a:prstGeom>
-                    <a:noFill/>
-                    <a:ln>
-                      <a:noFill/>
-                    </a:ln>
-                  </p:spPr>
-                  <p:txBody>
-                    <a:bodyPr wrap="square" rtlCol="0">
-                      <a:spAutoFit/>
-                    </a:bodyPr>
-                    <a:lstStyle/>
-                    <a:p>
-                      <a:pPr algn="r"/>
-                      <a:r>
-                        <a:rPr lang="en-US" sz="600" dirty="0" smtClean="0"/>
-                        <a:t>Instruction [5-3]</a:t>
-                      </a:r>
-                      <a:endParaRPr lang="en-US" sz="600" dirty="0"/>
-                    </a:p>
-                  </p:txBody>
-                </p:sp>
-              </p:grpSp>
-              <p:sp>
-                <p:nvSpPr>
-                  <p:cNvPr id="490" name="Oval 489"/>
-                  <p:cNvSpPr/>
-                  <p:nvPr/>
-                </p:nvSpPr>
-                <p:spPr>
-                  <a:xfrm>
-                    <a:off x="2266944" y="3325828"/>
-                    <a:ext cx="45719" cy="45719"/>
-                  </a:xfrm>
-                  <a:prstGeom prst="ellipse">
-                    <a:avLst/>
-                  </a:prstGeom>
-                  <a:solidFill>
-                    <a:schemeClr val="tx1"/>
-                  </a:solidFill>
-                  <a:ln w="6350">
-                    <a:solidFill>
-                      <a:schemeClr val="tx1"/>
-                    </a:solidFill>
-                  </a:ln>
-                </p:spPr>
-                <p:style>
-                  <a:lnRef idx="2">
-                    <a:schemeClr val="accent1">
-                      <a:shade val="50000"/>
-                    </a:schemeClr>
-                  </a:lnRef>
-                  <a:fillRef idx="1">
-                    <a:schemeClr val="accent1"/>
-                  </a:fillRef>
-                  <a:effectRef idx="0">
-                    <a:schemeClr val="accent1"/>
-                  </a:effectRef>
-                  <a:fontRef idx="minor">
-                    <a:schemeClr val="lt1"/>
-                  </a:fontRef>
-                </p:style>
-                <p:txBody>
-                  <a:bodyPr rtlCol="0" anchor="ctr"/>
-                  <a:lstStyle/>
-                  <a:p>
-                    <a:pPr algn="ctr"/>
-                    <a:endParaRPr lang="en-US"/>
-                  </a:p>
-                </p:txBody>
-              </p:sp>
-            </p:grpSp>
-            <p:sp>
-              <p:nvSpPr>
-                <p:cNvPr id="492" name="Oval 491"/>
-                <p:cNvSpPr/>
-                <p:nvPr/>
-              </p:nvSpPr>
-              <p:spPr>
-                <a:xfrm>
-                  <a:off x="2265356" y="3822704"/>
-                  <a:ext cx="45719" cy="45719"/>
-                </a:xfrm>
-                <a:prstGeom prst="ellipse">
-                  <a:avLst/>
-                </a:prstGeom>
-                <a:solidFill>
-                  <a:schemeClr val="tx1"/>
-                </a:solidFill>
-                <a:ln w="6350">
-                  <a:solidFill>
-                    <a:schemeClr val="tx1"/>
-                  </a:solidFill>
-                </a:ln>
-              </p:spPr>
-              <p:style>
-                <a:lnRef idx="2">
-                  <a:schemeClr val="accent1">
-                    <a:shade val="50000"/>
-                  </a:schemeClr>
-                </a:lnRef>
-                <a:fillRef idx="1">
-                  <a:schemeClr val="accent1"/>
-                </a:fillRef>
-                <a:effectRef idx="0">
-                  <a:schemeClr val="accent1"/>
-                </a:effectRef>
-                <a:fontRef idx="minor">
-                  <a:schemeClr val="lt1"/>
-                </a:fontRef>
-              </p:style>
-              <p:txBody>
-                <a:bodyPr rtlCol="0" anchor="ctr"/>
-                <a:lstStyle/>
-                <a:p>
-                  <a:pPr algn="ctr"/>
-                  <a:endParaRPr lang="en-US"/>
-                </a:p>
-              </p:txBody>
-            </p:sp>
-          </p:grpSp>
-          <p:sp>
-            <p:nvSpPr>
-              <p:cNvPr id="516" name="Oval 515"/>
-              <p:cNvSpPr/>
-              <p:nvPr/>
-            </p:nvSpPr>
-            <p:spPr>
-              <a:xfrm>
-                <a:off x="2263768" y="4167180"/>
-                <a:ext cx="45719" cy="45719"/>
-              </a:xfrm>
-              <a:prstGeom prst="ellipse">
-                <a:avLst/>
-              </a:prstGeom>
-              <a:solidFill>
-                <a:schemeClr val="tx1"/>
-              </a:solidFill>
-              <a:ln w="6350">
-                <a:solidFill>
-                  <a:schemeClr val="tx1"/>
-                </a:solidFill>
-              </a:ln>
-            </p:spPr>
-            <p:style>
-              <a:lnRef idx="2">
-                <a:schemeClr val="accent1">
-                  <a:shade val="50000"/>
-                </a:schemeClr>
-              </a:lnRef>
-              <a:fillRef idx="1">
-                <a:schemeClr val="accent1"/>
-              </a:fillRef>
-              <a:effectRef idx="0">
-                <a:schemeClr val="accent1"/>
-              </a:effectRef>
-              <a:fontRef idx="minor">
-                <a:schemeClr val="lt1"/>
-              </a:fontRef>
-            </p:style>
-            <p:txBody>
-              <a:bodyPr rtlCol="0" anchor="ctr"/>
-              <a:lstStyle/>
-              <a:p>
-                <a:pPr algn="ctr"/>
-                <a:endParaRPr lang="en-US"/>
-              </a:p>
-            </p:txBody>
-          </p:sp>
-        </p:grpSp>
-        <p:cxnSp>
-          <p:nvCxnSpPr>
-            <p:cNvPr id="519" name="Straight Arrow Connector 518"/>
-            <p:cNvCxnSpPr/>
-            <p:nvPr/>
-          </p:nvCxnSpPr>
-          <p:spPr>
-            <a:xfrm>
-              <a:off x="3886200" y="6019800"/>
-              <a:ext cx="1828800" cy="0"/>
-            </a:xfrm>
-            <a:prstGeom prst="straightConnector1">
-              <a:avLst/>
-            </a:prstGeom>
-            <a:ln>
-              <a:solidFill>
-                <a:schemeClr val="tx1"/>
-              </a:solidFill>
-              <a:tailEnd type="arrow"/>
-            </a:ln>
-          </p:spPr>
-          <p:style>
-            <a:lnRef idx="1">
-              <a:schemeClr val="accent1"/>
-            </a:lnRef>
-            <a:fillRef idx="0">
-              <a:schemeClr val="accent1"/>
-            </a:fillRef>
-            <a:effectRef idx="0">
-              <a:schemeClr val="accent1"/>
-            </a:effectRef>
-            <a:fontRef idx="minor">
-              <a:schemeClr val="tx1"/>
-            </a:fontRef>
-          </p:style>
-        </p:cxnSp>
-        <p:sp>
-          <p:nvSpPr>
-            <p:cNvPr id="525" name="Oval 524"/>
-            <p:cNvSpPr/>
-            <p:nvPr/>
-          </p:nvSpPr>
-          <p:spPr>
-            <a:xfrm>
-              <a:off x="3865556" y="5305749"/>
-              <a:ext cx="45719" cy="45719"/>
-            </a:xfrm>
-            <a:prstGeom prst="ellipse">
-              <a:avLst/>
-            </a:prstGeom>
-            <a:solidFill>
-              <a:schemeClr val="tx1"/>
-            </a:solidFill>
-            <a:ln w="6350">
-              <a:solidFill>
-                <a:schemeClr val="tx1"/>
-              </a:solidFill>
-            </a:ln>
-          </p:spPr>
-          <p:style>
-            <a:lnRef idx="2">
-              <a:schemeClr val="accent1">
-                <a:shade val="50000"/>
-              </a:schemeClr>
-            </a:lnRef>
-            <a:fillRef idx="1">
-              <a:schemeClr val="accent1"/>
-            </a:fillRef>
-            <a:effectRef idx="0">
-              <a:schemeClr val="accent1"/>
-            </a:effectRef>
-            <a:fontRef idx="minor">
-              <a:schemeClr val="lt1"/>
-            </a:fontRef>
-          </p:style>
-          <p:txBody>
-            <a:bodyPr rtlCol="0" anchor="ctr"/>
-            <a:lstStyle/>
-            <a:p>
-              <a:pPr algn="ctr"/>
-              <a:endParaRPr lang="en-US"/>
-            </a:p>
-          </p:txBody>
-        </p:sp>
-        <p:cxnSp>
-          <p:nvCxnSpPr>
-            <p:cNvPr id="521" name="Straight Connector 520"/>
-            <p:cNvCxnSpPr/>
-            <p:nvPr/>
-          </p:nvCxnSpPr>
-          <p:spPr>
-            <a:xfrm flipV="1">
-              <a:off x="3886200" y="5334000"/>
-              <a:ext cx="0" cy="685800"/>
-            </a:xfrm>
-            <a:prstGeom prst="line">
-              <a:avLst/>
-            </a:prstGeom>
-            <a:ln>
-              <a:solidFill>
-                <a:schemeClr val="tx1"/>
-              </a:solidFill>
-            </a:ln>
-          </p:spPr>
-          <p:style>
-            <a:lnRef idx="1">
-              <a:schemeClr val="accent1"/>
-            </a:lnRef>
-            <a:fillRef idx="0">
-              <a:schemeClr val="accent1"/>
-            </a:fillRef>
-            <a:effectRef idx="0">
-              <a:schemeClr val="accent1"/>
-            </a:effectRef>
-            <a:fontRef idx="minor">
-              <a:schemeClr val="tx1"/>
-            </a:fontRef>
-          </p:style>
-        </p:cxnSp>
-        <p:sp>
-          <p:nvSpPr>
-            <p:cNvPr id="551" name="TextBox 550"/>
-            <p:cNvSpPr txBox="1"/>
-            <p:nvPr/>
-          </p:nvSpPr>
-          <p:spPr>
-            <a:xfrm>
-              <a:off x="4114800" y="6019800"/>
-              <a:ext cx="762000" cy="184666"/>
-            </a:xfrm>
-            <a:prstGeom prst="rect">
-              <a:avLst/>
-            </a:prstGeom>
-            <a:noFill/>
-            <a:ln>
-              <a:noFill/>
-            </a:ln>
-          </p:spPr>
-          <p:txBody>
-            <a:bodyPr wrap="square" rtlCol="0">
-              <a:spAutoFit/>
-            </a:bodyPr>
-            <a:lstStyle/>
-            <a:p>
-              <a:pPr algn="r"/>
-              <a:r>
-                <a:rPr lang="en-US" sz="600" dirty="0" smtClean="0"/>
-                <a:t>Instruction [2-0]</a:t>
-              </a:r>
-              <a:endParaRPr lang="en-US" sz="600" dirty="0"/>
-            </a:p>
-          </p:txBody>
-        </p:sp>
-      </p:grpSp>
-      <p:grpSp>
-        <p:nvGrpSpPr>
           <p:cNvPr id="566" name="Group 565"/>
           <p:cNvGrpSpPr/>
           <p:nvPr/>
@@ -13026,6 +12200,1550 @@
           </p:txBody>
         </p:sp>
       </p:grpSp>
+      <p:grpSp>
+        <p:nvGrpSpPr>
+          <p:cNvPr id="276" name="Group 275"/>
+          <p:cNvGrpSpPr/>
+          <p:nvPr/>
+        </p:nvGrpSpPr>
+        <p:grpSpPr>
+          <a:xfrm>
+            <a:off x="3048000" y="4267200"/>
+            <a:ext cx="381000" cy="914400"/>
+            <a:chOff x="5677986" y="3048000"/>
+            <a:chExt cx="418014" cy="914400"/>
+          </a:xfrm>
+        </p:grpSpPr>
+        <p:sp>
+          <p:nvSpPr>
+            <p:cNvPr id="294" name="Flowchart: Terminator 293"/>
+            <p:cNvSpPr/>
+            <p:nvPr/>
+          </p:nvSpPr>
+          <p:spPr>
+            <a:xfrm rot="5400000">
+              <a:off x="5448300" y="3314700"/>
+              <a:ext cx="914400" cy="381000"/>
+            </a:xfrm>
+            <a:prstGeom prst="flowChartTerminator">
+              <a:avLst/>
+            </a:prstGeom>
+            <a:noFill/>
+            <a:ln w="38100">
+              <a:solidFill>
+                <a:schemeClr val="bg2">
+                  <a:lumMod val="50000"/>
+                </a:schemeClr>
+              </a:solidFill>
+            </a:ln>
+          </p:spPr>
+          <p:style>
+            <a:lnRef idx="2">
+              <a:schemeClr val="accent1">
+                <a:shade val="50000"/>
+              </a:schemeClr>
+            </a:lnRef>
+            <a:fillRef idx="1">
+              <a:schemeClr val="accent1"/>
+            </a:fillRef>
+            <a:effectRef idx="0">
+              <a:schemeClr val="accent1"/>
+            </a:effectRef>
+            <a:fontRef idx="minor">
+              <a:schemeClr val="lt1"/>
+            </a:fontRef>
+          </p:style>
+          <p:txBody>
+            <a:bodyPr vert="vert270" rtlCol="0" anchor="ctr"/>
+            <a:lstStyle/>
+            <a:p>
+              <a:pPr algn="ctr"/>
+              <a:r>
+                <a:rPr lang="en-US" sz="1000" dirty="0" smtClean="0">
+                  <a:solidFill>
+                    <a:schemeClr val="bg2">
+                      <a:lumMod val="75000"/>
+                    </a:schemeClr>
+                  </a:solidFill>
+                </a:rPr>
+                <a:t>M</a:t>
+              </a:r>
+            </a:p>
+            <a:p>
+              <a:pPr algn="ctr"/>
+              <a:r>
+                <a:rPr lang="en-US" sz="1000" dirty="0">
+                  <a:solidFill>
+                    <a:schemeClr val="bg2">
+                      <a:lumMod val="75000"/>
+                    </a:schemeClr>
+                  </a:solidFill>
+                </a:rPr>
+                <a:t>u</a:t>
+              </a:r>
+              <a:endParaRPr lang="en-US" sz="1000" dirty="0" smtClean="0">
+                <a:solidFill>
+                  <a:schemeClr val="bg2">
+                    <a:lumMod val="75000"/>
+                  </a:schemeClr>
+                </a:solidFill>
+              </a:endParaRPr>
+            </a:p>
+            <a:p>
+              <a:pPr algn="ctr"/>
+              <a:r>
+                <a:rPr lang="en-US" sz="1000" dirty="0" smtClean="0">
+                  <a:solidFill>
+                    <a:schemeClr val="bg2">
+                      <a:lumMod val="75000"/>
+                    </a:schemeClr>
+                  </a:solidFill>
+                </a:rPr>
+                <a:t>x</a:t>
+              </a:r>
+              <a:endParaRPr lang="en-US" dirty="0">
+                <a:solidFill>
+                  <a:schemeClr val="bg2">
+                    <a:lumMod val="75000"/>
+                  </a:schemeClr>
+                </a:solidFill>
+              </a:endParaRPr>
+            </a:p>
+          </p:txBody>
+        </p:sp>
+        <p:sp>
+          <p:nvSpPr>
+            <p:cNvPr id="304" name="TextBox 303"/>
+            <p:cNvSpPr txBox="1"/>
+            <p:nvPr/>
+          </p:nvSpPr>
+          <p:spPr>
+            <a:xfrm>
+              <a:off x="5677986" y="3158982"/>
+              <a:ext cx="228600" cy="230832"/>
+            </a:xfrm>
+            <a:prstGeom prst="rect">
+              <a:avLst/>
+            </a:prstGeom>
+            <a:noFill/>
+          </p:spPr>
+          <p:txBody>
+            <a:bodyPr wrap="square" rtlCol="0">
+              <a:spAutoFit/>
+            </a:bodyPr>
+            <a:lstStyle/>
+            <a:p>
+              <a:r>
+                <a:rPr lang="en-US" sz="900" dirty="0" smtClean="0"/>
+                <a:t>0</a:t>
+              </a:r>
+              <a:endParaRPr lang="en-US" sz="900" dirty="0"/>
+            </a:p>
+          </p:txBody>
+        </p:sp>
+        <p:sp>
+          <p:nvSpPr>
+            <p:cNvPr id="305" name="TextBox 304"/>
+            <p:cNvSpPr txBox="1"/>
+            <p:nvPr/>
+          </p:nvSpPr>
+          <p:spPr>
+            <a:xfrm>
+              <a:off x="5677986" y="3657600"/>
+              <a:ext cx="228600" cy="230832"/>
+            </a:xfrm>
+            <a:prstGeom prst="rect">
+              <a:avLst/>
+            </a:prstGeom>
+            <a:noFill/>
+          </p:spPr>
+          <p:txBody>
+            <a:bodyPr wrap="square" rtlCol="0">
+              <a:spAutoFit/>
+            </a:bodyPr>
+            <a:lstStyle/>
+            <a:p>
+              <a:r>
+                <a:rPr lang="en-US" sz="900" dirty="0"/>
+                <a:t>1</a:t>
+              </a:r>
+            </a:p>
+          </p:txBody>
+        </p:sp>
+      </p:grpSp>
+      <p:grpSp>
+        <p:nvGrpSpPr>
+          <p:cNvPr id="306" name="Group 305"/>
+          <p:cNvGrpSpPr/>
+          <p:nvPr/>
+        </p:nvGrpSpPr>
+        <p:grpSpPr>
+          <a:xfrm>
+            <a:off x="2209800" y="2590800"/>
+            <a:ext cx="1676400" cy="2667000"/>
+            <a:chOff x="2209800" y="2590800"/>
+            <a:chExt cx="1676400" cy="2667000"/>
+          </a:xfrm>
+        </p:grpSpPr>
+        <p:cxnSp>
+          <p:nvCxnSpPr>
+            <p:cNvPr id="307" name="Straight Connector 306"/>
+            <p:cNvCxnSpPr/>
+            <p:nvPr/>
+          </p:nvCxnSpPr>
+          <p:spPr>
+            <a:xfrm>
+              <a:off x="3276600" y="5181600"/>
+              <a:ext cx="0" cy="76200"/>
+            </a:xfrm>
+            <a:prstGeom prst="line">
+              <a:avLst/>
+            </a:prstGeom>
+          </p:spPr>
+          <p:style>
+            <a:lnRef idx="1">
+              <a:schemeClr val="accent1"/>
+            </a:lnRef>
+            <a:fillRef idx="0">
+              <a:schemeClr val="accent1"/>
+            </a:fillRef>
+            <a:effectRef idx="0">
+              <a:schemeClr val="accent1"/>
+            </a:effectRef>
+            <a:fontRef idx="minor">
+              <a:schemeClr val="tx1"/>
+            </a:fontRef>
+          </p:style>
+        </p:cxnSp>
+        <p:cxnSp>
+          <p:nvCxnSpPr>
+            <p:cNvPr id="308" name="Straight Connector 307"/>
+            <p:cNvCxnSpPr/>
+            <p:nvPr/>
+          </p:nvCxnSpPr>
+          <p:spPr>
+            <a:xfrm>
+              <a:off x="2209800" y="5257800"/>
+              <a:ext cx="1066800" cy="0"/>
+            </a:xfrm>
+            <a:prstGeom prst="line">
+              <a:avLst/>
+            </a:prstGeom>
+          </p:spPr>
+          <p:style>
+            <a:lnRef idx="1">
+              <a:schemeClr val="accent1"/>
+            </a:lnRef>
+            <a:fillRef idx="0">
+              <a:schemeClr val="accent1"/>
+            </a:fillRef>
+            <a:effectRef idx="0">
+              <a:schemeClr val="accent1"/>
+            </a:effectRef>
+            <a:fontRef idx="minor">
+              <a:schemeClr val="tx1"/>
+            </a:fontRef>
+          </p:style>
+        </p:cxnSp>
+        <p:cxnSp>
+          <p:nvCxnSpPr>
+            <p:cNvPr id="309" name="Straight Connector 308"/>
+            <p:cNvCxnSpPr/>
+            <p:nvPr/>
+          </p:nvCxnSpPr>
+          <p:spPr>
+            <a:xfrm>
+              <a:off x="2209800" y="2895600"/>
+              <a:ext cx="0" cy="2362200"/>
+            </a:xfrm>
+            <a:prstGeom prst="line">
+              <a:avLst/>
+            </a:prstGeom>
+          </p:spPr>
+          <p:style>
+            <a:lnRef idx="1">
+              <a:schemeClr val="accent1"/>
+            </a:lnRef>
+            <a:fillRef idx="0">
+              <a:schemeClr val="accent1"/>
+            </a:fillRef>
+            <a:effectRef idx="0">
+              <a:schemeClr val="accent1"/>
+            </a:effectRef>
+            <a:fontRef idx="minor">
+              <a:schemeClr val="tx1"/>
+            </a:fontRef>
+          </p:style>
+        </p:cxnSp>
+        <p:cxnSp>
+          <p:nvCxnSpPr>
+            <p:cNvPr id="310" name="Straight Connector 309"/>
+            <p:cNvCxnSpPr/>
+            <p:nvPr/>
+          </p:nvCxnSpPr>
+          <p:spPr>
+            <a:xfrm>
+              <a:off x="2209800" y="2895600"/>
+              <a:ext cx="1600200" cy="0"/>
+            </a:xfrm>
+            <a:prstGeom prst="line">
+              <a:avLst/>
+            </a:prstGeom>
+          </p:spPr>
+          <p:style>
+            <a:lnRef idx="1">
+              <a:schemeClr val="accent1"/>
+            </a:lnRef>
+            <a:fillRef idx="0">
+              <a:schemeClr val="accent1"/>
+            </a:fillRef>
+            <a:effectRef idx="0">
+              <a:schemeClr val="accent1"/>
+            </a:effectRef>
+            <a:fontRef idx="minor">
+              <a:schemeClr val="tx1"/>
+            </a:fontRef>
+          </p:style>
+        </p:cxnSp>
+        <p:cxnSp>
+          <p:nvCxnSpPr>
+            <p:cNvPr id="312" name="Straight Connector 311"/>
+            <p:cNvCxnSpPr/>
+            <p:nvPr/>
+          </p:nvCxnSpPr>
+          <p:spPr>
+            <a:xfrm flipV="1">
+              <a:off x="3810000" y="2590800"/>
+              <a:ext cx="0" cy="304800"/>
+            </a:xfrm>
+            <a:prstGeom prst="line">
+              <a:avLst/>
+            </a:prstGeom>
+          </p:spPr>
+          <p:style>
+            <a:lnRef idx="1">
+              <a:schemeClr val="accent1"/>
+            </a:lnRef>
+            <a:fillRef idx="0">
+              <a:schemeClr val="accent1"/>
+            </a:fillRef>
+            <a:effectRef idx="0">
+              <a:schemeClr val="accent1"/>
+            </a:effectRef>
+            <a:fontRef idx="minor">
+              <a:schemeClr val="tx1"/>
+            </a:fontRef>
+          </p:style>
+        </p:cxnSp>
+        <p:sp>
+          <p:nvSpPr>
+            <p:cNvPr id="313" name="TextBox 312"/>
+            <p:cNvSpPr txBox="1"/>
+            <p:nvPr/>
+          </p:nvSpPr>
+          <p:spPr>
+            <a:xfrm>
+              <a:off x="3429000" y="2847945"/>
+              <a:ext cx="457200" cy="200055"/>
+            </a:xfrm>
+            <a:prstGeom prst="rect">
+              <a:avLst/>
+            </a:prstGeom>
+            <a:noFill/>
+          </p:spPr>
+          <p:txBody>
+            <a:bodyPr wrap="square" rtlCol="0">
+              <a:spAutoFit/>
+            </a:bodyPr>
+            <a:lstStyle/>
+            <a:p>
+              <a:r>
+                <a:rPr lang="en-US" sz="700" dirty="0" err="1" smtClean="0">
+                  <a:solidFill>
+                    <a:schemeClr val="tx2">
+                      <a:lumMod val="60000"/>
+                      <a:lumOff val="40000"/>
+                    </a:schemeClr>
+                  </a:solidFill>
+                </a:rPr>
+                <a:t>RegDst</a:t>
+              </a:r>
+              <a:endParaRPr lang="en-US" sz="700" dirty="0" smtClean="0">
+                <a:solidFill>
+                  <a:schemeClr val="tx2">
+                    <a:lumMod val="60000"/>
+                    <a:lumOff val="40000"/>
+                  </a:schemeClr>
+                </a:solidFill>
+              </a:endParaRPr>
+            </a:p>
+          </p:txBody>
+        </p:sp>
+      </p:grpSp>
+      <p:grpSp>
+        <p:nvGrpSpPr>
+          <p:cNvPr id="314" name="Group 313"/>
+          <p:cNvGrpSpPr/>
+          <p:nvPr/>
+        </p:nvGrpSpPr>
+        <p:grpSpPr>
+          <a:xfrm>
+            <a:off x="3429000" y="4267200"/>
+            <a:ext cx="457200" cy="457200"/>
+            <a:chOff x="3429000" y="4267200"/>
+            <a:chExt cx="457200" cy="457200"/>
+          </a:xfrm>
+        </p:grpSpPr>
+        <p:cxnSp>
+          <p:nvCxnSpPr>
+            <p:cNvPr id="316" name="Straight Arrow Connector 315"/>
+            <p:cNvCxnSpPr/>
+            <p:nvPr/>
+          </p:nvCxnSpPr>
+          <p:spPr>
+            <a:xfrm>
+              <a:off x="3581400" y="4267200"/>
+              <a:ext cx="304800" cy="0"/>
+            </a:xfrm>
+            <a:prstGeom prst="straightConnector1">
+              <a:avLst/>
+            </a:prstGeom>
+            <a:ln>
+              <a:solidFill>
+                <a:schemeClr val="tx1"/>
+              </a:solidFill>
+              <a:tailEnd type="arrow"/>
+            </a:ln>
+          </p:spPr>
+          <p:style>
+            <a:lnRef idx="1">
+              <a:schemeClr val="accent1"/>
+            </a:lnRef>
+            <a:fillRef idx="0">
+              <a:schemeClr val="accent1"/>
+            </a:fillRef>
+            <a:effectRef idx="0">
+              <a:schemeClr val="accent1"/>
+            </a:effectRef>
+            <a:fontRef idx="minor">
+              <a:schemeClr val="tx1"/>
+            </a:fontRef>
+          </p:style>
+        </p:cxnSp>
+        <p:cxnSp>
+          <p:nvCxnSpPr>
+            <p:cNvPr id="317" name="Straight Connector 316"/>
+            <p:cNvCxnSpPr/>
+            <p:nvPr/>
+          </p:nvCxnSpPr>
+          <p:spPr>
+            <a:xfrm>
+              <a:off x="3429000" y="4724400"/>
+              <a:ext cx="152400" cy="0"/>
+            </a:xfrm>
+            <a:prstGeom prst="line">
+              <a:avLst/>
+            </a:prstGeom>
+            <a:ln>
+              <a:solidFill>
+                <a:schemeClr val="tx1"/>
+              </a:solidFill>
+            </a:ln>
+          </p:spPr>
+          <p:style>
+            <a:lnRef idx="1">
+              <a:schemeClr val="accent1"/>
+            </a:lnRef>
+            <a:fillRef idx="0">
+              <a:schemeClr val="accent1"/>
+            </a:fillRef>
+            <a:effectRef idx="0">
+              <a:schemeClr val="accent1"/>
+            </a:effectRef>
+            <a:fontRef idx="minor">
+              <a:schemeClr val="tx1"/>
+            </a:fontRef>
+          </p:style>
+        </p:cxnSp>
+        <p:cxnSp>
+          <p:nvCxnSpPr>
+            <p:cNvPr id="319" name="Straight Connector 318"/>
+            <p:cNvCxnSpPr/>
+            <p:nvPr/>
+          </p:nvCxnSpPr>
+          <p:spPr>
+            <a:xfrm>
+              <a:off x="3581400" y="4267200"/>
+              <a:ext cx="0" cy="457200"/>
+            </a:xfrm>
+            <a:prstGeom prst="line">
+              <a:avLst/>
+            </a:prstGeom>
+            <a:ln>
+              <a:solidFill>
+                <a:schemeClr val="tx1"/>
+              </a:solidFill>
+            </a:ln>
+          </p:spPr>
+          <p:style>
+            <a:lnRef idx="1">
+              <a:schemeClr val="accent1"/>
+            </a:lnRef>
+            <a:fillRef idx="0">
+              <a:schemeClr val="accent1"/>
+            </a:fillRef>
+            <a:effectRef idx="0">
+              <a:schemeClr val="accent1"/>
+            </a:effectRef>
+            <a:fontRef idx="minor">
+              <a:schemeClr val="tx1"/>
+            </a:fontRef>
+          </p:style>
+        </p:cxnSp>
+      </p:grpSp>
+      <p:grpSp>
+        <p:nvGrpSpPr>
+          <p:cNvPr id="354" name="Group 353"/>
+          <p:cNvGrpSpPr/>
+          <p:nvPr/>
+        </p:nvGrpSpPr>
+        <p:grpSpPr>
+          <a:xfrm>
+            <a:off x="1958975" y="914400"/>
+            <a:ext cx="3756025" cy="5290066"/>
+            <a:chOff x="1958975" y="914400"/>
+            <a:chExt cx="3756025" cy="5290066"/>
+          </a:xfrm>
+        </p:grpSpPr>
+        <p:grpSp>
+          <p:nvGrpSpPr>
+            <p:cNvPr id="327" name="Group 326"/>
+            <p:cNvGrpSpPr/>
+            <p:nvPr/>
+          </p:nvGrpSpPr>
+          <p:grpSpPr>
+            <a:xfrm>
+              <a:off x="1958975" y="914400"/>
+              <a:ext cx="3756025" cy="5290066"/>
+              <a:chOff x="1958975" y="914400"/>
+              <a:chExt cx="3756025" cy="5290066"/>
+            </a:xfrm>
+          </p:grpSpPr>
+          <p:grpSp>
+            <p:nvGrpSpPr>
+              <p:cNvPr id="552" name="Group 551"/>
+              <p:cNvGrpSpPr/>
+              <p:nvPr/>
+            </p:nvGrpSpPr>
+            <p:grpSpPr>
+              <a:xfrm>
+                <a:off x="1958975" y="914400"/>
+                <a:ext cx="3756025" cy="5290066"/>
+                <a:chOff x="1958975" y="914400"/>
+                <a:chExt cx="3756025" cy="5290066"/>
+              </a:xfrm>
+            </p:grpSpPr>
+            <p:grpSp>
+              <p:nvGrpSpPr>
+                <p:cNvPr id="517" name="Group 516"/>
+                <p:cNvGrpSpPr/>
+                <p:nvPr/>
+              </p:nvGrpSpPr>
+              <p:grpSpPr>
+                <a:xfrm>
+                  <a:off x="1958975" y="914400"/>
+                  <a:ext cx="2384425" cy="4726927"/>
+                  <a:chOff x="1958975" y="914400"/>
+                  <a:chExt cx="2384425" cy="4726927"/>
+                </a:xfrm>
+              </p:grpSpPr>
+              <p:grpSp>
+                <p:nvGrpSpPr>
+                  <p:cNvPr id="495" name="Group 494"/>
+                  <p:cNvGrpSpPr/>
+                  <p:nvPr/>
+                </p:nvGrpSpPr>
+                <p:grpSpPr>
+                  <a:xfrm>
+                    <a:off x="1958975" y="914400"/>
+                    <a:ext cx="2384425" cy="4726927"/>
+                    <a:chOff x="1958975" y="914400"/>
+                    <a:chExt cx="2384425" cy="4726927"/>
+                  </a:xfrm>
+                </p:grpSpPr>
+                <p:grpSp>
+                  <p:nvGrpSpPr>
+                    <p:cNvPr id="491" name="Group 490"/>
+                    <p:cNvGrpSpPr/>
+                    <p:nvPr/>
+                  </p:nvGrpSpPr>
+                  <p:grpSpPr>
+                    <a:xfrm>
+                      <a:off x="1958975" y="914400"/>
+                      <a:ext cx="2384425" cy="4726927"/>
+                      <a:chOff x="1958975" y="914400"/>
+                      <a:chExt cx="2384425" cy="4726927"/>
+                    </a:xfrm>
+                  </p:grpSpPr>
+                  <p:grpSp>
+                    <p:nvGrpSpPr>
+                      <p:cNvPr id="345" name="Group 344"/>
+                      <p:cNvGrpSpPr/>
+                      <p:nvPr/>
+                    </p:nvGrpSpPr>
+                    <p:grpSpPr>
+                      <a:xfrm>
+                        <a:off x="1958975" y="914400"/>
+                        <a:ext cx="2384425" cy="4726927"/>
+                        <a:chOff x="1958975" y="914400"/>
+                        <a:chExt cx="2384425" cy="4726927"/>
+                      </a:xfrm>
+                    </p:grpSpPr>
+                    <p:cxnSp>
+                      <p:nvCxnSpPr>
+                        <p:cNvPr id="286" name="Straight Arrow Connector 285"/>
+                        <p:cNvCxnSpPr/>
+                        <p:nvPr/>
+                      </p:nvCxnSpPr>
+                      <p:spPr>
+                        <a:xfrm>
+                          <a:off x="2286000" y="1905000"/>
+                          <a:ext cx="609600" cy="0"/>
+                        </a:xfrm>
+                        <a:prstGeom prst="straightConnector1">
+                          <a:avLst/>
+                        </a:prstGeom>
+                        <a:ln>
+                          <a:solidFill>
+                            <a:schemeClr val="tx1"/>
+                          </a:solidFill>
+                          <a:tailEnd type="arrow"/>
+                        </a:ln>
+                      </p:spPr>
+                      <p:style>
+                        <a:lnRef idx="1">
+                          <a:schemeClr val="accent1"/>
+                        </a:lnRef>
+                        <a:fillRef idx="0">
+                          <a:schemeClr val="accent1"/>
+                        </a:fillRef>
+                        <a:effectRef idx="0">
+                          <a:schemeClr val="accent1"/>
+                        </a:effectRef>
+                        <a:fontRef idx="minor">
+                          <a:schemeClr val="tx1"/>
+                        </a:fontRef>
+                      </p:style>
+                    </p:cxnSp>
+                    <p:cxnSp>
+                      <p:nvCxnSpPr>
+                        <p:cNvPr id="289" name="Straight Connector 288"/>
+                        <p:cNvCxnSpPr/>
+                        <p:nvPr/>
+                      </p:nvCxnSpPr>
+                      <p:spPr>
+                        <a:xfrm>
+                          <a:off x="2286000" y="914400"/>
+                          <a:ext cx="0" cy="4419600"/>
+                        </a:xfrm>
+                        <a:prstGeom prst="line">
+                          <a:avLst/>
+                        </a:prstGeom>
+                        <a:ln>
+                          <a:solidFill>
+                            <a:schemeClr val="tx1"/>
+                          </a:solidFill>
+                        </a:ln>
+                      </p:spPr>
+                      <p:style>
+                        <a:lnRef idx="1">
+                          <a:schemeClr val="accent1"/>
+                        </a:lnRef>
+                        <a:fillRef idx="0">
+                          <a:schemeClr val="accent1"/>
+                        </a:fillRef>
+                        <a:effectRef idx="0">
+                          <a:schemeClr val="accent1"/>
+                        </a:effectRef>
+                        <a:fontRef idx="minor">
+                          <a:schemeClr val="tx1"/>
+                        </a:fontRef>
+                      </p:style>
+                    </p:cxnSp>
+                    <p:cxnSp>
+                      <p:nvCxnSpPr>
+                        <p:cNvPr id="296" name="Straight Arrow Connector 295"/>
+                        <p:cNvCxnSpPr/>
+                        <p:nvPr/>
+                      </p:nvCxnSpPr>
+                      <p:spPr>
+                        <a:xfrm>
+                          <a:off x="2286000" y="5334000"/>
+                          <a:ext cx="2057400" cy="0"/>
+                        </a:xfrm>
+                        <a:prstGeom prst="straightConnector1">
+                          <a:avLst/>
+                        </a:prstGeom>
+                        <a:ln>
+                          <a:solidFill>
+                            <a:schemeClr val="tx1"/>
+                          </a:solidFill>
+                          <a:tailEnd type="arrow"/>
+                        </a:ln>
+                      </p:spPr>
+                      <p:style>
+                        <a:lnRef idx="1">
+                          <a:schemeClr val="accent1"/>
+                        </a:lnRef>
+                        <a:fillRef idx="0">
+                          <a:schemeClr val="accent1"/>
+                        </a:fillRef>
+                        <a:effectRef idx="0">
+                          <a:schemeClr val="accent1"/>
+                        </a:effectRef>
+                        <a:fontRef idx="minor">
+                          <a:schemeClr val="tx1"/>
+                        </a:fontRef>
+                      </p:style>
+                    </p:cxnSp>
+                    <p:cxnSp>
+                      <p:nvCxnSpPr>
+                        <p:cNvPr id="298" name="Straight Connector 297"/>
+                        <p:cNvCxnSpPr/>
+                        <p:nvPr/>
+                      </p:nvCxnSpPr>
+                      <p:spPr>
+                        <a:xfrm flipV="1">
+                          <a:off x="4049490" y="5257800"/>
+                          <a:ext cx="152400" cy="152400"/>
+                        </a:xfrm>
+                        <a:prstGeom prst="line">
+                          <a:avLst/>
+                        </a:prstGeom>
+                        <a:ln>
+                          <a:solidFill>
+                            <a:schemeClr val="tx1"/>
+                          </a:solidFill>
+                        </a:ln>
+                      </p:spPr>
+                      <p:style>
+                        <a:lnRef idx="1">
+                          <a:schemeClr val="accent1"/>
+                        </a:lnRef>
+                        <a:fillRef idx="0">
+                          <a:schemeClr val="accent1"/>
+                        </a:fillRef>
+                        <a:effectRef idx="0">
+                          <a:schemeClr val="accent1"/>
+                        </a:effectRef>
+                        <a:fontRef idx="minor">
+                          <a:schemeClr val="tx1"/>
+                        </a:fontRef>
+                      </p:style>
+                    </p:cxnSp>
+                    <p:sp>
+                      <p:nvSpPr>
+                        <p:cNvPr id="299" name="TextBox 298"/>
+                        <p:cNvSpPr txBox="1"/>
+                        <p:nvPr/>
+                      </p:nvSpPr>
+                      <p:spPr>
+                        <a:xfrm>
+                          <a:off x="3962400" y="5379717"/>
+                          <a:ext cx="381000" cy="261610"/>
+                        </a:xfrm>
+                        <a:prstGeom prst="rect">
+                          <a:avLst/>
+                        </a:prstGeom>
+                        <a:noFill/>
+                        <a:ln>
+                          <a:noFill/>
+                        </a:ln>
+                      </p:spPr>
+                      <p:txBody>
+                        <a:bodyPr wrap="square" rtlCol="0">
+                          <a:spAutoFit/>
+                        </a:bodyPr>
+                        <a:lstStyle/>
+                        <a:p>
+                          <a:r>
+                            <a:rPr lang="en-US" sz="1100" dirty="0" smtClean="0"/>
+                            <a:t>6</a:t>
+                          </a:r>
+                          <a:endParaRPr lang="en-US" sz="1050" dirty="0"/>
+                        </a:p>
+                      </p:txBody>
+                    </p:sp>
+                    <p:sp>
+                      <p:nvSpPr>
+                        <p:cNvPr id="300" name="TextBox 299"/>
+                        <p:cNvSpPr txBox="1"/>
+                        <p:nvPr/>
+                      </p:nvSpPr>
+                      <p:spPr>
+                        <a:xfrm>
+                          <a:off x="2743200" y="5334000"/>
+                          <a:ext cx="990600" cy="184666"/>
+                        </a:xfrm>
+                        <a:prstGeom prst="rect">
+                          <a:avLst/>
+                        </a:prstGeom>
+                        <a:noFill/>
+                        <a:ln>
+                          <a:noFill/>
+                        </a:ln>
+                      </p:spPr>
+                      <p:txBody>
+                        <a:bodyPr wrap="square" rtlCol="0">
+                          <a:spAutoFit/>
+                        </a:bodyPr>
+                        <a:lstStyle/>
+                        <a:p>
+                          <a:pPr algn="r"/>
+                          <a:r>
+                            <a:rPr lang="en-US" sz="600" dirty="0" smtClean="0"/>
+                            <a:t>Instruction [5-0]</a:t>
+                          </a:r>
+                          <a:endParaRPr lang="en-US" sz="600" dirty="0"/>
+                        </a:p>
+                      </p:txBody>
+                    </p:sp>
+                    <p:cxnSp>
+                      <p:nvCxnSpPr>
+                        <p:cNvPr id="302" name="Straight Arrow Connector 301"/>
+                        <p:cNvCxnSpPr/>
+                        <p:nvPr/>
+                      </p:nvCxnSpPr>
+                      <p:spPr>
+                        <a:xfrm>
+                          <a:off x="2286000" y="4997450"/>
+                          <a:ext cx="784225" cy="0"/>
+                        </a:xfrm>
+                        <a:prstGeom prst="straightConnector1">
+                          <a:avLst/>
+                        </a:prstGeom>
+                        <a:ln>
+                          <a:solidFill>
+                            <a:schemeClr val="tx1"/>
+                          </a:solidFill>
+                          <a:tailEnd type="arrow"/>
+                        </a:ln>
+                      </p:spPr>
+                      <p:style>
+                        <a:lnRef idx="1">
+                          <a:schemeClr val="accent1"/>
+                        </a:lnRef>
+                        <a:fillRef idx="0">
+                          <a:schemeClr val="accent1"/>
+                        </a:fillRef>
+                        <a:effectRef idx="0">
+                          <a:schemeClr val="accent1"/>
+                        </a:effectRef>
+                        <a:fontRef idx="minor">
+                          <a:schemeClr val="tx1"/>
+                        </a:fontRef>
+                      </p:style>
+                    </p:cxnSp>
+                    <p:cxnSp>
+                      <p:nvCxnSpPr>
+                        <p:cNvPr id="311" name="Straight Connector 310"/>
+                        <p:cNvCxnSpPr/>
+                        <p:nvPr/>
+                      </p:nvCxnSpPr>
+                      <p:spPr>
+                        <a:xfrm flipH="1">
+                          <a:off x="2133600" y="4191000"/>
+                          <a:ext cx="152400" cy="0"/>
+                        </a:xfrm>
+                        <a:prstGeom prst="line">
+                          <a:avLst/>
+                        </a:prstGeom>
+                        <a:ln>
+                          <a:solidFill>
+                            <a:schemeClr val="tx1"/>
+                          </a:solidFill>
+                        </a:ln>
+                      </p:spPr>
+                      <p:style>
+                        <a:lnRef idx="1">
+                          <a:schemeClr val="accent1"/>
+                        </a:lnRef>
+                        <a:fillRef idx="0">
+                          <a:schemeClr val="accent1"/>
+                        </a:fillRef>
+                        <a:effectRef idx="0">
+                          <a:schemeClr val="accent1"/>
+                        </a:effectRef>
+                        <a:fontRef idx="minor">
+                          <a:schemeClr val="tx1"/>
+                        </a:fontRef>
+                      </p:style>
+                    </p:cxnSp>
+                    <p:sp>
+                      <p:nvSpPr>
+                        <p:cNvPr id="320" name="TextBox 319"/>
+                        <p:cNvSpPr txBox="1"/>
+                        <p:nvPr/>
+                      </p:nvSpPr>
+                      <p:spPr>
+                        <a:xfrm>
+                          <a:off x="1981200" y="4965184"/>
+                          <a:ext cx="990600" cy="184666"/>
+                        </a:xfrm>
+                        <a:prstGeom prst="rect">
+                          <a:avLst/>
+                        </a:prstGeom>
+                        <a:noFill/>
+                        <a:ln>
+                          <a:noFill/>
+                        </a:ln>
+                      </p:spPr>
+                      <p:txBody>
+                        <a:bodyPr wrap="square" rtlCol="0">
+                          <a:spAutoFit/>
+                        </a:bodyPr>
+                        <a:lstStyle/>
+                        <a:p>
+                          <a:pPr algn="r"/>
+                          <a:r>
+                            <a:rPr lang="en-US" sz="600" dirty="0" smtClean="0"/>
+                            <a:t>Instruction </a:t>
+                          </a:r>
+                          <a:r>
+                            <a:rPr lang="en-US" sz="600" dirty="0" smtClean="0"/>
+                            <a:t>[</a:t>
+                          </a:r>
+                          <a:r>
+                            <a:rPr lang="en-US" sz="600" dirty="0" smtClean="0"/>
+                            <a:t>5</a:t>
+                          </a:r>
+                          <a:r>
+                            <a:rPr lang="en-US" sz="600" dirty="0" smtClean="0"/>
+                            <a:t>-3]</a:t>
+                          </a:r>
+                          <a:endParaRPr lang="en-US" sz="600" dirty="0"/>
+                        </a:p>
+                      </p:txBody>
+                    </p:sp>
+                    <p:cxnSp>
+                      <p:nvCxnSpPr>
+                        <p:cNvPr id="325" name="Straight Arrow Connector 324"/>
+                        <p:cNvCxnSpPr/>
+                        <p:nvPr/>
+                      </p:nvCxnSpPr>
+                      <p:spPr>
+                        <a:xfrm>
+                          <a:off x="2286000" y="3352800"/>
+                          <a:ext cx="1600200" cy="0"/>
+                        </a:xfrm>
+                        <a:prstGeom prst="straightConnector1">
+                          <a:avLst/>
+                        </a:prstGeom>
+                        <a:ln>
+                          <a:solidFill>
+                            <a:schemeClr val="tx1"/>
+                          </a:solidFill>
+                          <a:tailEnd type="arrow"/>
+                        </a:ln>
+                      </p:spPr>
+                      <p:style>
+                        <a:lnRef idx="1">
+                          <a:schemeClr val="accent1"/>
+                        </a:lnRef>
+                        <a:fillRef idx="0">
+                          <a:schemeClr val="accent1"/>
+                        </a:fillRef>
+                        <a:effectRef idx="0">
+                          <a:schemeClr val="accent1"/>
+                        </a:effectRef>
+                        <a:fontRef idx="minor">
+                          <a:schemeClr val="tx1"/>
+                        </a:fontRef>
+                      </p:style>
+                    </p:cxnSp>
+                    <p:sp>
+                      <p:nvSpPr>
+                        <p:cNvPr id="326" name="TextBox 325"/>
+                        <p:cNvSpPr txBox="1"/>
+                        <p:nvPr/>
+                      </p:nvSpPr>
+                      <p:spPr>
+                        <a:xfrm>
+                          <a:off x="2819400" y="3314697"/>
+                          <a:ext cx="990600" cy="184666"/>
+                        </a:xfrm>
+                        <a:prstGeom prst="rect">
+                          <a:avLst/>
+                        </a:prstGeom>
+                        <a:noFill/>
+                        <a:ln>
+                          <a:noFill/>
+                        </a:ln>
+                      </p:spPr>
+                      <p:txBody>
+                        <a:bodyPr wrap="square" rtlCol="0">
+                          <a:spAutoFit/>
+                        </a:bodyPr>
+                        <a:lstStyle/>
+                        <a:p>
+                          <a:pPr algn="r"/>
+                          <a:r>
+                            <a:rPr lang="en-US" sz="600" dirty="0" smtClean="0"/>
+                            <a:t>Instruction </a:t>
+                          </a:r>
+                          <a:r>
+                            <a:rPr lang="en-US" sz="600" dirty="0" smtClean="0"/>
+                            <a:t>[11-9]</a:t>
+                          </a:r>
+                          <a:endParaRPr lang="en-US" sz="600" dirty="0"/>
+                        </a:p>
+                      </p:txBody>
+                    </p:sp>
+                    <p:cxnSp>
+                      <p:nvCxnSpPr>
+                        <p:cNvPr id="335" name="Straight Arrow Connector 334"/>
+                        <p:cNvCxnSpPr/>
+                        <p:nvPr/>
+                      </p:nvCxnSpPr>
+                      <p:spPr>
+                        <a:xfrm>
+                          <a:off x="2286000" y="3848103"/>
+                          <a:ext cx="1600200" cy="0"/>
+                        </a:xfrm>
+                        <a:prstGeom prst="straightConnector1">
+                          <a:avLst/>
+                        </a:prstGeom>
+                        <a:ln>
+                          <a:solidFill>
+                            <a:schemeClr val="tx1"/>
+                          </a:solidFill>
+                          <a:tailEnd type="arrow"/>
+                        </a:ln>
+                      </p:spPr>
+                      <p:style>
+                        <a:lnRef idx="1">
+                          <a:schemeClr val="accent1"/>
+                        </a:lnRef>
+                        <a:fillRef idx="0">
+                          <a:schemeClr val="accent1"/>
+                        </a:fillRef>
+                        <a:effectRef idx="0">
+                          <a:schemeClr val="accent1"/>
+                        </a:effectRef>
+                        <a:fontRef idx="minor">
+                          <a:schemeClr val="tx1"/>
+                        </a:fontRef>
+                      </p:style>
+                    </p:cxnSp>
+                    <p:sp>
+                      <p:nvSpPr>
+                        <p:cNvPr id="336" name="TextBox 335"/>
+                        <p:cNvSpPr txBox="1"/>
+                        <p:nvPr/>
+                      </p:nvSpPr>
+                      <p:spPr>
+                        <a:xfrm>
+                          <a:off x="1958975" y="3810000"/>
+                          <a:ext cx="990600" cy="184666"/>
+                        </a:xfrm>
+                        <a:prstGeom prst="rect">
+                          <a:avLst/>
+                        </a:prstGeom>
+                        <a:noFill/>
+                        <a:ln>
+                          <a:noFill/>
+                        </a:ln>
+                      </p:spPr>
+                      <p:txBody>
+                        <a:bodyPr wrap="square" rtlCol="0">
+                          <a:spAutoFit/>
+                        </a:bodyPr>
+                        <a:lstStyle/>
+                        <a:p>
+                          <a:pPr algn="r"/>
+                          <a:r>
+                            <a:rPr lang="en-US" sz="600" dirty="0" smtClean="0"/>
+                            <a:t>Instruction </a:t>
+                          </a:r>
+                          <a:r>
+                            <a:rPr lang="en-US" sz="600" dirty="0" smtClean="0"/>
+                            <a:t>[8-6]</a:t>
+                          </a:r>
+                          <a:endParaRPr lang="en-US" sz="600" dirty="0"/>
+                        </a:p>
+                      </p:txBody>
+                    </p:sp>
+                  </p:grpSp>
+                  <p:sp>
+                    <p:nvSpPr>
+                      <p:cNvPr id="490" name="Oval 489"/>
+                      <p:cNvSpPr/>
+                      <p:nvPr/>
+                    </p:nvSpPr>
+                    <p:spPr>
+                      <a:xfrm>
+                        <a:off x="2266944" y="3325828"/>
+                        <a:ext cx="45719" cy="45719"/>
+                      </a:xfrm>
+                      <a:prstGeom prst="ellipse">
+                        <a:avLst/>
+                      </a:prstGeom>
+                      <a:solidFill>
+                        <a:schemeClr val="tx1"/>
+                      </a:solidFill>
+                      <a:ln w="6350">
+                        <a:solidFill>
+                          <a:schemeClr val="tx1"/>
+                        </a:solidFill>
+                      </a:ln>
+                    </p:spPr>
+                    <p:style>
+                      <a:lnRef idx="2">
+                        <a:schemeClr val="accent1">
+                          <a:shade val="50000"/>
+                        </a:schemeClr>
+                      </a:lnRef>
+                      <a:fillRef idx="1">
+                        <a:schemeClr val="accent1"/>
+                      </a:fillRef>
+                      <a:effectRef idx="0">
+                        <a:schemeClr val="accent1"/>
+                      </a:effectRef>
+                      <a:fontRef idx="minor">
+                        <a:schemeClr val="lt1"/>
+                      </a:fontRef>
+                    </p:style>
+                    <p:txBody>
+                      <a:bodyPr rtlCol="0" anchor="ctr"/>
+                      <a:lstStyle/>
+                      <a:p>
+                        <a:pPr algn="ctr"/>
+                        <a:endParaRPr lang="en-US"/>
+                      </a:p>
+                    </p:txBody>
+                  </p:sp>
+                </p:grpSp>
+                <p:sp>
+                  <p:nvSpPr>
+                    <p:cNvPr id="492" name="Oval 491"/>
+                    <p:cNvSpPr/>
+                    <p:nvPr/>
+                  </p:nvSpPr>
+                  <p:spPr>
+                    <a:xfrm>
+                      <a:off x="2265356" y="3822704"/>
+                      <a:ext cx="45719" cy="45719"/>
+                    </a:xfrm>
+                    <a:prstGeom prst="ellipse">
+                      <a:avLst/>
+                    </a:prstGeom>
+                    <a:solidFill>
+                      <a:schemeClr val="tx1"/>
+                    </a:solidFill>
+                    <a:ln w="6350">
+                      <a:solidFill>
+                        <a:schemeClr val="tx1"/>
+                      </a:solidFill>
+                    </a:ln>
+                  </p:spPr>
+                  <p:style>
+                    <a:lnRef idx="2">
+                      <a:schemeClr val="accent1">
+                        <a:shade val="50000"/>
+                      </a:schemeClr>
+                    </a:lnRef>
+                    <a:fillRef idx="1">
+                      <a:schemeClr val="accent1"/>
+                    </a:fillRef>
+                    <a:effectRef idx="0">
+                      <a:schemeClr val="accent1"/>
+                    </a:effectRef>
+                    <a:fontRef idx="minor">
+                      <a:schemeClr val="lt1"/>
+                    </a:fontRef>
+                  </p:style>
+                  <p:txBody>
+                    <a:bodyPr rtlCol="0" anchor="ctr"/>
+                    <a:lstStyle/>
+                    <a:p>
+                      <a:pPr algn="ctr"/>
+                      <a:endParaRPr lang="en-US"/>
+                    </a:p>
+                  </p:txBody>
+                </p:sp>
+              </p:grpSp>
+              <p:sp>
+                <p:nvSpPr>
+                  <p:cNvPr id="516" name="Oval 515"/>
+                  <p:cNvSpPr/>
+                  <p:nvPr/>
+                </p:nvSpPr>
+                <p:spPr>
+                  <a:xfrm>
+                    <a:off x="2263768" y="4167180"/>
+                    <a:ext cx="45719" cy="45719"/>
+                  </a:xfrm>
+                  <a:prstGeom prst="ellipse">
+                    <a:avLst/>
+                  </a:prstGeom>
+                  <a:solidFill>
+                    <a:schemeClr val="tx1"/>
+                  </a:solidFill>
+                  <a:ln w="6350">
+                    <a:solidFill>
+                      <a:schemeClr val="tx1"/>
+                    </a:solidFill>
+                  </a:ln>
+                </p:spPr>
+                <p:style>
+                  <a:lnRef idx="2">
+                    <a:schemeClr val="accent1">
+                      <a:shade val="50000"/>
+                    </a:schemeClr>
+                  </a:lnRef>
+                  <a:fillRef idx="1">
+                    <a:schemeClr val="accent1"/>
+                  </a:fillRef>
+                  <a:effectRef idx="0">
+                    <a:schemeClr val="accent1"/>
+                  </a:effectRef>
+                  <a:fontRef idx="minor">
+                    <a:schemeClr val="lt1"/>
+                  </a:fontRef>
+                </p:style>
+                <p:txBody>
+                  <a:bodyPr rtlCol="0" anchor="ctr"/>
+                  <a:lstStyle/>
+                  <a:p>
+                    <a:pPr algn="ctr"/>
+                    <a:endParaRPr lang="en-US"/>
+                  </a:p>
+                </p:txBody>
+              </p:sp>
+            </p:grpSp>
+            <p:cxnSp>
+              <p:nvCxnSpPr>
+                <p:cNvPr id="519" name="Straight Arrow Connector 518"/>
+                <p:cNvCxnSpPr/>
+                <p:nvPr/>
+              </p:nvCxnSpPr>
+              <p:spPr>
+                <a:xfrm>
+                  <a:off x="3886200" y="6019800"/>
+                  <a:ext cx="1828800" cy="0"/>
+                </a:xfrm>
+                <a:prstGeom prst="straightConnector1">
+                  <a:avLst/>
+                </a:prstGeom>
+                <a:ln>
+                  <a:solidFill>
+                    <a:schemeClr val="tx1"/>
+                  </a:solidFill>
+                  <a:tailEnd type="arrow"/>
+                </a:ln>
+              </p:spPr>
+              <p:style>
+                <a:lnRef idx="1">
+                  <a:schemeClr val="accent1"/>
+                </a:lnRef>
+                <a:fillRef idx="0">
+                  <a:schemeClr val="accent1"/>
+                </a:fillRef>
+                <a:effectRef idx="0">
+                  <a:schemeClr val="accent1"/>
+                </a:effectRef>
+                <a:fontRef idx="minor">
+                  <a:schemeClr val="tx1"/>
+                </a:fontRef>
+              </p:style>
+            </p:cxnSp>
+            <p:sp>
+              <p:nvSpPr>
+                <p:cNvPr id="525" name="Oval 524"/>
+                <p:cNvSpPr/>
+                <p:nvPr/>
+              </p:nvSpPr>
+              <p:spPr>
+                <a:xfrm>
+                  <a:off x="3865556" y="5305749"/>
+                  <a:ext cx="45719" cy="45719"/>
+                </a:xfrm>
+                <a:prstGeom prst="ellipse">
+                  <a:avLst/>
+                </a:prstGeom>
+                <a:solidFill>
+                  <a:schemeClr val="tx1"/>
+                </a:solidFill>
+                <a:ln w="6350">
+                  <a:solidFill>
+                    <a:schemeClr val="tx1"/>
+                  </a:solidFill>
+                </a:ln>
+              </p:spPr>
+              <p:style>
+                <a:lnRef idx="2">
+                  <a:schemeClr val="accent1">
+                    <a:shade val="50000"/>
+                  </a:schemeClr>
+                </a:lnRef>
+                <a:fillRef idx="1">
+                  <a:schemeClr val="accent1"/>
+                </a:fillRef>
+                <a:effectRef idx="0">
+                  <a:schemeClr val="accent1"/>
+                </a:effectRef>
+                <a:fontRef idx="minor">
+                  <a:schemeClr val="lt1"/>
+                </a:fontRef>
+              </p:style>
+              <p:txBody>
+                <a:bodyPr rtlCol="0" anchor="ctr"/>
+                <a:lstStyle/>
+                <a:p>
+                  <a:pPr algn="ctr"/>
+                  <a:endParaRPr lang="en-US"/>
+                </a:p>
+              </p:txBody>
+            </p:sp>
+            <p:cxnSp>
+              <p:nvCxnSpPr>
+                <p:cNvPr id="521" name="Straight Connector 520"/>
+                <p:cNvCxnSpPr/>
+                <p:nvPr/>
+              </p:nvCxnSpPr>
+              <p:spPr>
+                <a:xfrm flipV="1">
+                  <a:off x="3886200" y="5334000"/>
+                  <a:ext cx="0" cy="685800"/>
+                </a:xfrm>
+                <a:prstGeom prst="line">
+                  <a:avLst/>
+                </a:prstGeom>
+                <a:ln>
+                  <a:solidFill>
+                    <a:schemeClr val="tx1"/>
+                  </a:solidFill>
+                </a:ln>
+              </p:spPr>
+              <p:style>
+                <a:lnRef idx="1">
+                  <a:schemeClr val="accent1"/>
+                </a:lnRef>
+                <a:fillRef idx="0">
+                  <a:schemeClr val="accent1"/>
+                </a:fillRef>
+                <a:effectRef idx="0">
+                  <a:schemeClr val="accent1"/>
+                </a:effectRef>
+                <a:fontRef idx="minor">
+                  <a:schemeClr val="tx1"/>
+                </a:fontRef>
+              </p:style>
+            </p:cxnSp>
+            <p:sp>
+              <p:nvSpPr>
+                <p:cNvPr id="551" name="TextBox 550"/>
+                <p:cNvSpPr txBox="1"/>
+                <p:nvPr/>
+              </p:nvSpPr>
+              <p:spPr>
+                <a:xfrm>
+                  <a:off x="4114800" y="6019800"/>
+                  <a:ext cx="762000" cy="184666"/>
+                </a:xfrm>
+                <a:prstGeom prst="rect">
+                  <a:avLst/>
+                </a:prstGeom>
+                <a:noFill/>
+                <a:ln>
+                  <a:noFill/>
+                </a:ln>
+              </p:spPr>
+              <p:txBody>
+                <a:bodyPr wrap="square" rtlCol="0">
+                  <a:spAutoFit/>
+                </a:bodyPr>
+                <a:lstStyle/>
+                <a:p>
+                  <a:pPr algn="r"/>
+                  <a:r>
+                    <a:rPr lang="en-US" sz="600" dirty="0" smtClean="0"/>
+                    <a:t>Instruction [2-0]</a:t>
+                  </a:r>
+                  <a:endParaRPr lang="en-US" sz="600" dirty="0"/>
+                </a:p>
+              </p:txBody>
+            </p:sp>
+          </p:grpSp>
+          <p:sp>
+            <p:nvSpPr>
+              <p:cNvPr id="324" name="Oval 323"/>
+              <p:cNvSpPr/>
+              <p:nvPr/>
+            </p:nvSpPr>
+            <p:spPr>
+              <a:xfrm>
+                <a:off x="2266950" y="4973956"/>
+                <a:ext cx="45719" cy="45719"/>
+              </a:xfrm>
+              <a:prstGeom prst="ellipse">
+                <a:avLst/>
+              </a:prstGeom>
+              <a:solidFill>
+                <a:schemeClr val="tx1"/>
+              </a:solidFill>
+              <a:ln w="6350">
+                <a:solidFill>
+                  <a:schemeClr val="tx1"/>
+                </a:solidFill>
+              </a:ln>
+            </p:spPr>
+            <p:style>
+              <a:lnRef idx="2">
+                <a:schemeClr val="accent1">
+                  <a:shade val="50000"/>
+                </a:schemeClr>
+              </a:lnRef>
+              <a:fillRef idx="1">
+                <a:schemeClr val="accent1"/>
+              </a:fillRef>
+              <a:effectRef idx="0">
+                <a:schemeClr val="accent1"/>
+              </a:effectRef>
+              <a:fontRef idx="minor">
+                <a:schemeClr val="lt1"/>
+              </a:fontRef>
+            </p:style>
+            <p:txBody>
+              <a:bodyPr rtlCol="0" anchor="ctr"/>
+              <a:lstStyle/>
+              <a:p>
+                <a:pPr algn="ctr"/>
+                <a:endParaRPr lang="en-US"/>
+              </a:p>
+            </p:txBody>
+          </p:sp>
+        </p:grpSp>
+        <p:cxnSp>
+          <p:nvCxnSpPr>
+            <p:cNvPr id="330" name="Straight Arrow Connector 329"/>
+            <p:cNvCxnSpPr/>
+            <p:nvPr/>
+          </p:nvCxnSpPr>
+          <p:spPr>
+            <a:xfrm>
+              <a:off x="2895600" y="4495800"/>
+              <a:ext cx="168275" cy="0"/>
+            </a:xfrm>
+            <a:prstGeom prst="straightConnector1">
+              <a:avLst/>
+            </a:prstGeom>
+            <a:ln>
+              <a:solidFill>
+                <a:schemeClr val="tx1"/>
+              </a:solidFill>
+              <a:tailEnd type="arrow"/>
+            </a:ln>
+          </p:spPr>
+          <p:style>
+            <a:lnRef idx="1">
+              <a:schemeClr val="accent1"/>
+            </a:lnRef>
+            <a:fillRef idx="0">
+              <a:schemeClr val="accent1"/>
+            </a:fillRef>
+            <a:effectRef idx="0">
+              <a:schemeClr val="accent1"/>
+            </a:effectRef>
+            <a:fontRef idx="minor">
+              <a:schemeClr val="tx1"/>
+            </a:fontRef>
+          </p:style>
+        </p:cxnSp>
+        <p:cxnSp>
+          <p:nvCxnSpPr>
+            <p:cNvPr id="339" name="Straight Connector 338"/>
+            <p:cNvCxnSpPr/>
+            <p:nvPr/>
+          </p:nvCxnSpPr>
+          <p:spPr>
+            <a:xfrm>
+              <a:off x="2895600" y="3844925"/>
+              <a:ext cx="0" cy="650875"/>
+            </a:xfrm>
+            <a:prstGeom prst="line">
+              <a:avLst/>
+            </a:prstGeom>
+            <a:ln>
+              <a:solidFill>
+                <a:schemeClr val="tx1"/>
+              </a:solidFill>
+            </a:ln>
+          </p:spPr>
+          <p:style>
+            <a:lnRef idx="1">
+              <a:schemeClr val="accent1"/>
+            </a:lnRef>
+            <a:fillRef idx="0">
+              <a:schemeClr val="accent1"/>
+            </a:fillRef>
+            <a:effectRef idx="0">
+              <a:schemeClr val="accent1"/>
+            </a:effectRef>
+            <a:fontRef idx="minor">
+              <a:schemeClr val="tx1"/>
+            </a:fontRef>
+          </p:style>
+        </p:cxnSp>
+        <p:sp>
+          <p:nvSpPr>
+            <p:cNvPr id="346" name="Oval 345"/>
+            <p:cNvSpPr/>
+            <p:nvPr/>
+          </p:nvSpPr>
+          <p:spPr>
+            <a:xfrm>
+              <a:off x="2876550" y="3829050"/>
+              <a:ext cx="45719" cy="45719"/>
+            </a:xfrm>
+            <a:prstGeom prst="ellipse">
+              <a:avLst/>
+            </a:prstGeom>
+            <a:solidFill>
+              <a:schemeClr val="tx1"/>
+            </a:solidFill>
+            <a:ln w="6350">
+              <a:solidFill>
+                <a:schemeClr val="tx1"/>
+              </a:solidFill>
+            </a:ln>
+          </p:spPr>
+          <p:style>
+            <a:lnRef idx="2">
+              <a:schemeClr val="accent1">
+                <a:shade val="50000"/>
+              </a:schemeClr>
+            </a:lnRef>
+            <a:fillRef idx="1">
+              <a:schemeClr val="accent1"/>
+            </a:fillRef>
+            <a:effectRef idx="0">
+              <a:schemeClr val="accent1"/>
+            </a:effectRef>
+            <a:fontRef idx="minor">
+              <a:schemeClr val="lt1"/>
+            </a:fontRef>
+          </p:style>
+          <p:txBody>
+            <a:bodyPr rtlCol="0" anchor="ctr"/>
+            <a:lstStyle/>
+            <a:p>
+              <a:pPr algn="ctr"/>
+              <a:endParaRPr lang="en-US"/>
+            </a:p>
+          </p:txBody>
+        </p:sp>
+      </p:grpSp>
     </p:spTree>
   </p:cSld>
   <p:clrMapOvr>

--- a/CPU block diagram with jump.pptx
+++ b/CPU block diagram with jump.pptx
@@ -289,7 +289,7 @@
             <a:fld id="{AA76FD35-F9F8-4A42-9A4F-278A7EAB713E}" type="datetimeFigureOut">
               <a:rPr lang="en-US" smtClean="0"/>
               <a:pPr/>
-              <a:t>11/16/2025</a:t>
+              <a:t>11/17/2025</a:t>
             </a:fld>
             <a:endParaRPr lang="en-US"/>
           </a:p>
@@ -456,7 +456,7 @@
             <a:fld id="{AA76FD35-F9F8-4A42-9A4F-278A7EAB713E}" type="datetimeFigureOut">
               <a:rPr lang="en-US" smtClean="0"/>
               <a:pPr/>
-              <a:t>11/16/2025</a:t>
+              <a:t>11/17/2025</a:t>
             </a:fld>
             <a:endParaRPr lang="en-US"/>
           </a:p>
@@ -633,7 +633,7 @@
             <a:fld id="{AA76FD35-F9F8-4A42-9A4F-278A7EAB713E}" type="datetimeFigureOut">
               <a:rPr lang="en-US" smtClean="0"/>
               <a:pPr/>
-              <a:t>11/16/2025</a:t>
+              <a:t>11/17/2025</a:t>
             </a:fld>
             <a:endParaRPr lang="en-US"/>
           </a:p>
@@ -800,7 +800,7 @@
             <a:fld id="{AA76FD35-F9F8-4A42-9A4F-278A7EAB713E}" type="datetimeFigureOut">
               <a:rPr lang="en-US" smtClean="0"/>
               <a:pPr/>
-              <a:t>11/16/2025</a:t>
+              <a:t>11/17/2025</a:t>
             </a:fld>
             <a:endParaRPr lang="en-US"/>
           </a:p>
@@ -1043,7 +1043,7 @@
             <a:fld id="{AA76FD35-F9F8-4A42-9A4F-278A7EAB713E}" type="datetimeFigureOut">
               <a:rPr lang="en-US" smtClean="0"/>
               <a:pPr/>
-              <a:t>11/16/2025</a:t>
+              <a:t>11/17/2025</a:t>
             </a:fld>
             <a:endParaRPr lang="en-US"/>
           </a:p>
@@ -1328,7 +1328,7 @@
             <a:fld id="{AA76FD35-F9F8-4A42-9A4F-278A7EAB713E}" type="datetimeFigureOut">
               <a:rPr lang="en-US" smtClean="0"/>
               <a:pPr/>
-              <a:t>11/16/2025</a:t>
+              <a:t>11/17/2025</a:t>
             </a:fld>
             <a:endParaRPr lang="en-US"/>
           </a:p>
@@ -1747,7 +1747,7 @@
             <a:fld id="{AA76FD35-F9F8-4A42-9A4F-278A7EAB713E}" type="datetimeFigureOut">
               <a:rPr lang="en-US" smtClean="0"/>
               <a:pPr/>
-              <a:t>11/16/2025</a:t>
+              <a:t>11/17/2025</a:t>
             </a:fld>
             <a:endParaRPr lang="en-US"/>
           </a:p>
@@ -1862,7 +1862,7 @@
             <a:fld id="{AA76FD35-F9F8-4A42-9A4F-278A7EAB713E}" type="datetimeFigureOut">
               <a:rPr lang="en-US" smtClean="0"/>
               <a:pPr/>
-              <a:t>11/16/2025</a:t>
+              <a:t>11/17/2025</a:t>
             </a:fld>
             <a:endParaRPr lang="en-US"/>
           </a:p>
@@ -1954,7 +1954,7 @@
             <a:fld id="{AA76FD35-F9F8-4A42-9A4F-278A7EAB713E}" type="datetimeFigureOut">
               <a:rPr lang="en-US" smtClean="0"/>
               <a:pPr/>
-              <a:t>11/16/2025</a:t>
+              <a:t>11/17/2025</a:t>
             </a:fld>
             <a:endParaRPr lang="en-US"/>
           </a:p>
@@ -2228,7 +2228,7 @@
             <a:fld id="{AA76FD35-F9F8-4A42-9A4F-278A7EAB713E}" type="datetimeFigureOut">
               <a:rPr lang="en-US" smtClean="0"/>
               <a:pPr/>
-              <a:t>11/16/2025</a:t>
+              <a:t>11/17/2025</a:t>
             </a:fld>
             <a:endParaRPr lang="en-US"/>
           </a:p>
@@ -2478,7 +2478,7 @@
             <a:fld id="{AA76FD35-F9F8-4A42-9A4F-278A7EAB713E}" type="datetimeFigureOut">
               <a:rPr lang="en-US" smtClean="0"/>
               <a:pPr/>
-              <a:t>11/16/2025</a:t>
+              <a:t>11/17/2025</a:t>
             </a:fld>
             <a:endParaRPr lang="en-US"/>
           </a:p>
@@ -2688,7 +2688,7 @@
             <a:fld id="{AA76FD35-F9F8-4A42-9A4F-278A7EAB713E}" type="datetimeFigureOut">
               <a:rPr lang="en-US" smtClean="0"/>
               <a:pPr/>
-              <a:t>11/16/2025</a:t>
+              <a:t>11/17/2025</a:t>
             </a:fld>
             <a:endParaRPr lang="en-US"/>
           </a:p>
@@ -4404,7 +4404,7 @@
         </p:nvSpPr>
         <p:spPr>
           <a:xfrm>
-            <a:off x="5943600" y="1087444"/>
+            <a:off x="5943600" y="983488"/>
             <a:ext cx="635000" cy="762000"/>
           </a:xfrm>
           <a:prstGeom prst="ellipse">
@@ -5538,7 +5538,7 @@
         </p:nvGrpSpPr>
         <p:grpSpPr>
           <a:xfrm>
-            <a:off x="6858000" y="535756"/>
+            <a:off x="6858000" y="431800"/>
             <a:ext cx="748938" cy="1389888"/>
             <a:chOff x="6553200" y="3200400"/>
             <a:chExt cx="748938" cy="1389888"/>
@@ -6190,10 +6190,10 @@
         </p:nvGrpSpPr>
         <p:grpSpPr>
           <a:xfrm>
-            <a:off x="7543800" y="1295400"/>
-            <a:ext cx="419095" cy="381000"/>
-            <a:chOff x="7301669" y="1176864"/>
-            <a:chExt cx="335276" cy="381000"/>
+            <a:off x="7543800" y="1143000"/>
+            <a:ext cx="419095" cy="152400"/>
+            <a:chOff x="7301669" y="1024464"/>
+            <a:chExt cx="335276" cy="152400"/>
           </a:xfrm>
         </p:grpSpPr>
         <p:cxnSp>
@@ -6240,8 +6240,8 @@
           </p:nvCxnSpPr>
           <p:spPr>
             <a:xfrm>
-              <a:off x="7484539" y="1176864"/>
-              <a:ext cx="0" cy="381000"/>
+              <a:off x="7484549" y="1024464"/>
+              <a:ext cx="0" cy="152400"/>
             </a:xfrm>
             <a:prstGeom prst="line">
               <a:avLst/>
@@ -6275,7 +6275,7 @@
           </p:nvCxnSpPr>
           <p:spPr>
             <a:xfrm>
-              <a:off x="7301669" y="1557864"/>
+              <a:off x="7301669" y="1024464"/>
               <a:ext cx="182880" cy="0"/>
             </a:xfrm>
             <a:prstGeom prst="line">
@@ -6311,10 +6311,10 @@
         </p:nvGrpSpPr>
         <p:grpSpPr>
           <a:xfrm flipV="1">
-            <a:off x="6595536" y="1392244"/>
-            <a:ext cx="262464" cy="304800"/>
+            <a:off x="6595536" y="1371600"/>
+            <a:ext cx="262464" cy="221488"/>
             <a:chOff x="7394224" y="1143000"/>
-            <a:chExt cx="174976" cy="685800"/>
+            <a:chExt cx="174976" cy="498348"/>
           </a:xfrm>
         </p:grpSpPr>
         <p:cxnSp>
@@ -6362,7 +6362,7 @@
           <p:spPr>
             <a:xfrm>
               <a:off x="7467600" y="1143000"/>
-              <a:ext cx="0" cy="685800"/>
+              <a:ext cx="0" cy="498348"/>
             </a:xfrm>
             <a:prstGeom prst="line">
               <a:avLst/>
@@ -6396,7 +6396,7 @@
           </p:nvCxnSpPr>
           <p:spPr>
             <a:xfrm flipV="1">
-              <a:off x="7394224" y="1828800"/>
+              <a:off x="7394224" y="1641348"/>
               <a:ext cx="73376" cy="0"/>
             </a:xfrm>
             <a:prstGeom prst="line">
@@ -6991,126 +6991,6 @@
           </a:fontRef>
         </p:style>
       </p:cxnSp>
-      <p:grpSp>
-        <p:nvGrpSpPr>
-          <p:cNvPr id="198" name="Group 197"/>
-          <p:cNvGrpSpPr/>
-          <p:nvPr/>
-        </p:nvGrpSpPr>
-        <p:grpSpPr>
-          <a:xfrm>
-            <a:off x="6934200" y="3276600"/>
-            <a:ext cx="516466" cy="533400"/>
-            <a:chOff x="6798734" y="3276600"/>
-            <a:chExt cx="516466" cy="533400"/>
-          </a:xfrm>
-        </p:grpSpPr>
-        <p:cxnSp>
-          <p:nvCxnSpPr>
-            <p:cNvPr id="190" name="Straight Connector 189"/>
-            <p:cNvCxnSpPr/>
-            <p:nvPr/>
-          </p:nvCxnSpPr>
-          <p:spPr>
-            <a:xfrm>
-              <a:off x="7162800" y="3276600"/>
-              <a:ext cx="152400" cy="0"/>
-            </a:xfrm>
-            <a:prstGeom prst="line">
-              <a:avLst/>
-            </a:prstGeom>
-            <a:ln>
-              <a:solidFill>
-                <a:schemeClr val="tx1"/>
-              </a:solidFill>
-            </a:ln>
-          </p:spPr>
-          <p:style>
-            <a:lnRef idx="1">
-              <a:schemeClr val="accent1"/>
-            </a:lnRef>
-            <a:fillRef idx="0">
-              <a:schemeClr val="accent1"/>
-            </a:fillRef>
-            <a:effectRef idx="0">
-              <a:schemeClr val="accent1"/>
-            </a:effectRef>
-            <a:fontRef idx="minor">
-              <a:schemeClr val="tx1"/>
-            </a:fontRef>
-          </p:style>
-        </p:cxnSp>
-        <p:cxnSp>
-          <p:nvCxnSpPr>
-            <p:cNvPr id="192" name="Straight Connector 191"/>
-            <p:cNvCxnSpPr/>
-            <p:nvPr/>
-          </p:nvCxnSpPr>
-          <p:spPr>
-            <a:xfrm flipH="1">
-              <a:off x="6798734" y="3810000"/>
-              <a:ext cx="364066" cy="0"/>
-            </a:xfrm>
-            <a:prstGeom prst="line">
-              <a:avLst/>
-            </a:prstGeom>
-            <a:ln>
-              <a:solidFill>
-                <a:schemeClr val="tx1"/>
-              </a:solidFill>
-            </a:ln>
-          </p:spPr>
-          <p:style>
-            <a:lnRef idx="1">
-              <a:schemeClr val="accent1"/>
-            </a:lnRef>
-            <a:fillRef idx="0">
-              <a:schemeClr val="accent1"/>
-            </a:fillRef>
-            <a:effectRef idx="0">
-              <a:schemeClr val="accent1"/>
-            </a:effectRef>
-            <a:fontRef idx="minor">
-              <a:schemeClr val="tx1"/>
-            </a:fontRef>
-          </p:style>
-        </p:cxnSp>
-        <p:cxnSp>
-          <p:nvCxnSpPr>
-            <p:cNvPr id="194" name="Straight Connector 193"/>
-            <p:cNvCxnSpPr/>
-            <p:nvPr/>
-          </p:nvCxnSpPr>
-          <p:spPr>
-            <a:xfrm>
-              <a:off x="7162800" y="3276600"/>
-              <a:ext cx="0" cy="533400"/>
-            </a:xfrm>
-            <a:prstGeom prst="line">
-              <a:avLst/>
-            </a:prstGeom>
-            <a:ln>
-              <a:solidFill>
-                <a:schemeClr val="tx1"/>
-              </a:solidFill>
-            </a:ln>
-          </p:spPr>
-          <p:style>
-            <a:lnRef idx="1">
-              <a:schemeClr val="accent1"/>
-            </a:lnRef>
-            <a:fillRef idx="0">
-              <a:schemeClr val="accent1"/>
-            </a:fillRef>
-            <a:effectRef idx="0">
-              <a:schemeClr val="accent1"/>
-            </a:effectRef>
-            <a:fontRef idx="minor">
-              <a:schemeClr val="tx1"/>
-            </a:fontRef>
-          </p:style>
-        </p:cxnSp>
-      </p:grpSp>
       <p:cxnSp>
         <p:nvCxnSpPr>
           <p:cNvPr id="201" name="Straight Connector 200"/>
@@ -8268,10 +8148,10 @@
         </p:nvGrpSpPr>
         <p:grpSpPr>
           <a:xfrm>
-            <a:off x="5063064" y="1524000"/>
-            <a:ext cx="880536" cy="4117327"/>
-            <a:chOff x="5063064" y="1524000"/>
-            <a:chExt cx="880536" cy="4117327"/>
+            <a:off x="5063064" y="1371600"/>
+            <a:ext cx="880536" cy="4269727"/>
+            <a:chOff x="5063064" y="1371600"/>
+            <a:chExt cx="880536" cy="4269727"/>
           </a:xfrm>
         </p:grpSpPr>
         <p:cxnSp>
@@ -8318,10 +8198,10 @@
           </p:nvGrpSpPr>
           <p:grpSpPr>
             <a:xfrm>
-              <a:off x="5063064" y="1524000"/>
-              <a:ext cx="880536" cy="4117327"/>
-              <a:chOff x="5063064" y="1524000"/>
-              <a:chExt cx="880536" cy="4117327"/>
+              <a:off x="5063064" y="1371600"/>
+              <a:ext cx="880536" cy="4269727"/>
+              <a:chOff x="5063064" y="1371600"/>
+              <a:chExt cx="880536" cy="4269727"/>
             </a:xfrm>
           </p:grpSpPr>
           <p:grpSp>
@@ -8332,10 +8212,10 @@
             </p:nvGrpSpPr>
             <p:grpSpPr>
               <a:xfrm>
-                <a:off x="5063064" y="1524000"/>
-                <a:ext cx="880536" cy="4117327"/>
-                <a:chOff x="5063064" y="1524000"/>
-                <a:chExt cx="880536" cy="4117327"/>
+                <a:off x="5063064" y="1371600"/>
+                <a:ext cx="880536" cy="4269727"/>
+                <a:chOff x="5063064" y="1371600"/>
+                <a:chExt cx="880536" cy="4269727"/>
               </a:xfrm>
             </p:grpSpPr>
             <p:cxnSp>
@@ -8346,8 +8226,8 @@
               </p:nvCxnSpPr>
               <p:spPr>
                 <a:xfrm>
-                  <a:off x="5486400" y="1524000"/>
-                  <a:ext cx="0" cy="3810000"/>
+                  <a:off x="5486400" y="1371600"/>
+                  <a:ext cx="0" cy="3962400"/>
                 </a:xfrm>
                 <a:prstGeom prst="line">
                   <a:avLst/>
@@ -8381,10 +8261,10 @@
               </p:nvGrpSpPr>
               <p:grpSpPr>
                 <a:xfrm>
-                  <a:off x="5063064" y="1524000"/>
-                  <a:ext cx="880536" cy="4117327"/>
-                  <a:chOff x="5063064" y="1524000"/>
-                  <a:chExt cx="880536" cy="4117327"/>
+                  <a:off x="5063064" y="1371600"/>
+                  <a:ext cx="880536" cy="4269727"/>
+                  <a:chOff x="5063064" y="1371600"/>
+                  <a:chExt cx="880536" cy="4269727"/>
                 </a:xfrm>
               </p:grpSpPr>
               <p:cxnSp>
@@ -8395,7 +8275,7 @@
                 </p:nvCxnSpPr>
                 <p:spPr>
                   <a:xfrm>
-                    <a:off x="5486400" y="1524000"/>
+                    <a:off x="5486400" y="1371600"/>
                     <a:ext cx="457200" cy="0"/>
                   </a:xfrm>
                   <a:prstGeom prst="straightConnector1">
@@ -10058,10 +9938,10 @@
         </p:nvGrpSpPr>
         <p:grpSpPr>
           <a:xfrm>
-            <a:off x="3886200" y="1295400"/>
-            <a:ext cx="4876800" cy="685800"/>
-            <a:chOff x="3886200" y="1295400"/>
-            <a:chExt cx="4876800" cy="685800"/>
+            <a:off x="3657600" y="990600"/>
+            <a:ext cx="5105400" cy="914400"/>
+            <a:chOff x="3657600" y="990600"/>
+            <a:chExt cx="5105400" cy="914400"/>
           </a:xfrm>
         </p:grpSpPr>
         <p:cxnSp>
@@ -10072,8 +9952,8 @@
           </p:nvCxnSpPr>
           <p:spPr>
             <a:xfrm>
-              <a:off x="3886200" y="1447800"/>
-              <a:ext cx="1676400" cy="0"/>
+              <a:off x="3657600" y="1143000"/>
+              <a:ext cx="2133600" cy="0"/>
             </a:xfrm>
             <a:prstGeom prst="line">
               <a:avLst/>
@@ -10102,7 +9982,7 @@
           </p:nvSpPr>
           <p:spPr>
             <a:xfrm>
-              <a:off x="3962400" y="1295400"/>
+              <a:off x="3733800" y="990600"/>
               <a:ext cx="609600" cy="200055"/>
             </a:xfrm>
             <a:prstGeom prst="rect">
@@ -10138,8 +10018,8 @@
           </p:nvCxnSpPr>
           <p:spPr>
             <a:xfrm>
-              <a:off x="5562600" y="1447800"/>
-              <a:ext cx="0" cy="533400"/>
+              <a:off x="5791200" y="1143000"/>
+              <a:ext cx="0" cy="762000"/>
             </a:xfrm>
             <a:prstGeom prst="line">
               <a:avLst/>
@@ -10168,8 +10048,8 @@
           </p:nvCxnSpPr>
           <p:spPr>
             <a:xfrm>
-              <a:off x="5562600" y="1981200"/>
-              <a:ext cx="3200400" cy="0"/>
+              <a:off x="5791200" y="1905000"/>
+              <a:ext cx="2971800" cy="0"/>
             </a:xfrm>
             <a:prstGeom prst="line">
               <a:avLst/>
@@ -10199,7 +10079,7 @@
           <p:spPr>
             <a:xfrm>
               <a:off x="8763000" y="1447800"/>
-              <a:ext cx="0" cy="533400"/>
+              <a:ext cx="0" cy="457200"/>
             </a:xfrm>
             <a:prstGeom prst="line">
               <a:avLst/>
@@ -10824,54 +10704,6 @@
       </p:sp>
       <p:sp>
         <p:nvSpPr>
-          <p:cNvPr id="230" name="Flowchart: Delay 229"/>
-          <p:cNvSpPr/>
-          <p:nvPr/>
-        </p:nvSpPr>
-        <p:spPr>
-          <a:xfrm>
-            <a:off x="7315200" y="2819400"/>
-            <a:ext cx="228600" cy="206829"/>
-          </a:xfrm>
-          <a:prstGeom prst="flowChartDelay">
-            <a:avLst/>
-          </a:prstGeom>
-          <a:noFill/>
-          <a:ln>
-            <a:solidFill>
-              <a:schemeClr val="accent4">
-                <a:lumMod val="75000"/>
-              </a:schemeClr>
-            </a:solidFill>
-          </a:ln>
-        </p:spPr>
-        <p:style>
-          <a:lnRef idx="2">
-            <a:schemeClr val="accent1">
-              <a:shade val="50000"/>
-            </a:schemeClr>
-          </a:lnRef>
-          <a:fillRef idx="1">
-            <a:schemeClr val="accent1"/>
-          </a:fillRef>
-          <a:effectRef idx="0">
-            <a:schemeClr val="accent1"/>
-          </a:effectRef>
-          <a:fontRef idx="minor">
-            <a:schemeClr val="lt1"/>
-          </a:fontRef>
-        </p:style>
-        <p:txBody>
-          <a:bodyPr rtlCol="0" anchor="ctr"/>
-          <a:lstStyle/>
-          <a:p>
-            <a:pPr algn="ctr"/>
-            <a:endParaRPr lang="en-US"/>
-          </a:p>
-        </p:txBody>
-      </p:sp>
-      <p:sp>
-        <p:nvSpPr>
           <p:cNvPr id="233" name="TextBox 232"/>
           <p:cNvSpPr txBox="1"/>
           <p:nvPr/>
@@ -10895,7 +10727,7 @@
             <a:pPr algn="r"/>
             <a:r>
               <a:rPr lang="en-US" sz="1100" dirty="0" smtClean="0"/>
-              <a:t>Negative</a:t>
+              <a:t>Posit</a:t>
             </a:r>
             <a:endParaRPr lang="en-US" dirty="0"/>
           </a:p>
@@ -10909,10 +10741,10 @@
         </p:nvGrpSpPr>
         <p:grpSpPr>
           <a:xfrm>
-            <a:off x="6934200" y="2667000"/>
-            <a:ext cx="381000" cy="914400"/>
-            <a:chOff x="6934200" y="2667000"/>
-            <a:chExt cx="381000" cy="914400"/>
+            <a:off x="6934200" y="2590800"/>
+            <a:ext cx="533400" cy="990600"/>
+            <a:chOff x="6934200" y="2590800"/>
+            <a:chExt cx="533400" cy="990600"/>
           </a:xfrm>
         </p:grpSpPr>
         <p:grpSp>
@@ -10923,10 +10755,10 @@
           </p:nvGrpSpPr>
           <p:grpSpPr>
             <a:xfrm>
-              <a:off x="6934200" y="2667000"/>
-              <a:ext cx="381000" cy="914400"/>
-              <a:chOff x="6934200" y="2667000"/>
-              <a:chExt cx="381000" cy="914400"/>
+              <a:off x="6934200" y="2590800"/>
+              <a:ext cx="533400" cy="990600"/>
+              <a:chOff x="6934200" y="2590800"/>
+              <a:chExt cx="533400" cy="990600"/>
             </a:xfrm>
           </p:grpSpPr>
           <p:grpSp>
@@ -10937,22 +10769,24 @@
             </p:nvGrpSpPr>
             <p:grpSpPr>
               <a:xfrm>
-                <a:off x="6934200" y="2667000"/>
-                <a:ext cx="381000" cy="914400"/>
-                <a:chOff x="6858000" y="2971800"/>
-                <a:chExt cx="381000" cy="914400"/>
+                <a:off x="6934200" y="2590800"/>
+                <a:ext cx="411481" cy="990600"/>
+                <a:chOff x="6858000" y="2895600"/>
+                <a:chExt cx="411481" cy="990600"/>
               </a:xfrm>
             </p:grpSpPr>
             <p:cxnSp>
               <p:nvCxnSpPr>
                 <p:cNvPr id="244" name="Straight Connector 243"/>
-                <p:cNvCxnSpPr/>
+                <p:cNvCxnSpPr>
+                  <a:endCxn id="260" idx="2"/>
+                </p:cNvCxnSpPr>
                 <p:nvPr/>
               </p:nvCxnSpPr>
               <p:spPr>
                 <a:xfrm>
                   <a:off x="7162800" y="3276600"/>
-                  <a:ext cx="76200" cy="0"/>
+                  <a:ext cx="106681" cy="221"/>
                 </a:xfrm>
                 <a:prstGeom prst="line">
                   <a:avLst/>
@@ -11021,8 +10855,8 @@
               </p:nvCxnSpPr>
               <p:spPr>
                 <a:xfrm>
-                  <a:off x="7162800" y="2971800"/>
-                  <a:ext cx="0" cy="914400"/>
+                  <a:off x="7162800" y="2895600"/>
+                  <a:ext cx="0" cy="990600"/>
                 </a:xfrm>
                 <a:prstGeom prst="line">
                   <a:avLst/>
@@ -11057,8 +10891,8 @@
             </p:nvCxnSpPr>
             <p:spPr>
               <a:xfrm>
-                <a:off x="7239000" y="2667000"/>
-                <a:ext cx="76200" cy="0"/>
+                <a:off x="7239000" y="2590800"/>
+                <a:ext cx="228600" cy="0"/>
               </a:xfrm>
               <a:prstGeom prst="line">
                 <a:avLst/>
@@ -11093,7 +10927,7 @@
           </p:nvSpPr>
           <p:spPr>
             <a:xfrm>
-              <a:off x="7219944" y="2951465"/>
+              <a:off x="7219950" y="2951465"/>
               <a:ext cx="45719" cy="45719"/>
             </a:xfrm>
             <a:prstGeom prst="ellipse">
@@ -11136,7 +10970,7 @@
       </p:grpSp>
       <p:grpSp>
         <p:nvGrpSpPr>
-          <p:cNvPr id="334" name="Group 333"/>
+          <p:cNvPr id="641" name="Group 640"/>
           <p:cNvGrpSpPr/>
           <p:nvPr/>
         </p:nvGrpSpPr>
@@ -11148,252 +10982,40 @@
             <a:chExt cx="3533775" cy="1752600"/>
           </a:xfrm>
         </p:grpSpPr>
-        <p:grpSp>
-          <p:nvGrpSpPr>
-            <p:cNvPr id="641" name="Group 640"/>
-            <p:cNvGrpSpPr/>
-            <p:nvPr/>
-          </p:nvGrpSpPr>
-          <p:grpSpPr>
-            <a:xfrm>
-              <a:off x="3933825" y="1447800"/>
-              <a:ext cx="3533775" cy="1752600"/>
-              <a:chOff x="3933825" y="1447800"/>
-              <a:chExt cx="3533775" cy="1752600"/>
-            </a:xfrm>
-          </p:grpSpPr>
-          <p:sp>
-            <p:nvSpPr>
-              <p:cNvPr id="616" name="TextBox 615"/>
-              <p:cNvSpPr txBox="1"/>
-              <p:nvPr/>
-            </p:nvSpPr>
-            <p:spPr>
-              <a:xfrm>
-                <a:off x="4010025" y="1447800"/>
-                <a:ext cx="609600" cy="200055"/>
-              </a:xfrm>
-              <a:prstGeom prst="rect">
-                <a:avLst/>
-              </a:prstGeom>
-              <a:noFill/>
-            </p:spPr>
-            <p:txBody>
-              <a:bodyPr wrap="square" rtlCol="0">
-                <a:spAutoFit/>
-              </a:bodyPr>
-              <a:lstStyle/>
-              <a:p>
-                <a:r>
-                  <a:rPr lang="en-US" sz="700" dirty="0" smtClean="0">
-                    <a:solidFill>
-                      <a:schemeClr val="tx2">
-                        <a:lumMod val="60000"/>
-                        <a:lumOff val="40000"/>
-                      </a:schemeClr>
-                    </a:solidFill>
-                  </a:rPr>
-                  <a:t>Branch</a:t>
-                </a:r>
-              </a:p>
-            </p:txBody>
-          </p:sp>
-          <p:cxnSp>
-            <p:nvCxnSpPr>
-              <p:cNvPr id="617" name="Straight Connector 616"/>
-              <p:cNvCxnSpPr/>
-              <p:nvPr/>
-            </p:nvCxnSpPr>
-            <p:spPr>
-              <a:xfrm>
-                <a:off x="3933825" y="1600200"/>
-                <a:ext cx="1476375" cy="0"/>
-              </a:xfrm>
-              <a:prstGeom prst="line">
-                <a:avLst/>
-              </a:prstGeom>
-            </p:spPr>
-            <p:style>
-              <a:lnRef idx="1">
-                <a:schemeClr val="accent1"/>
-              </a:lnRef>
-              <a:fillRef idx="0">
-                <a:schemeClr val="accent1"/>
-              </a:fillRef>
-              <a:effectRef idx="0">
-                <a:schemeClr val="accent1"/>
-              </a:effectRef>
-              <a:fontRef idx="minor">
-                <a:schemeClr val="tx1"/>
-              </a:fontRef>
-            </p:style>
-          </p:cxnSp>
-          <p:cxnSp>
-            <p:nvCxnSpPr>
-              <p:cNvPr id="621" name="Straight Connector 620"/>
-              <p:cNvCxnSpPr/>
-              <p:nvPr/>
-            </p:nvCxnSpPr>
-            <p:spPr>
-              <a:xfrm flipV="1">
-                <a:off x="5410200" y="1600200"/>
-                <a:ext cx="0" cy="533400"/>
-              </a:xfrm>
-              <a:prstGeom prst="line">
-                <a:avLst/>
-              </a:prstGeom>
-            </p:spPr>
-            <p:style>
-              <a:lnRef idx="1">
-                <a:schemeClr val="accent1"/>
-              </a:lnRef>
-              <a:fillRef idx="0">
-                <a:schemeClr val="accent1"/>
-              </a:fillRef>
-              <a:effectRef idx="0">
-                <a:schemeClr val="accent1"/>
-              </a:effectRef>
-              <a:fontRef idx="minor">
-                <a:schemeClr val="tx1"/>
-              </a:fontRef>
-            </p:style>
-          </p:cxnSp>
-          <p:cxnSp>
-            <p:nvCxnSpPr>
-              <p:cNvPr id="625" name="Straight Connector 624"/>
-              <p:cNvCxnSpPr/>
-              <p:nvPr/>
-            </p:nvCxnSpPr>
-            <p:spPr>
-              <a:xfrm>
-                <a:off x="5410200" y="2133600"/>
-                <a:ext cx="1752600" cy="0"/>
-              </a:xfrm>
-              <a:prstGeom prst="line">
-                <a:avLst/>
-              </a:prstGeom>
-            </p:spPr>
-            <p:style>
-              <a:lnRef idx="1">
-                <a:schemeClr val="accent1"/>
-              </a:lnRef>
-              <a:fillRef idx="0">
-                <a:schemeClr val="accent1"/>
-              </a:fillRef>
-              <a:effectRef idx="0">
-                <a:schemeClr val="accent1"/>
-              </a:effectRef>
-              <a:fontRef idx="minor">
-                <a:schemeClr val="tx1"/>
-              </a:fontRef>
-            </p:style>
-          </p:cxnSp>
-          <p:cxnSp>
-            <p:nvCxnSpPr>
-              <p:cNvPr id="629" name="Straight Connector 628"/>
-              <p:cNvCxnSpPr/>
-              <p:nvPr/>
-            </p:nvCxnSpPr>
-            <p:spPr>
-              <a:xfrm>
-                <a:off x="7162800" y="3200400"/>
-                <a:ext cx="304800" cy="0"/>
-              </a:xfrm>
-              <a:prstGeom prst="line">
-                <a:avLst/>
-              </a:prstGeom>
-            </p:spPr>
-            <p:style>
-              <a:lnRef idx="1">
-                <a:schemeClr val="accent1"/>
-              </a:lnRef>
-              <a:fillRef idx="0">
-                <a:schemeClr val="accent1"/>
-              </a:fillRef>
-              <a:effectRef idx="0">
-                <a:schemeClr val="accent1"/>
-              </a:effectRef>
-              <a:fontRef idx="minor">
-                <a:schemeClr val="tx1"/>
-              </a:fontRef>
-            </p:style>
-          </p:cxnSp>
-          <p:cxnSp>
-            <p:nvCxnSpPr>
-              <p:cNvPr id="632" name="Straight Connector 631"/>
-              <p:cNvCxnSpPr/>
-              <p:nvPr/>
-            </p:nvCxnSpPr>
-            <p:spPr>
-              <a:xfrm>
-                <a:off x="7162800" y="2133600"/>
-                <a:ext cx="0" cy="1066800"/>
-              </a:xfrm>
-              <a:prstGeom prst="line">
-                <a:avLst/>
-              </a:prstGeom>
-            </p:spPr>
-            <p:style>
-              <a:lnRef idx="1">
-                <a:schemeClr val="accent1"/>
-              </a:lnRef>
-              <a:fillRef idx="0">
-                <a:schemeClr val="accent1"/>
-              </a:fillRef>
-              <a:effectRef idx="0">
-                <a:schemeClr val="accent1"/>
-              </a:effectRef>
-              <a:fontRef idx="minor">
-                <a:schemeClr val="tx1"/>
-              </a:fontRef>
-            </p:style>
-          </p:cxnSp>
-        </p:grpSp>
         <p:sp>
           <p:nvSpPr>
-            <p:cNvPr id="292" name="Oval 291"/>
-            <p:cNvSpPr/>
+            <p:cNvPr id="616" name="TextBox 615"/>
+            <p:cNvSpPr txBox="1"/>
             <p:nvPr/>
           </p:nvSpPr>
           <p:spPr>
             <a:xfrm>
-              <a:off x="7140568" y="2564137"/>
-              <a:ext cx="45719" cy="45719"/>
+              <a:off x="4010025" y="1447800"/>
+              <a:ext cx="609600" cy="200055"/>
             </a:xfrm>
-            <a:prstGeom prst="ellipse">
+            <a:prstGeom prst="rect">
               <a:avLst/>
             </a:prstGeom>
-            <a:solidFill>
-              <a:schemeClr val="accent1"/>
-            </a:solidFill>
-            <a:ln w="6350">
-              <a:solidFill>
-                <a:schemeClr val="accent1"/>
-              </a:solidFill>
-            </a:ln>
+            <a:noFill/>
           </p:spPr>
-          <p:style>
-            <a:lnRef idx="2">
-              <a:schemeClr val="accent1">
-                <a:shade val="50000"/>
-              </a:schemeClr>
-            </a:lnRef>
-            <a:fillRef idx="1">
-              <a:schemeClr val="accent1"/>
-            </a:fillRef>
-            <a:effectRef idx="0">
-              <a:schemeClr val="accent1"/>
-            </a:effectRef>
-            <a:fontRef idx="minor">
-              <a:schemeClr val="lt1"/>
-            </a:fontRef>
-          </p:style>
           <p:txBody>
-            <a:bodyPr rtlCol="0" anchor="ctr"/>
+            <a:bodyPr wrap="square" rtlCol="0">
+              <a:spAutoFit/>
+            </a:bodyPr>
             <a:lstStyle/>
             <a:p>
-              <a:pPr algn="ctr"/>
-              <a:endParaRPr lang="en-US" dirty="0">
+              <a:r>
+                <a:rPr lang="en-US" sz="700" dirty="0" err="1" smtClean="0">
+                  <a:solidFill>
+                    <a:schemeClr val="tx2">
+                      <a:lumMod val="60000"/>
+                      <a:lumOff val="40000"/>
+                    </a:schemeClr>
+                  </a:solidFill>
+                </a:rPr>
+                <a:t>BranchEQ</a:t>
+              </a:r>
+              <a:endParaRPr lang="en-US" sz="700" dirty="0" smtClean="0">
                 <a:solidFill>
                   <a:schemeClr val="tx2">
                     <a:lumMod val="60000"/>
@@ -11406,14 +11028,14 @@
         </p:sp>
         <p:cxnSp>
           <p:nvCxnSpPr>
-            <p:cNvPr id="293" name="Straight Connector 292"/>
+            <p:cNvPr id="617" name="Straight Connector 616"/>
             <p:cNvCxnSpPr/>
             <p:nvPr/>
           </p:nvCxnSpPr>
           <p:spPr>
             <a:xfrm>
-              <a:off x="7162800" y="2895600"/>
-              <a:ext cx="152400" cy="0"/>
+              <a:off x="3933825" y="1600200"/>
+              <a:ext cx="1476375" cy="0"/>
             </a:xfrm>
             <a:prstGeom prst="line">
               <a:avLst/>
@@ -11436,14 +11058,104 @@
         </p:cxnSp>
         <p:cxnSp>
           <p:nvCxnSpPr>
-            <p:cNvPr id="297" name="Straight Connector 296"/>
+            <p:cNvPr id="621" name="Straight Connector 620"/>
+            <p:cNvCxnSpPr/>
+            <p:nvPr/>
+          </p:nvCxnSpPr>
+          <p:spPr>
+            <a:xfrm flipV="1">
+              <a:off x="5410200" y="1600200"/>
+              <a:ext cx="0" cy="533400"/>
+            </a:xfrm>
+            <a:prstGeom prst="line">
+              <a:avLst/>
+            </a:prstGeom>
+          </p:spPr>
+          <p:style>
+            <a:lnRef idx="1">
+              <a:schemeClr val="accent1"/>
+            </a:lnRef>
+            <a:fillRef idx="0">
+              <a:schemeClr val="accent1"/>
+            </a:fillRef>
+            <a:effectRef idx="0">
+              <a:schemeClr val="accent1"/>
+            </a:effectRef>
+            <a:fontRef idx="minor">
+              <a:schemeClr val="tx1"/>
+            </a:fontRef>
+          </p:style>
+        </p:cxnSp>
+        <p:cxnSp>
+          <p:nvCxnSpPr>
+            <p:cNvPr id="625" name="Straight Connector 624"/>
             <p:cNvCxnSpPr/>
             <p:nvPr/>
           </p:nvCxnSpPr>
           <p:spPr>
             <a:xfrm>
-              <a:off x="7162800" y="2590800"/>
-              <a:ext cx="152400" cy="0"/>
+              <a:off x="5410200" y="2133600"/>
+              <a:ext cx="1676400" cy="0"/>
+            </a:xfrm>
+            <a:prstGeom prst="line">
+              <a:avLst/>
+            </a:prstGeom>
+          </p:spPr>
+          <p:style>
+            <a:lnRef idx="1">
+              <a:schemeClr val="accent1"/>
+            </a:lnRef>
+            <a:fillRef idx="0">
+              <a:schemeClr val="accent1"/>
+            </a:fillRef>
+            <a:effectRef idx="0">
+              <a:schemeClr val="accent1"/>
+            </a:effectRef>
+            <a:fontRef idx="minor">
+              <a:schemeClr val="tx1"/>
+            </a:fontRef>
+          </p:style>
+        </p:cxnSp>
+        <p:cxnSp>
+          <p:nvCxnSpPr>
+            <p:cNvPr id="629" name="Straight Connector 628"/>
+            <p:cNvCxnSpPr/>
+            <p:nvPr/>
+          </p:nvCxnSpPr>
+          <p:spPr>
+            <a:xfrm>
+              <a:off x="7086600" y="3200400"/>
+              <a:ext cx="381000" cy="0"/>
+            </a:xfrm>
+            <a:prstGeom prst="line">
+              <a:avLst/>
+            </a:prstGeom>
+          </p:spPr>
+          <p:style>
+            <a:lnRef idx="1">
+              <a:schemeClr val="accent1"/>
+            </a:lnRef>
+            <a:fillRef idx="0">
+              <a:schemeClr val="accent1"/>
+            </a:fillRef>
+            <a:effectRef idx="0">
+              <a:schemeClr val="accent1"/>
+            </a:effectRef>
+            <a:fontRef idx="minor">
+              <a:schemeClr val="tx1"/>
+            </a:fontRef>
+          </p:style>
+        </p:cxnSp>
+        <p:cxnSp>
+          <p:nvCxnSpPr>
+            <p:cNvPr id="632" name="Straight Connector 631"/>
+            <p:cNvCxnSpPr/>
+            <p:nvPr/>
+          </p:nvCxnSpPr>
+          <p:spPr>
+            <a:xfrm>
+              <a:off x="7086600" y="2133600"/>
+              <a:ext cx="0" cy="1066800"/>
             </a:xfrm>
             <a:prstGeom prst="line">
               <a:avLst/>
@@ -11689,10 +11401,10 @@
         </p:nvGrpSpPr>
         <p:grpSpPr>
           <a:xfrm>
-            <a:off x="7620000" y="2611444"/>
-            <a:ext cx="533400" cy="131756"/>
-            <a:chOff x="7620000" y="2611444"/>
-            <a:chExt cx="533400" cy="131756"/>
+            <a:off x="7696200" y="2590800"/>
+            <a:ext cx="457200" cy="152400"/>
+            <a:chOff x="7696200" y="2590800"/>
+            <a:chExt cx="457200" cy="152400"/>
           </a:xfrm>
         </p:grpSpPr>
         <p:grpSp>
@@ -11703,10 +11415,10 @@
           </p:nvGrpSpPr>
           <p:grpSpPr>
             <a:xfrm>
-              <a:off x="7620000" y="2611444"/>
-              <a:ext cx="381000" cy="131756"/>
-              <a:chOff x="7620000" y="2588036"/>
-              <a:chExt cx="381000" cy="131756"/>
+              <a:off x="7696200" y="2590800"/>
+              <a:ext cx="304800" cy="152400"/>
+              <a:chOff x="7696200" y="2567392"/>
+              <a:chExt cx="304800" cy="152400"/>
             </a:xfrm>
           </p:grpSpPr>
           <p:cxnSp>
@@ -11717,8 +11429,8 @@
             </p:nvCxnSpPr>
             <p:spPr>
               <a:xfrm>
-                <a:off x="7620000" y="2588036"/>
-                <a:ext cx="381000" cy="0"/>
+                <a:off x="7696200" y="2567392"/>
+                <a:ext cx="304800" cy="0"/>
               </a:xfrm>
               <a:prstGeom prst="line">
                 <a:avLst/>
@@ -11747,8 +11459,8 @@
             </p:nvCxnSpPr>
             <p:spPr>
               <a:xfrm>
-                <a:off x="8001000" y="2590800"/>
-                <a:ext cx="0" cy="128992"/>
+                <a:off x="8001000" y="2567392"/>
+                <a:ext cx="0" cy="152400"/>
               </a:xfrm>
               <a:prstGeom prst="line">
                 <a:avLst/>
@@ -11809,10 +11521,10 @@
         </p:nvGrpSpPr>
         <p:grpSpPr>
           <a:xfrm flipV="1">
-            <a:off x="7543800" y="2819375"/>
-            <a:ext cx="609600" cy="104645"/>
-            <a:chOff x="7535440" y="2614176"/>
-            <a:chExt cx="609600" cy="177142"/>
+            <a:off x="7620000" y="2819375"/>
+            <a:ext cx="533400" cy="104645"/>
+            <a:chOff x="7611640" y="2614176"/>
+            <a:chExt cx="533400" cy="177142"/>
           </a:xfrm>
         </p:grpSpPr>
         <p:grpSp>
@@ -11823,22 +11535,24 @@
           </p:nvGrpSpPr>
           <p:grpSpPr>
             <a:xfrm>
-              <a:off x="7535440" y="2614176"/>
-              <a:ext cx="457200" cy="177114"/>
-              <a:chOff x="7535440" y="2590768"/>
-              <a:chExt cx="457200" cy="177114"/>
+              <a:off x="7611640" y="2614176"/>
+              <a:ext cx="381000" cy="177114"/>
+              <a:chOff x="7611640" y="2590768"/>
+              <a:chExt cx="381000" cy="177114"/>
             </a:xfrm>
           </p:grpSpPr>
           <p:cxnSp>
             <p:nvCxnSpPr>
               <p:cNvPr id="351" name="Straight Connector 350"/>
-              <p:cNvCxnSpPr/>
+              <p:cNvCxnSpPr>
+                <a:stCxn id="230" idx="3"/>
+              </p:cNvCxnSpPr>
               <p:nvPr/>
             </p:nvCxnSpPr>
             <p:spPr>
-              <a:xfrm>
-                <a:off x="7535440" y="2590768"/>
-                <a:ext cx="457200" cy="0"/>
+              <a:xfrm flipV="1">
+                <a:off x="7611640" y="2590768"/>
+                <a:ext cx="381000" cy="2040"/>
               </a:xfrm>
               <a:prstGeom prst="line">
                 <a:avLst/>
@@ -12043,27 +11757,27 @@
       </p:grpSp>
       <p:grpSp>
         <p:nvGrpSpPr>
-          <p:cNvPr id="303" name="Group 302"/>
+          <p:cNvPr id="331" name="Group 330"/>
           <p:cNvGrpSpPr/>
           <p:nvPr/>
         </p:nvGrpSpPr>
         <p:grpSpPr>
           <a:xfrm>
-            <a:off x="7313612" y="2514600"/>
-            <a:ext cx="287332" cy="206829"/>
-            <a:chOff x="7313612" y="2514600"/>
-            <a:chExt cx="287332" cy="206829"/>
+            <a:off x="7345681" y="2819400"/>
+            <a:ext cx="274319" cy="206829"/>
+            <a:chOff x="7345681" y="2819400"/>
+            <a:chExt cx="274319" cy="206829"/>
           </a:xfrm>
         </p:grpSpPr>
         <p:sp>
           <p:nvSpPr>
-            <p:cNvPr id="231" name="Flowchart: Delay 230"/>
+            <p:cNvPr id="230" name="Flowchart: Delay 229"/>
             <p:cNvSpPr/>
             <p:nvPr/>
           </p:nvSpPr>
           <p:spPr>
             <a:xfrm>
-              <a:off x="7372344" y="2514600"/>
+              <a:off x="7391400" y="2819400"/>
               <a:ext cx="228600" cy="206829"/>
             </a:xfrm>
             <a:prstGeom prst="flowChartDelay">
@@ -12111,7 +11825,7 @@
           </p:nvSpPr>
           <p:spPr>
             <a:xfrm>
-              <a:off x="7313612" y="2570156"/>
+              <a:off x="7345681" y="2949161"/>
               <a:ext cx="45719" cy="45719"/>
             </a:xfrm>
             <a:prstGeom prst="ellipse">
@@ -12119,6 +11833,69 @@
             </a:prstGeom>
             <a:noFill/>
             <a:ln w="3175">
+              <a:solidFill>
+                <a:schemeClr val="accent4">
+                  <a:lumMod val="75000"/>
+                </a:schemeClr>
+              </a:solidFill>
+            </a:ln>
+          </p:spPr>
+          <p:style>
+            <a:lnRef idx="2">
+              <a:schemeClr val="accent1">
+                <a:shade val="50000"/>
+              </a:schemeClr>
+            </a:lnRef>
+            <a:fillRef idx="1">
+              <a:schemeClr val="accent1"/>
+            </a:fillRef>
+            <a:effectRef idx="0">
+              <a:schemeClr val="accent1"/>
+            </a:effectRef>
+            <a:fontRef idx="minor">
+              <a:schemeClr val="lt1"/>
+            </a:fontRef>
+          </p:style>
+          <p:txBody>
+            <a:bodyPr rtlCol="0" anchor="ctr"/>
+            <a:lstStyle/>
+            <a:p>
+              <a:pPr algn="ctr"/>
+              <a:endParaRPr lang="en-US"/>
+            </a:p>
+          </p:txBody>
+        </p:sp>
+      </p:grpSp>
+      <p:grpSp>
+        <p:nvGrpSpPr>
+          <p:cNvPr id="297" name="Group 296"/>
+          <p:cNvGrpSpPr/>
+          <p:nvPr/>
+        </p:nvGrpSpPr>
+        <p:grpSpPr>
+          <a:xfrm>
+            <a:off x="7392988" y="2492375"/>
+            <a:ext cx="285744" cy="206829"/>
+            <a:chOff x="7392988" y="2492375"/>
+            <a:chExt cx="285744" cy="206829"/>
+          </a:xfrm>
+        </p:grpSpPr>
+        <p:sp>
+          <p:nvSpPr>
+            <p:cNvPr id="231" name="Flowchart: Delay 230"/>
+            <p:cNvSpPr/>
+            <p:nvPr/>
+          </p:nvSpPr>
+          <p:spPr>
+            <a:xfrm>
+              <a:off x="7450132" y="2492375"/>
+              <a:ext cx="228600" cy="206829"/>
+            </a:xfrm>
+            <a:prstGeom prst="flowChartDelay">
+              <a:avLst/>
+            </a:prstGeom>
+            <a:noFill/>
+            <a:ln>
               <a:solidFill>
                 <a:schemeClr val="accent4">
                   <a:lumMod val="75000"/>
@@ -12159,7 +11936,7 @@
           </p:nvSpPr>
           <p:spPr>
             <a:xfrm>
-              <a:off x="7315200" y="2646356"/>
+              <a:off x="7392988" y="2646356"/>
               <a:ext cx="45719" cy="45719"/>
             </a:xfrm>
             <a:prstGeom prst="ellipse">
@@ -12208,7 +11985,7 @@
         </p:nvGrpSpPr>
         <p:grpSpPr>
           <a:xfrm>
-            <a:off x="3048000" y="4267200"/>
+            <a:off x="3104005" y="3505200"/>
             <a:ext cx="381000" cy="914400"/>
             <a:chOff x="5677986" y="3048000"/>
             <a:chExt cx="418014" cy="914400"/>
@@ -12380,9 +12157,9 @@
         <p:grpSpPr>
           <a:xfrm>
             <a:off x="2209800" y="2590800"/>
-            <a:ext cx="1676400" cy="2667000"/>
+            <a:ext cx="1676400" cy="1925195"/>
             <a:chOff x="2209800" y="2590800"/>
-            <a:chExt cx="1676400" cy="2667000"/>
+            <a:chExt cx="1676400" cy="1925195"/>
           </a:xfrm>
         </p:grpSpPr>
         <p:cxnSp>
@@ -12393,7 +12170,7 @@
           </p:nvCxnSpPr>
           <p:spPr>
             <a:xfrm>
-              <a:off x="3276600" y="5181600"/>
+              <a:off x="3318180" y="4439795"/>
               <a:ext cx="0" cy="76200"/>
             </a:xfrm>
             <a:prstGeom prst="line">
@@ -12423,8 +12200,8 @@
           </p:nvCxnSpPr>
           <p:spPr>
             <a:xfrm>
-              <a:off x="2209800" y="5257800"/>
-              <a:ext cx="1066800" cy="0"/>
+              <a:off x="2209800" y="4515995"/>
+              <a:ext cx="1108380" cy="0"/>
             </a:xfrm>
             <a:prstGeom prst="line">
               <a:avLst/>
@@ -12454,7 +12231,7 @@
           <p:spPr>
             <a:xfrm>
               <a:off x="2209800" y="2895600"/>
-              <a:ext cx="0" cy="2362200"/>
+              <a:ext cx="0" cy="1620395"/>
             </a:xfrm>
             <a:prstGeom prst="line">
               <a:avLst/>
@@ -12588,10 +12365,10 @@
         </p:nvGrpSpPr>
         <p:grpSpPr>
           <a:xfrm>
-            <a:off x="3429000" y="4267200"/>
-            <a:ext cx="457200" cy="457200"/>
-            <a:chOff x="3429000" y="4267200"/>
-            <a:chExt cx="457200" cy="457200"/>
+            <a:off x="3485005" y="3821540"/>
+            <a:ext cx="401195" cy="140860"/>
+            <a:chOff x="3485005" y="4267200"/>
+            <a:chExt cx="401195" cy="140860"/>
           </a:xfrm>
         </p:grpSpPr>
         <p:cxnSp>
@@ -12633,13 +12410,15 @@
         <p:cxnSp>
           <p:nvCxnSpPr>
             <p:cNvPr id="317" name="Straight Connector 316"/>
-            <p:cNvCxnSpPr/>
+            <p:cNvCxnSpPr>
+              <a:stCxn id="294" idx="0"/>
+            </p:cNvCxnSpPr>
             <p:nvPr/>
           </p:nvCxnSpPr>
           <p:spPr>
             <a:xfrm>
-              <a:off x="3429000" y="4724400"/>
-              <a:ext cx="152400" cy="0"/>
+              <a:off x="3485005" y="4408060"/>
+              <a:ext cx="96395" cy="0"/>
             </a:xfrm>
             <a:prstGeom prst="line">
               <a:avLst/>
@@ -12674,7 +12453,7 @@
           <p:spPr>
             <a:xfrm>
               <a:off x="3581400" y="4267200"/>
-              <a:ext cx="0" cy="457200"/>
+              <a:ext cx="0" cy="140860"/>
             </a:xfrm>
             <a:prstGeom prst="line">
               <a:avLst/>
@@ -12703,7 +12482,643 @@
       </p:grpSp>
       <p:grpSp>
         <p:nvGrpSpPr>
-          <p:cNvPr id="354" name="Group 353"/>
+          <p:cNvPr id="379" name="Group 378"/>
+          <p:cNvGrpSpPr/>
+          <p:nvPr/>
+        </p:nvGrpSpPr>
+        <p:grpSpPr>
+          <a:xfrm>
+            <a:off x="3886200" y="1295400"/>
+            <a:ext cx="3505200" cy="1600200"/>
+            <a:chOff x="3886200" y="1295400"/>
+            <a:chExt cx="3505200" cy="1600200"/>
+          </a:xfrm>
+        </p:grpSpPr>
+        <p:sp>
+          <p:nvSpPr>
+            <p:cNvPr id="322" name="TextBox 321"/>
+            <p:cNvSpPr txBox="1"/>
+            <p:nvPr/>
+          </p:nvSpPr>
+          <p:spPr>
+            <a:xfrm>
+              <a:off x="3962400" y="1295400"/>
+              <a:ext cx="609600" cy="200055"/>
+            </a:xfrm>
+            <a:prstGeom prst="rect">
+              <a:avLst/>
+            </a:prstGeom>
+            <a:noFill/>
+          </p:spPr>
+          <p:txBody>
+            <a:bodyPr wrap="square" rtlCol="0">
+              <a:spAutoFit/>
+            </a:bodyPr>
+            <a:lstStyle/>
+            <a:p>
+              <a:r>
+                <a:rPr lang="en-US" sz="700" dirty="0" err="1" smtClean="0">
+                  <a:solidFill>
+                    <a:schemeClr val="tx2">
+                      <a:lumMod val="60000"/>
+                      <a:lumOff val="40000"/>
+                    </a:schemeClr>
+                  </a:solidFill>
+                </a:rPr>
+                <a:t>BranchLT</a:t>
+              </a:r>
+              <a:endParaRPr lang="en-US" sz="700" dirty="0" smtClean="0">
+                <a:solidFill>
+                  <a:schemeClr val="tx2">
+                    <a:lumMod val="60000"/>
+                    <a:lumOff val="40000"/>
+                  </a:schemeClr>
+                </a:solidFill>
+              </a:endParaRPr>
+            </a:p>
+          </p:txBody>
+        </p:sp>
+        <p:cxnSp>
+          <p:nvCxnSpPr>
+            <p:cNvPr id="323" name="Straight Connector 322"/>
+            <p:cNvCxnSpPr/>
+            <p:nvPr/>
+          </p:nvCxnSpPr>
+          <p:spPr>
+            <a:xfrm>
+              <a:off x="3886200" y="1447800"/>
+              <a:ext cx="1676400" cy="0"/>
+            </a:xfrm>
+            <a:prstGeom prst="line">
+              <a:avLst/>
+            </a:prstGeom>
+          </p:spPr>
+          <p:style>
+            <a:lnRef idx="1">
+              <a:schemeClr val="accent1"/>
+            </a:lnRef>
+            <a:fillRef idx="0">
+              <a:schemeClr val="accent1"/>
+            </a:fillRef>
+            <a:effectRef idx="0">
+              <a:schemeClr val="accent1"/>
+            </a:effectRef>
+            <a:fontRef idx="minor">
+              <a:schemeClr val="tx1"/>
+            </a:fontRef>
+          </p:style>
+        </p:cxnSp>
+        <p:cxnSp>
+          <p:nvCxnSpPr>
+            <p:cNvPr id="360" name="Straight Connector 359"/>
+            <p:cNvCxnSpPr/>
+            <p:nvPr/>
+          </p:nvCxnSpPr>
+          <p:spPr>
+            <a:xfrm>
+              <a:off x="5562600" y="1447800"/>
+              <a:ext cx="0" cy="609600"/>
+            </a:xfrm>
+            <a:prstGeom prst="line">
+              <a:avLst/>
+            </a:prstGeom>
+          </p:spPr>
+          <p:style>
+            <a:lnRef idx="1">
+              <a:schemeClr val="accent1"/>
+            </a:lnRef>
+            <a:fillRef idx="0">
+              <a:schemeClr val="accent1"/>
+            </a:fillRef>
+            <a:effectRef idx="0">
+              <a:schemeClr val="accent1"/>
+            </a:effectRef>
+            <a:fontRef idx="minor">
+              <a:schemeClr val="tx1"/>
+            </a:fontRef>
+          </p:style>
+        </p:cxnSp>
+        <p:cxnSp>
+          <p:nvCxnSpPr>
+            <p:cNvPr id="361" name="Straight Connector 360"/>
+            <p:cNvCxnSpPr/>
+            <p:nvPr/>
+          </p:nvCxnSpPr>
+          <p:spPr>
+            <a:xfrm>
+              <a:off x="5562600" y="2057400"/>
+              <a:ext cx="1600200" cy="0"/>
+            </a:xfrm>
+            <a:prstGeom prst="line">
+              <a:avLst/>
+            </a:prstGeom>
+          </p:spPr>
+          <p:style>
+            <a:lnRef idx="1">
+              <a:schemeClr val="accent1"/>
+            </a:lnRef>
+            <a:fillRef idx="0">
+              <a:schemeClr val="accent1"/>
+            </a:fillRef>
+            <a:effectRef idx="0">
+              <a:schemeClr val="accent1"/>
+            </a:effectRef>
+            <a:fontRef idx="minor">
+              <a:schemeClr val="tx1"/>
+            </a:fontRef>
+          </p:style>
+        </p:cxnSp>
+        <p:cxnSp>
+          <p:nvCxnSpPr>
+            <p:cNvPr id="362" name="Straight Connector 361"/>
+            <p:cNvCxnSpPr/>
+            <p:nvPr/>
+          </p:nvCxnSpPr>
+          <p:spPr>
+            <a:xfrm>
+              <a:off x="7162800" y="2057400"/>
+              <a:ext cx="0" cy="838200"/>
+            </a:xfrm>
+            <a:prstGeom prst="line">
+              <a:avLst/>
+            </a:prstGeom>
+          </p:spPr>
+          <p:style>
+            <a:lnRef idx="1">
+              <a:schemeClr val="accent1"/>
+            </a:lnRef>
+            <a:fillRef idx="0">
+              <a:schemeClr val="accent1"/>
+            </a:fillRef>
+            <a:effectRef idx="0">
+              <a:schemeClr val="accent1"/>
+            </a:effectRef>
+            <a:fontRef idx="minor">
+              <a:schemeClr val="tx1"/>
+            </a:fontRef>
+          </p:style>
+        </p:cxnSp>
+        <p:cxnSp>
+          <p:nvCxnSpPr>
+            <p:cNvPr id="372" name="Straight Connector 371"/>
+            <p:cNvCxnSpPr/>
+            <p:nvPr/>
+          </p:nvCxnSpPr>
+          <p:spPr>
+            <a:xfrm>
+              <a:off x="7162800" y="2895600"/>
+              <a:ext cx="228600" cy="0"/>
+            </a:xfrm>
+            <a:prstGeom prst="line">
+              <a:avLst/>
+            </a:prstGeom>
+          </p:spPr>
+          <p:style>
+            <a:lnRef idx="1">
+              <a:schemeClr val="accent1"/>
+            </a:lnRef>
+            <a:fillRef idx="0">
+              <a:schemeClr val="accent1"/>
+            </a:fillRef>
+            <a:effectRef idx="0">
+              <a:schemeClr val="accent1"/>
+            </a:effectRef>
+            <a:fontRef idx="minor">
+              <a:schemeClr val="tx1"/>
+            </a:fontRef>
+          </p:style>
+        </p:cxnSp>
+      </p:grpSp>
+      <p:grpSp>
+        <p:nvGrpSpPr>
+          <p:cNvPr id="429" name="Group 428"/>
+          <p:cNvGrpSpPr/>
+          <p:nvPr/>
+        </p:nvGrpSpPr>
+        <p:grpSpPr>
+          <a:xfrm>
+            <a:off x="3810000" y="1143000"/>
+            <a:ext cx="3657600" cy="1371600"/>
+            <a:chOff x="3810000" y="1143000"/>
+            <a:chExt cx="3657600" cy="1371600"/>
+          </a:xfrm>
+        </p:grpSpPr>
+        <p:sp>
+          <p:nvSpPr>
+            <p:cNvPr id="328" name="TextBox 327"/>
+            <p:cNvSpPr txBox="1"/>
+            <p:nvPr/>
+          </p:nvSpPr>
+          <p:spPr>
+            <a:xfrm>
+              <a:off x="3886200" y="1143000"/>
+              <a:ext cx="609600" cy="200055"/>
+            </a:xfrm>
+            <a:prstGeom prst="rect">
+              <a:avLst/>
+            </a:prstGeom>
+            <a:noFill/>
+          </p:spPr>
+          <p:txBody>
+            <a:bodyPr wrap="square" rtlCol="0">
+              <a:spAutoFit/>
+            </a:bodyPr>
+            <a:lstStyle/>
+            <a:p>
+              <a:r>
+                <a:rPr lang="en-US" sz="700" dirty="0" err="1" smtClean="0">
+                  <a:solidFill>
+                    <a:schemeClr val="tx2">
+                      <a:lumMod val="60000"/>
+                      <a:lumOff val="40000"/>
+                    </a:schemeClr>
+                  </a:solidFill>
+                </a:rPr>
+                <a:t>BranchGT</a:t>
+              </a:r>
+              <a:endParaRPr lang="en-US" sz="700" dirty="0" smtClean="0">
+                <a:solidFill>
+                  <a:schemeClr val="tx2">
+                    <a:lumMod val="60000"/>
+                    <a:lumOff val="40000"/>
+                  </a:schemeClr>
+                </a:solidFill>
+              </a:endParaRPr>
+            </a:p>
+          </p:txBody>
+        </p:sp>
+        <p:cxnSp>
+          <p:nvCxnSpPr>
+            <p:cNvPr id="329" name="Straight Connector 328"/>
+            <p:cNvCxnSpPr/>
+            <p:nvPr/>
+          </p:nvCxnSpPr>
+          <p:spPr>
+            <a:xfrm>
+              <a:off x="3810000" y="1295400"/>
+              <a:ext cx="1828800" cy="0"/>
+            </a:xfrm>
+            <a:prstGeom prst="line">
+              <a:avLst/>
+            </a:prstGeom>
+          </p:spPr>
+          <p:style>
+            <a:lnRef idx="1">
+              <a:schemeClr val="accent1"/>
+            </a:lnRef>
+            <a:fillRef idx="0">
+              <a:schemeClr val="accent1"/>
+            </a:fillRef>
+            <a:effectRef idx="0">
+              <a:schemeClr val="accent1"/>
+            </a:effectRef>
+            <a:fontRef idx="minor">
+              <a:schemeClr val="tx1"/>
+            </a:fontRef>
+          </p:style>
+        </p:cxnSp>
+        <p:cxnSp>
+          <p:nvCxnSpPr>
+            <p:cNvPr id="382" name="Straight Connector 381"/>
+            <p:cNvCxnSpPr/>
+            <p:nvPr/>
+          </p:nvCxnSpPr>
+          <p:spPr>
+            <a:xfrm>
+              <a:off x="5638800" y="1295400"/>
+              <a:ext cx="0" cy="685800"/>
+            </a:xfrm>
+            <a:prstGeom prst="line">
+              <a:avLst/>
+            </a:prstGeom>
+          </p:spPr>
+          <p:style>
+            <a:lnRef idx="1">
+              <a:schemeClr val="accent1"/>
+            </a:lnRef>
+            <a:fillRef idx="0">
+              <a:schemeClr val="accent1"/>
+            </a:fillRef>
+            <a:effectRef idx="0">
+              <a:schemeClr val="accent1"/>
+            </a:effectRef>
+            <a:fontRef idx="minor">
+              <a:schemeClr val="tx1"/>
+            </a:fontRef>
+          </p:style>
+        </p:cxnSp>
+        <p:cxnSp>
+          <p:nvCxnSpPr>
+            <p:cNvPr id="385" name="Straight Connector 384"/>
+            <p:cNvCxnSpPr/>
+            <p:nvPr/>
+          </p:nvCxnSpPr>
+          <p:spPr>
+            <a:xfrm>
+              <a:off x="5638800" y="1981200"/>
+              <a:ext cx="1600200" cy="0"/>
+            </a:xfrm>
+            <a:prstGeom prst="line">
+              <a:avLst/>
+            </a:prstGeom>
+          </p:spPr>
+          <p:style>
+            <a:lnRef idx="1">
+              <a:schemeClr val="accent1"/>
+            </a:lnRef>
+            <a:fillRef idx="0">
+              <a:schemeClr val="accent1"/>
+            </a:fillRef>
+            <a:effectRef idx="0">
+              <a:schemeClr val="accent1"/>
+            </a:effectRef>
+            <a:fontRef idx="minor">
+              <a:schemeClr val="tx1"/>
+            </a:fontRef>
+          </p:style>
+        </p:cxnSp>
+        <p:cxnSp>
+          <p:nvCxnSpPr>
+            <p:cNvPr id="389" name="Straight Connector 388"/>
+            <p:cNvCxnSpPr/>
+            <p:nvPr/>
+          </p:nvCxnSpPr>
+          <p:spPr>
+            <a:xfrm>
+              <a:off x="7239000" y="1981200"/>
+              <a:ext cx="0" cy="533400"/>
+            </a:xfrm>
+            <a:prstGeom prst="line">
+              <a:avLst/>
+            </a:prstGeom>
+          </p:spPr>
+          <p:style>
+            <a:lnRef idx="1">
+              <a:schemeClr val="accent1"/>
+            </a:lnRef>
+            <a:fillRef idx="0">
+              <a:schemeClr val="accent1"/>
+            </a:fillRef>
+            <a:effectRef idx="0">
+              <a:schemeClr val="accent1"/>
+            </a:effectRef>
+            <a:fontRef idx="minor">
+              <a:schemeClr val="tx1"/>
+            </a:fontRef>
+          </p:style>
+        </p:cxnSp>
+        <p:cxnSp>
+          <p:nvCxnSpPr>
+            <p:cNvPr id="394" name="Straight Connector 393"/>
+            <p:cNvCxnSpPr/>
+            <p:nvPr/>
+          </p:nvCxnSpPr>
+          <p:spPr>
+            <a:xfrm>
+              <a:off x="7239000" y="2514600"/>
+              <a:ext cx="228600" cy="0"/>
+            </a:xfrm>
+            <a:prstGeom prst="line">
+              <a:avLst/>
+            </a:prstGeom>
+          </p:spPr>
+          <p:style>
+            <a:lnRef idx="1">
+              <a:schemeClr val="accent1"/>
+            </a:lnRef>
+            <a:fillRef idx="0">
+              <a:schemeClr val="accent1"/>
+            </a:fillRef>
+            <a:effectRef idx="0">
+              <a:schemeClr val="accent1"/>
+            </a:effectRef>
+            <a:fontRef idx="minor">
+              <a:schemeClr val="tx1"/>
+            </a:fontRef>
+          </p:style>
+        </p:cxnSp>
+      </p:grpSp>
+      <p:grpSp>
+        <p:nvGrpSpPr>
+          <p:cNvPr id="432" name="Group 431"/>
+          <p:cNvGrpSpPr/>
+          <p:nvPr/>
+        </p:nvGrpSpPr>
+        <p:grpSpPr>
+          <a:xfrm>
+            <a:off x="6934200" y="2667000"/>
+            <a:ext cx="516466" cy="1143000"/>
+            <a:chOff x="6934200" y="2667000"/>
+            <a:chExt cx="516466" cy="1143000"/>
+          </a:xfrm>
+        </p:grpSpPr>
+        <p:grpSp>
+          <p:nvGrpSpPr>
+            <p:cNvPr id="198" name="Group 197"/>
+            <p:cNvGrpSpPr/>
+            <p:nvPr/>
+          </p:nvGrpSpPr>
+          <p:grpSpPr>
+            <a:xfrm>
+              <a:off x="6934200" y="2667000"/>
+              <a:ext cx="516466" cy="1143000"/>
+              <a:chOff x="6798734" y="2667000"/>
+              <a:chExt cx="516466" cy="1143000"/>
+            </a:xfrm>
+          </p:grpSpPr>
+          <p:cxnSp>
+            <p:nvCxnSpPr>
+              <p:cNvPr id="190" name="Straight Connector 189"/>
+              <p:cNvCxnSpPr/>
+              <p:nvPr/>
+            </p:nvCxnSpPr>
+            <p:spPr>
+              <a:xfrm>
+                <a:off x="7179734" y="3276600"/>
+                <a:ext cx="135466" cy="0"/>
+              </a:xfrm>
+              <a:prstGeom prst="line">
+                <a:avLst/>
+              </a:prstGeom>
+              <a:ln>
+                <a:solidFill>
+                  <a:schemeClr val="tx1"/>
+                </a:solidFill>
+              </a:ln>
+            </p:spPr>
+            <p:style>
+              <a:lnRef idx="1">
+                <a:schemeClr val="accent1"/>
+              </a:lnRef>
+              <a:fillRef idx="0">
+                <a:schemeClr val="accent1"/>
+              </a:fillRef>
+              <a:effectRef idx="0">
+                <a:schemeClr val="accent1"/>
+              </a:effectRef>
+              <a:fontRef idx="minor">
+                <a:schemeClr val="tx1"/>
+              </a:fontRef>
+            </p:style>
+          </p:cxnSp>
+          <p:cxnSp>
+            <p:nvCxnSpPr>
+              <p:cNvPr id="192" name="Straight Connector 191"/>
+              <p:cNvCxnSpPr/>
+              <p:nvPr/>
+            </p:nvCxnSpPr>
+            <p:spPr>
+              <a:xfrm flipH="1">
+                <a:off x="6798734" y="3810000"/>
+                <a:ext cx="381000" cy="0"/>
+              </a:xfrm>
+              <a:prstGeom prst="line">
+                <a:avLst/>
+              </a:prstGeom>
+              <a:ln>
+                <a:solidFill>
+                  <a:schemeClr val="tx1"/>
+                </a:solidFill>
+              </a:ln>
+            </p:spPr>
+            <p:style>
+              <a:lnRef idx="1">
+                <a:schemeClr val="accent1"/>
+              </a:lnRef>
+              <a:fillRef idx="0">
+                <a:schemeClr val="accent1"/>
+              </a:fillRef>
+              <a:effectRef idx="0">
+                <a:schemeClr val="accent1"/>
+              </a:effectRef>
+              <a:fontRef idx="minor">
+                <a:schemeClr val="tx1"/>
+              </a:fontRef>
+            </p:style>
+          </p:cxnSp>
+          <p:cxnSp>
+            <p:nvCxnSpPr>
+              <p:cNvPr id="194" name="Straight Connector 193"/>
+              <p:cNvCxnSpPr/>
+              <p:nvPr/>
+            </p:nvCxnSpPr>
+            <p:spPr>
+              <a:xfrm>
+                <a:off x="7179734" y="2667000"/>
+                <a:ext cx="0" cy="1143000"/>
+              </a:xfrm>
+              <a:prstGeom prst="line">
+                <a:avLst/>
+              </a:prstGeom>
+              <a:ln>
+                <a:solidFill>
+                  <a:schemeClr val="tx1"/>
+                </a:solidFill>
+              </a:ln>
+            </p:spPr>
+            <p:style>
+              <a:lnRef idx="1">
+                <a:schemeClr val="accent1"/>
+              </a:lnRef>
+              <a:fillRef idx="0">
+                <a:schemeClr val="accent1"/>
+              </a:fillRef>
+              <a:effectRef idx="0">
+                <a:schemeClr val="accent1"/>
+              </a:effectRef>
+              <a:fontRef idx="minor">
+                <a:schemeClr val="tx1"/>
+              </a:fontRef>
+            </p:style>
+          </p:cxnSp>
+        </p:grpSp>
+        <p:cxnSp>
+          <p:nvCxnSpPr>
+            <p:cNvPr id="408" name="Straight Connector 407"/>
+            <p:cNvCxnSpPr/>
+            <p:nvPr/>
+          </p:nvCxnSpPr>
+          <p:spPr>
+            <a:xfrm>
+              <a:off x="7315200" y="2667000"/>
+              <a:ext cx="76200" cy="0"/>
+            </a:xfrm>
+            <a:prstGeom prst="line">
+              <a:avLst/>
+            </a:prstGeom>
+            <a:ln>
+              <a:solidFill>
+                <a:schemeClr val="tx1"/>
+              </a:solidFill>
+            </a:ln>
+          </p:spPr>
+          <p:style>
+            <a:lnRef idx="1">
+              <a:schemeClr val="accent1"/>
+            </a:lnRef>
+            <a:fillRef idx="0">
+              <a:schemeClr val="accent1"/>
+            </a:fillRef>
+            <a:effectRef idx="0">
+              <a:schemeClr val="accent1"/>
+            </a:effectRef>
+            <a:fontRef idx="minor">
+              <a:schemeClr val="tx1"/>
+            </a:fontRef>
+          </p:style>
+        </p:cxnSp>
+        <p:sp>
+          <p:nvSpPr>
+            <p:cNvPr id="431" name="Oval 430"/>
+            <p:cNvSpPr/>
+            <p:nvPr/>
+          </p:nvSpPr>
+          <p:spPr>
+            <a:xfrm>
+              <a:off x="7296150" y="3257550"/>
+              <a:ext cx="45719" cy="45719"/>
+            </a:xfrm>
+            <a:prstGeom prst="ellipse">
+              <a:avLst/>
+            </a:prstGeom>
+            <a:solidFill>
+              <a:schemeClr val="tx1"/>
+            </a:solidFill>
+            <a:ln w="6350">
+              <a:solidFill>
+                <a:schemeClr val="tx1"/>
+              </a:solidFill>
+            </a:ln>
+          </p:spPr>
+          <p:style>
+            <a:lnRef idx="2">
+              <a:schemeClr val="accent1">
+                <a:shade val="50000"/>
+              </a:schemeClr>
+            </a:lnRef>
+            <a:fillRef idx="1">
+              <a:schemeClr val="accent1"/>
+            </a:fillRef>
+            <a:effectRef idx="0">
+              <a:schemeClr val="accent1"/>
+            </a:effectRef>
+            <a:fontRef idx="minor">
+              <a:schemeClr val="lt1"/>
+            </a:fontRef>
+          </p:style>
+          <p:txBody>
+            <a:bodyPr rtlCol="0" anchor="ctr"/>
+            <a:lstStyle/>
+            <a:p>
+              <a:pPr algn="ctr"/>
+              <a:endParaRPr lang="en-US"/>
+            </a:p>
+          </p:txBody>
+        </p:sp>
+      </p:grpSp>
+      <p:grpSp>
+        <p:nvGrpSpPr>
+          <p:cNvPr id="377" name="Group 376"/>
           <p:cNvGrpSpPr/>
           <p:nvPr/>
         </p:nvGrpSpPr>
@@ -12717,7 +13132,7 @@
         </p:grpSpPr>
         <p:grpSp>
           <p:nvGrpSpPr>
-            <p:cNvPr id="327" name="Group 326"/>
+            <p:cNvPr id="354" name="Group 353"/>
             <p:cNvGrpSpPr/>
             <p:nvPr/>
           </p:nvGrpSpPr>
@@ -12731,7 +13146,7 @@
           </p:grpSpPr>
           <p:grpSp>
             <p:nvGrpSpPr>
-              <p:cNvPr id="552" name="Group 551"/>
+              <p:cNvPr id="327" name="Group 326"/>
               <p:cNvGrpSpPr/>
               <p:nvPr/>
             </p:nvGrpSpPr>
@@ -12745,21 +13160,21 @@
             </p:grpSpPr>
             <p:grpSp>
               <p:nvGrpSpPr>
-                <p:cNvPr id="517" name="Group 516"/>
+                <p:cNvPr id="552" name="Group 551"/>
                 <p:cNvGrpSpPr/>
                 <p:nvPr/>
               </p:nvGrpSpPr>
               <p:grpSpPr>
                 <a:xfrm>
                   <a:off x="1958975" y="914400"/>
-                  <a:ext cx="2384425" cy="4726927"/>
+                  <a:ext cx="3756025" cy="5290066"/>
                   <a:chOff x="1958975" y="914400"/>
-                  <a:chExt cx="2384425" cy="4726927"/>
+                  <a:chExt cx="3756025" cy="5290066"/>
                 </a:xfrm>
               </p:grpSpPr>
               <p:grpSp>
                 <p:nvGrpSpPr>
-                  <p:cNvPr id="495" name="Group 494"/>
+                  <p:cNvPr id="517" name="Group 516"/>
                   <p:cNvGrpSpPr/>
                   <p:nvPr/>
                 </p:nvGrpSpPr>
@@ -12773,7 +13188,7 @@
                 </p:grpSpPr>
                 <p:grpSp>
                   <p:nvGrpSpPr>
-                    <p:cNvPr id="491" name="Group 490"/>
+                    <p:cNvPr id="495" name="Group 494"/>
                     <p:cNvGrpSpPr/>
                     <p:nvPr/>
                   </p:nvGrpSpPr>
@@ -12787,7 +13202,7 @@
                   </p:grpSpPr>
                   <p:grpSp>
                     <p:nvGrpSpPr>
-                      <p:cNvPr id="345" name="Group 344"/>
+                      <p:cNvPr id="491" name="Group 490"/>
                       <p:cNvGrpSpPr/>
                       <p:nvPr/>
                     </p:nvGrpSpPr>
@@ -12799,490 +13214,553 @@
                         <a:chExt cx="2384425" cy="4726927"/>
                       </a:xfrm>
                     </p:grpSpPr>
-                    <p:cxnSp>
-                      <p:nvCxnSpPr>
-                        <p:cNvPr id="286" name="Straight Arrow Connector 285"/>
-                        <p:cNvCxnSpPr/>
+                    <p:grpSp>
+                      <p:nvGrpSpPr>
+                        <p:cNvPr id="345" name="Group 344"/>
+                        <p:cNvGrpSpPr/>
                         <p:nvPr/>
-                      </p:nvCxnSpPr>
+                      </p:nvGrpSpPr>
+                      <p:grpSpPr>
+                        <a:xfrm>
+                          <a:off x="1958975" y="914400"/>
+                          <a:ext cx="2384425" cy="4726927"/>
+                          <a:chOff x="1958975" y="914400"/>
+                          <a:chExt cx="2384425" cy="4726927"/>
+                        </a:xfrm>
+                      </p:grpSpPr>
+                      <p:cxnSp>
+                        <p:nvCxnSpPr>
+                          <p:cNvPr id="286" name="Straight Arrow Connector 285"/>
+                          <p:cNvCxnSpPr/>
+                          <p:nvPr/>
+                        </p:nvCxnSpPr>
+                        <p:spPr>
+                          <a:xfrm>
+                            <a:off x="2286000" y="1905000"/>
+                            <a:ext cx="609600" cy="0"/>
+                          </a:xfrm>
+                          <a:prstGeom prst="straightConnector1">
+                            <a:avLst/>
+                          </a:prstGeom>
+                          <a:ln>
+                            <a:solidFill>
+                              <a:schemeClr val="tx1"/>
+                            </a:solidFill>
+                            <a:tailEnd type="arrow"/>
+                          </a:ln>
+                        </p:spPr>
+                        <p:style>
+                          <a:lnRef idx="1">
+                            <a:schemeClr val="accent1"/>
+                          </a:lnRef>
+                          <a:fillRef idx="0">
+                            <a:schemeClr val="accent1"/>
+                          </a:fillRef>
+                          <a:effectRef idx="0">
+                            <a:schemeClr val="accent1"/>
+                          </a:effectRef>
+                          <a:fontRef idx="minor">
+                            <a:schemeClr val="tx1"/>
+                          </a:fontRef>
+                        </p:style>
+                      </p:cxnSp>
+                      <p:cxnSp>
+                        <p:nvCxnSpPr>
+                          <p:cNvPr id="289" name="Straight Connector 288"/>
+                          <p:cNvCxnSpPr/>
+                          <p:nvPr/>
+                        </p:nvCxnSpPr>
+                        <p:spPr>
+                          <a:xfrm>
+                            <a:off x="2286000" y="914400"/>
+                            <a:ext cx="0" cy="4419600"/>
+                          </a:xfrm>
+                          <a:prstGeom prst="line">
+                            <a:avLst/>
+                          </a:prstGeom>
+                          <a:ln>
+                            <a:solidFill>
+                              <a:schemeClr val="tx1"/>
+                            </a:solidFill>
+                          </a:ln>
+                        </p:spPr>
+                        <p:style>
+                          <a:lnRef idx="1">
+                            <a:schemeClr val="accent1"/>
+                          </a:lnRef>
+                          <a:fillRef idx="0">
+                            <a:schemeClr val="accent1"/>
+                          </a:fillRef>
+                          <a:effectRef idx="0">
+                            <a:schemeClr val="accent1"/>
+                          </a:effectRef>
+                          <a:fontRef idx="minor">
+                            <a:schemeClr val="tx1"/>
+                          </a:fontRef>
+                        </p:style>
+                      </p:cxnSp>
+                      <p:cxnSp>
+                        <p:nvCxnSpPr>
+                          <p:cNvPr id="296" name="Straight Arrow Connector 295"/>
+                          <p:cNvCxnSpPr/>
+                          <p:nvPr/>
+                        </p:nvCxnSpPr>
+                        <p:spPr>
+                          <a:xfrm>
+                            <a:off x="2286000" y="5334000"/>
+                            <a:ext cx="2057400" cy="0"/>
+                          </a:xfrm>
+                          <a:prstGeom prst="straightConnector1">
+                            <a:avLst/>
+                          </a:prstGeom>
+                          <a:ln>
+                            <a:solidFill>
+                              <a:schemeClr val="tx1"/>
+                            </a:solidFill>
+                            <a:tailEnd type="arrow"/>
+                          </a:ln>
+                        </p:spPr>
+                        <p:style>
+                          <a:lnRef idx="1">
+                            <a:schemeClr val="accent1"/>
+                          </a:lnRef>
+                          <a:fillRef idx="0">
+                            <a:schemeClr val="accent1"/>
+                          </a:fillRef>
+                          <a:effectRef idx="0">
+                            <a:schemeClr val="accent1"/>
+                          </a:effectRef>
+                          <a:fontRef idx="minor">
+                            <a:schemeClr val="tx1"/>
+                          </a:fontRef>
+                        </p:style>
+                      </p:cxnSp>
+                      <p:cxnSp>
+                        <p:nvCxnSpPr>
+                          <p:cNvPr id="298" name="Straight Connector 297"/>
+                          <p:cNvCxnSpPr/>
+                          <p:nvPr/>
+                        </p:nvCxnSpPr>
+                        <p:spPr>
+                          <a:xfrm flipV="1">
+                            <a:off x="4049490" y="5257800"/>
+                            <a:ext cx="152400" cy="152400"/>
+                          </a:xfrm>
+                          <a:prstGeom prst="line">
+                            <a:avLst/>
+                          </a:prstGeom>
+                          <a:ln>
+                            <a:solidFill>
+                              <a:schemeClr val="tx1"/>
+                            </a:solidFill>
+                          </a:ln>
+                        </p:spPr>
+                        <p:style>
+                          <a:lnRef idx="1">
+                            <a:schemeClr val="accent1"/>
+                          </a:lnRef>
+                          <a:fillRef idx="0">
+                            <a:schemeClr val="accent1"/>
+                          </a:fillRef>
+                          <a:effectRef idx="0">
+                            <a:schemeClr val="accent1"/>
+                          </a:effectRef>
+                          <a:fontRef idx="minor">
+                            <a:schemeClr val="tx1"/>
+                          </a:fontRef>
+                        </p:style>
+                      </p:cxnSp>
+                      <p:sp>
+                        <p:nvSpPr>
+                          <p:cNvPr id="299" name="TextBox 298"/>
+                          <p:cNvSpPr txBox="1"/>
+                          <p:nvPr/>
+                        </p:nvSpPr>
+                        <p:spPr>
+                          <a:xfrm>
+                            <a:off x="3962400" y="5379717"/>
+                            <a:ext cx="381000" cy="261610"/>
+                          </a:xfrm>
+                          <a:prstGeom prst="rect">
+                            <a:avLst/>
+                          </a:prstGeom>
+                          <a:noFill/>
+                          <a:ln>
+                            <a:noFill/>
+                          </a:ln>
+                        </p:spPr>
+                        <p:txBody>
+                          <a:bodyPr wrap="square" rtlCol="0">
+                            <a:spAutoFit/>
+                          </a:bodyPr>
+                          <a:lstStyle/>
+                          <a:p>
+                            <a:r>
+                              <a:rPr lang="en-US" sz="1100" dirty="0" smtClean="0"/>
+                              <a:t>6</a:t>
+                            </a:r>
+                            <a:endParaRPr lang="en-US" sz="1050" dirty="0"/>
+                          </a:p>
+                        </p:txBody>
+                      </p:sp>
+                      <p:sp>
+                        <p:nvSpPr>
+                          <p:cNvPr id="300" name="TextBox 299"/>
+                          <p:cNvSpPr txBox="1"/>
+                          <p:nvPr/>
+                        </p:nvSpPr>
+                        <p:spPr>
+                          <a:xfrm>
+                            <a:off x="2743200" y="5334000"/>
+                            <a:ext cx="990600" cy="184666"/>
+                          </a:xfrm>
+                          <a:prstGeom prst="rect">
+                            <a:avLst/>
+                          </a:prstGeom>
+                          <a:noFill/>
+                          <a:ln>
+                            <a:noFill/>
+                          </a:ln>
+                        </p:spPr>
+                        <p:txBody>
+                          <a:bodyPr wrap="square" rtlCol="0">
+                            <a:spAutoFit/>
+                          </a:bodyPr>
+                          <a:lstStyle/>
+                          <a:p>
+                            <a:pPr algn="r"/>
+                            <a:r>
+                              <a:rPr lang="en-US" sz="600" dirty="0" smtClean="0"/>
+                              <a:t>Instruction [5-0]</a:t>
+                            </a:r>
+                            <a:endParaRPr lang="en-US" sz="600" dirty="0"/>
+                          </a:p>
+                        </p:txBody>
+                      </p:sp>
+                      <p:cxnSp>
+                        <p:nvCxnSpPr>
+                          <p:cNvPr id="302" name="Straight Arrow Connector 301"/>
+                          <p:cNvCxnSpPr/>
+                          <p:nvPr/>
+                        </p:nvCxnSpPr>
+                        <p:spPr>
+                          <a:xfrm>
+                            <a:off x="3581400" y="4267200"/>
+                            <a:ext cx="304800" cy="0"/>
+                          </a:xfrm>
+                          <a:prstGeom prst="straightConnector1">
+                            <a:avLst/>
+                          </a:prstGeom>
+                          <a:ln>
+                            <a:solidFill>
+                              <a:schemeClr val="tx1"/>
+                            </a:solidFill>
+                            <a:tailEnd type="arrow"/>
+                          </a:ln>
+                        </p:spPr>
+                        <p:style>
+                          <a:lnRef idx="1">
+                            <a:schemeClr val="accent1"/>
+                          </a:lnRef>
+                          <a:fillRef idx="0">
+                            <a:schemeClr val="accent1"/>
+                          </a:fillRef>
+                          <a:effectRef idx="0">
+                            <a:schemeClr val="accent1"/>
+                          </a:effectRef>
+                          <a:fontRef idx="minor">
+                            <a:schemeClr val="tx1"/>
+                          </a:fontRef>
+                        </p:style>
+                      </p:cxnSp>
+                      <p:cxnSp>
+                        <p:nvCxnSpPr>
+                          <p:cNvPr id="311" name="Straight Connector 310"/>
+                          <p:cNvCxnSpPr/>
+                          <p:nvPr/>
+                        </p:nvCxnSpPr>
+                        <p:spPr>
+                          <a:xfrm flipH="1">
+                            <a:off x="2133600" y="4191000"/>
+                            <a:ext cx="152400" cy="0"/>
+                          </a:xfrm>
+                          <a:prstGeom prst="line">
+                            <a:avLst/>
+                          </a:prstGeom>
+                          <a:ln>
+                            <a:solidFill>
+                              <a:schemeClr val="tx1"/>
+                            </a:solidFill>
+                          </a:ln>
+                        </p:spPr>
+                        <p:style>
+                          <a:lnRef idx="1">
+                            <a:schemeClr val="accent1"/>
+                          </a:lnRef>
+                          <a:fillRef idx="0">
+                            <a:schemeClr val="accent1"/>
+                          </a:fillRef>
+                          <a:effectRef idx="0">
+                            <a:schemeClr val="accent1"/>
+                          </a:effectRef>
+                          <a:fontRef idx="minor">
+                            <a:schemeClr val="tx1"/>
+                          </a:fontRef>
+                        </p:style>
+                      </p:cxnSp>
+                      <p:sp>
+                        <p:nvSpPr>
+                          <p:cNvPr id="320" name="TextBox 319"/>
+                          <p:cNvSpPr txBox="1"/>
+                          <p:nvPr/>
+                        </p:nvSpPr>
+                        <p:spPr>
+                          <a:xfrm>
+                            <a:off x="1981200" y="4539734"/>
+                            <a:ext cx="990600" cy="184666"/>
+                          </a:xfrm>
+                          <a:prstGeom prst="rect">
+                            <a:avLst/>
+                          </a:prstGeom>
+                          <a:noFill/>
+                          <a:ln>
+                            <a:noFill/>
+                          </a:ln>
+                        </p:spPr>
+                        <p:txBody>
+                          <a:bodyPr wrap="square" rtlCol="0">
+                            <a:spAutoFit/>
+                          </a:bodyPr>
+                          <a:lstStyle/>
+                          <a:p>
+                            <a:pPr algn="r"/>
+                            <a:r>
+                              <a:rPr lang="en-US" sz="600" dirty="0" smtClean="0"/>
+                              <a:t>Instruction </a:t>
+                            </a:r>
+                            <a:r>
+                              <a:rPr lang="en-US" sz="600" dirty="0" smtClean="0"/>
+                              <a:t>[11-9]</a:t>
+                            </a:r>
+                            <a:endParaRPr lang="en-US" sz="600" dirty="0"/>
+                          </a:p>
+                        </p:txBody>
+                      </p:sp>
+                      <p:cxnSp>
+                        <p:nvCxnSpPr>
+                          <p:cNvPr id="325" name="Straight Arrow Connector 324"/>
+                          <p:cNvCxnSpPr/>
+                          <p:nvPr/>
+                        </p:nvCxnSpPr>
+                        <p:spPr>
+                          <a:xfrm>
+                            <a:off x="2286000" y="3352800"/>
+                            <a:ext cx="1600200" cy="0"/>
+                          </a:xfrm>
+                          <a:prstGeom prst="straightConnector1">
+                            <a:avLst/>
+                          </a:prstGeom>
+                          <a:ln>
+                            <a:solidFill>
+                              <a:schemeClr val="tx1"/>
+                            </a:solidFill>
+                            <a:tailEnd type="arrow"/>
+                          </a:ln>
+                        </p:spPr>
+                        <p:style>
+                          <a:lnRef idx="1">
+                            <a:schemeClr val="accent1"/>
+                          </a:lnRef>
+                          <a:fillRef idx="0">
+                            <a:schemeClr val="accent1"/>
+                          </a:fillRef>
+                          <a:effectRef idx="0">
+                            <a:schemeClr val="accent1"/>
+                          </a:effectRef>
+                          <a:fontRef idx="minor">
+                            <a:schemeClr val="tx1"/>
+                          </a:fontRef>
+                        </p:style>
+                      </p:cxnSp>
+                      <p:sp>
+                        <p:nvSpPr>
+                          <p:cNvPr id="326" name="TextBox 325"/>
+                          <p:cNvSpPr txBox="1"/>
+                          <p:nvPr/>
+                        </p:nvSpPr>
+                        <p:spPr>
+                          <a:xfrm>
+                            <a:off x="2819400" y="3314697"/>
+                            <a:ext cx="990600" cy="184666"/>
+                          </a:xfrm>
+                          <a:prstGeom prst="rect">
+                            <a:avLst/>
+                          </a:prstGeom>
+                          <a:noFill/>
+                          <a:ln>
+                            <a:noFill/>
+                          </a:ln>
+                        </p:spPr>
+                        <p:txBody>
+                          <a:bodyPr wrap="square" rtlCol="0">
+                            <a:spAutoFit/>
+                          </a:bodyPr>
+                          <a:lstStyle/>
+                          <a:p>
+                            <a:pPr algn="r"/>
+                            <a:r>
+                              <a:rPr lang="en-US" sz="600" dirty="0" smtClean="0"/>
+                              <a:t>Instruction </a:t>
+                            </a:r>
+                            <a:r>
+                              <a:rPr lang="en-US" sz="600" dirty="0" smtClean="0"/>
+                              <a:t>[</a:t>
+                            </a:r>
+                            <a:r>
+                              <a:rPr lang="en-US" sz="600" dirty="0" smtClean="0"/>
+                              <a:t>8</a:t>
+                            </a:r>
+                            <a:r>
+                              <a:rPr lang="en-US" sz="600" dirty="0" smtClean="0"/>
+                              <a:t>-6]</a:t>
+                            </a:r>
+                            <a:endParaRPr lang="en-US" sz="600" dirty="0"/>
+                          </a:p>
+                        </p:txBody>
+                      </p:sp>
+                      <p:cxnSp>
+                        <p:nvCxnSpPr>
+                          <p:cNvPr id="335" name="Straight Arrow Connector 334"/>
+                          <p:cNvCxnSpPr/>
+                          <p:nvPr/>
+                        </p:nvCxnSpPr>
+                        <p:spPr>
+                          <a:xfrm>
+                            <a:off x="2286000" y="3733800"/>
+                            <a:ext cx="838200" cy="0"/>
+                          </a:xfrm>
+                          <a:prstGeom prst="straightConnector1">
+                            <a:avLst/>
+                          </a:prstGeom>
+                          <a:ln>
+                            <a:solidFill>
+                              <a:schemeClr val="tx1"/>
+                            </a:solidFill>
+                            <a:tailEnd type="arrow"/>
+                          </a:ln>
+                        </p:spPr>
+                        <p:style>
+                          <a:lnRef idx="1">
+                            <a:schemeClr val="accent1"/>
+                          </a:lnRef>
+                          <a:fillRef idx="0">
+                            <a:schemeClr val="accent1"/>
+                          </a:fillRef>
+                          <a:effectRef idx="0">
+                            <a:schemeClr val="accent1"/>
+                          </a:effectRef>
+                          <a:fontRef idx="minor">
+                            <a:schemeClr val="tx1"/>
+                          </a:fontRef>
+                        </p:style>
+                      </p:cxnSp>
+                      <p:sp>
+                        <p:nvSpPr>
+                          <p:cNvPr id="336" name="TextBox 335"/>
+                          <p:cNvSpPr txBox="1"/>
+                          <p:nvPr/>
+                        </p:nvSpPr>
+                        <p:spPr>
+                          <a:xfrm>
+                            <a:off x="1958975" y="3701534"/>
+                            <a:ext cx="990600" cy="184666"/>
+                          </a:xfrm>
+                          <a:prstGeom prst="rect">
+                            <a:avLst/>
+                          </a:prstGeom>
+                          <a:noFill/>
+                          <a:ln>
+                            <a:noFill/>
+                          </a:ln>
+                        </p:spPr>
+                        <p:txBody>
+                          <a:bodyPr wrap="square" rtlCol="0">
+                            <a:spAutoFit/>
+                          </a:bodyPr>
+                          <a:lstStyle/>
+                          <a:p>
+                            <a:pPr algn="r"/>
+                            <a:r>
+                              <a:rPr lang="en-US" sz="600" dirty="0" smtClean="0"/>
+                              <a:t>Instruction </a:t>
+                            </a:r>
+                            <a:r>
+                              <a:rPr lang="en-US" sz="600" dirty="0" smtClean="0"/>
+                              <a:t>[5-3]</a:t>
+                            </a:r>
+                            <a:endParaRPr lang="en-US" sz="600" dirty="0"/>
+                          </a:p>
+                        </p:txBody>
+                      </p:sp>
+                    </p:grpSp>
+                    <p:sp>
+                      <p:nvSpPr>
+                        <p:cNvPr id="490" name="Oval 489"/>
+                        <p:cNvSpPr/>
+                        <p:nvPr/>
+                      </p:nvSpPr>
                       <p:spPr>
                         <a:xfrm>
-                          <a:off x="2286000" y="1905000"/>
-                          <a:ext cx="609600" cy="0"/>
+                          <a:off x="2266944" y="3325828"/>
+                          <a:ext cx="45719" cy="45719"/>
                         </a:xfrm>
-                        <a:prstGeom prst="straightConnector1">
+                        <a:prstGeom prst="ellipse">
                           <a:avLst/>
                         </a:prstGeom>
-                        <a:ln>
+                        <a:solidFill>
+                          <a:schemeClr val="tx1"/>
+                        </a:solidFill>
+                        <a:ln w="6350">
                           <a:solidFill>
                             <a:schemeClr val="tx1"/>
                           </a:solidFill>
-                          <a:tailEnd type="arrow"/>
                         </a:ln>
                       </p:spPr>
                       <p:style>
-                        <a:lnRef idx="1">
-                          <a:schemeClr val="accent1"/>
+                        <a:lnRef idx="2">
+                          <a:schemeClr val="accent1">
+                            <a:shade val="50000"/>
+                          </a:schemeClr>
                         </a:lnRef>
-                        <a:fillRef idx="0">
+                        <a:fillRef idx="1">
                           <a:schemeClr val="accent1"/>
                         </a:fillRef>
                         <a:effectRef idx="0">
                           <a:schemeClr val="accent1"/>
                         </a:effectRef>
                         <a:fontRef idx="minor">
-                          <a:schemeClr val="tx1"/>
+                          <a:schemeClr val="lt1"/>
                         </a:fontRef>
                       </p:style>
-                    </p:cxnSp>
-                    <p:cxnSp>
-                      <p:nvCxnSpPr>
-                        <p:cNvPr id="289" name="Straight Connector 288"/>
-                        <p:cNvCxnSpPr/>
-                        <p:nvPr/>
-                      </p:nvCxnSpPr>
-                      <p:spPr>
-                        <a:xfrm>
-                          <a:off x="2286000" y="914400"/>
-                          <a:ext cx="0" cy="4419600"/>
-                        </a:xfrm>
-                        <a:prstGeom prst="line">
-                          <a:avLst/>
-                        </a:prstGeom>
-                        <a:ln>
-                          <a:solidFill>
-                            <a:schemeClr val="tx1"/>
-                          </a:solidFill>
-                        </a:ln>
-                      </p:spPr>
-                      <p:style>
-                        <a:lnRef idx="1">
-                          <a:schemeClr val="accent1"/>
-                        </a:lnRef>
-                        <a:fillRef idx="0">
-                          <a:schemeClr val="accent1"/>
-                        </a:fillRef>
-                        <a:effectRef idx="0">
-                          <a:schemeClr val="accent1"/>
-                        </a:effectRef>
-                        <a:fontRef idx="minor">
-                          <a:schemeClr val="tx1"/>
-                        </a:fontRef>
-                      </p:style>
-                    </p:cxnSp>
-                    <p:cxnSp>
-                      <p:nvCxnSpPr>
-                        <p:cNvPr id="296" name="Straight Arrow Connector 295"/>
-                        <p:cNvCxnSpPr/>
-                        <p:nvPr/>
-                      </p:nvCxnSpPr>
-                      <p:spPr>
-                        <a:xfrm>
-                          <a:off x="2286000" y="5334000"/>
-                          <a:ext cx="2057400" cy="0"/>
-                        </a:xfrm>
-                        <a:prstGeom prst="straightConnector1">
-                          <a:avLst/>
-                        </a:prstGeom>
-                        <a:ln>
-                          <a:solidFill>
-                            <a:schemeClr val="tx1"/>
-                          </a:solidFill>
-                          <a:tailEnd type="arrow"/>
-                        </a:ln>
-                      </p:spPr>
-                      <p:style>
-                        <a:lnRef idx="1">
-                          <a:schemeClr val="accent1"/>
-                        </a:lnRef>
-                        <a:fillRef idx="0">
-                          <a:schemeClr val="accent1"/>
-                        </a:fillRef>
-                        <a:effectRef idx="0">
-                          <a:schemeClr val="accent1"/>
-                        </a:effectRef>
-                        <a:fontRef idx="minor">
-                          <a:schemeClr val="tx1"/>
-                        </a:fontRef>
-                      </p:style>
-                    </p:cxnSp>
-                    <p:cxnSp>
-                      <p:nvCxnSpPr>
-                        <p:cNvPr id="298" name="Straight Connector 297"/>
-                        <p:cNvCxnSpPr/>
-                        <p:nvPr/>
-                      </p:nvCxnSpPr>
-                      <p:spPr>
-                        <a:xfrm flipV="1">
-                          <a:off x="4049490" y="5257800"/>
-                          <a:ext cx="152400" cy="152400"/>
-                        </a:xfrm>
-                        <a:prstGeom prst="line">
-                          <a:avLst/>
-                        </a:prstGeom>
-                        <a:ln>
-                          <a:solidFill>
-                            <a:schemeClr val="tx1"/>
-                          </a:solidFill>
-                        </a:ln>
-                      </p:spPr>
-                      <p:style>
-                        <a:lnRef idx="1">
-                          <a:schemeClr val="accent1"/>
-                        </a:lnRef>
-                        <a:fillRef idx="0">
-                          <a:schemeClr val="accent1"/>
-                        </a:fillRef>
-                        <a:effectRef idx="0">
-                          <a:schemeClr val="accent1"/>
-                        </a:effectRef>
-                        <a:fontRef idx="minor">
-                          <a:schemeClr val="tx1"/>
-                        </a:fontRef>
-                      </p:style>
-                    </p:cxnSp>
-                    <p:sp>
-                      <p:nvSpPr>
-                        <p:cNvPr id="299" name="TextBox 298"/>
-                        <p:cNvSpPr txBox="1"/>
-                        <p:nvPr/>
-                      </p:nvSpPr>
-                      <p:spPr>
-                        <a:xfrm>
-                          <a:off x="3962400" y="5379717"/>
-                          <a:ext cx="381000" cy="261610"/>
-                        </a:xfrm>
-                        <a:prstGeom prst="rect">
-                          <a:avLst/>
-                        </a:prstGeom>
-                        <a:noFill/>
-                        <a:ln>
-                          <a:noFill/>
-                        </a:ln>
-                      </p:spPr>
                       <p:txBody>
-                        <a:bodyPr wrap="square" rtlCol="0">
-                          <a:spAutoFit/>
-                        </a:bodyPr>
+                        <a:bodyPr rtlCol="0" anchor="ctr"/>
                         <a:lstStyle/>
                         <a:p>
-                          <a:r>
-                            <a:rPr lang="en-US" sz="1100" dirty="0" smtClean="0"/>
-                            <a:t>6</a:t>
-                          </a:r>
-                          <a:endParaRPr lang="en-US" sz="1050" dirty="0"/>
-                        </a:p>
-                      </p:txBody>
-                    </p:sp>
-                    <p:sp>
-                      <p:nvSpPr>
-                        <p:cNvPr id="300" name="TextBox 299"/>
-                        <p:cNvSpPr txBox="1"/>
-                        <p:nvPr/>
-                      </p:nvSpPr>
-                      <p:spPr>
-                        <a:xfrm>
-                          <a:off x="2743200" y="5334000"/>
-                          <a:ext cx="990600" cy="184666"/>
-                        </a:xfrm>
-                        <a:prstGeom prst="rect">
-                          <a:avLst/>
-                        </a:prstGeom>
-                        <a:noFill/>
-                        <a:ln>
-                          <a:noFill/>
-                        </a:ln>
-                      </p:spPr>
-                      <p:txBody>
-                        <a:bodyPr wrap="square" rtlCol="0">
-                          <a:spAutoFit/>
-                        </a:bodyPr>
-                        <a:lstStyle/>
-                        <a:p>
-                          <a:pPr algn="r"/>
-                          <a:r>
-                            <a:rPr lang="en-US" sz="600" dirty="0" smtClean="0"/>
-                            <a:t>Instruction [5-0]</a:t>
-                          </a:r>
-                          <a:endParaRPr lang="en-US" sz="600" dirty="0"/>
-                        </a:p>
-                      </p:txBody>
-                    </p:sp>
-                    <p:cxnSp>
-                      <p:nvCxnSpPr>
-                        <p:cNvPr id="302" name="Straight Arrow Connector 301"/>
-                        <p:cNvCxnSpPr/>
-                        <p:nvPr/>
-                      </p:nvCxnSpPr>
-                      <p:spPr>
-                        <a:xfrm>
-                          <a:off x="2286000" y="4997450"/>
-                          <a:ext cx="784225" cy="0"/>
-                        </a:xfrm>
-                        <a:prstGeom prst="straightConnector1">
-                          <a:avLst/>
-                        </a:prstGeom>
-                        <a:ln>
-                          <a:solidFill>
-                            <a:schemeClr val="tx1"/>
-                          </a:solidFill>
-                          <a:tailEnd type="arrow"/>
-                        </a:ln>
-                      </p:spPr>
-                      <p:style>
-                        <a:lnRef idx="1">
-                          <a:schemeClr val="accent1"/>
-                        </a:lnRef>
-                        <a:fillRef idx="0">
-                          <a:schemeClr val="accent1"/>
-                        </a:fillRef>
-                        <a:effectRef idx="0">
-                          <a:schemeClr val="accent1"/>
-                        </a:effectRef>
-                        <a:fontRef idx="minor">
-                          <a:schemeClr val="tx1"/>
-                        </a:fontRef>
-                      </p:style>
-                    </p:cxnSp>
-                    <p:cxnSp>
-                      <p:nvCxnSpPr>
-                        <p:cNvPr id="311" name="Straight Connector 310"/>
-                        <p:cNvCxnSpPr/>
-                        <p:nvPr/>
-                      </p:nvCxnSpPr>
-                      <p:spPr>
-                        <a:xfrm flipH="1">
-                          <a:off x="2133600" y="4191000"/>
-                          <a:ext cx="152400" cy="0"/>
-                        </a:xfrm>
-                        <a:prstGeom prst="line">
-                          <a:avLst/>
-                        </a:prstGeom>
-                        <a:ln>
-                          <a:solidFill>
-                            <a:schemeClr val="tx1"/>
-                          </a:solidFill>
-                        </a:ln>
-                      </p:spPr>
-                      <p:style>
-                        <a:lnRef idx="1">
-                          <a:schemeClr val="accent1"/>
-                        </a:lnRef>
-                        <a:fillRef idx="0">
-                          <a:schemeClr val="accent1"/>
-                        </a:fillRef>
-                        <a:effectRef idx="0">
-                          <a:schemeClr val="accent1"/>
-                        </a:effectRef>
-                        <a:fontRef idx="minor">
-                          <a:schemeClr val="tx1"/>
-                        </a:fontRef>
-                      </p:style>
-                    </p:cxnSp>
-                    <p:sp>
-                      <p:nvSpPr>
-                        <p:cNvPr id="320" name="TextBox 319"/>
-                        <p:cNvSpPr txBox="1"/>
-                        <p:nvPr/>
-                      </p:nvSpPr>
-                      <p:spPr>
-                        <a:xfrm>
-                          <a:off x="1981200" y="4965184"/>
-                          <a:ext cx="990600" cy="184666"/>
-                        </a:xfrm>
-                        <a:prstGeom prst="rect">
-                          <a:avLst/>
-                        </a:prstGeom>
-                        <a:noFill/>
-                        <a:ln>
-                          <a:noFill/>
-                        </a:ln>
-                      </p:spPr>
-                      <p:txBody>
-                        <a:bodyPr wrap="square" rtlCol="0">
-                          <a:spAutoFit/>
-                        </a:bodyPr>
-                        <a:lstStyle/>
-                        <a:p>
-                          <a:pPr algn="r"/>
-                          <a:r>
-                            <a:rPr lang="en-US" sz="600" dirty="0" smtClean="0"/>
-                            <a:t>Instruction </a:t>
-                          </a:r>
-                          <a:r>
-                            <a:rPr lang="en-US" sz="600" dirty="0" smtClean="0"/>
-                            <a:t>[</a:t>
-                          </a:r>
-                          <a:r>
-                            <a:rPr lang="en-US" sz="600" dirty="0" smtClean="0"/>
-                            <a:t>5</a:t>
-                          </a:r>
-                          <a:r>
-                            <a:rPr lang="en-US" sz="600" dirty="0" smtClean="0"/>
-                            <a:t>-3]</a:t>
-                          </a:r>
-                          <a:endParaRPr lang="en-US" sz="600" dirty="0"/>
-                        </a:p>
-                      </p:txBody>
-                    </p:sp>
-                    <p:cxnSp>
-                      <p:nvCxnSpPr>
-                        <p:cNvPr id="325" name="Straight Arrow Connector 324"/>
-                        <p:cNvCxnSpPr/>
-                        <p:nvPr/>
-                      </p:nvCxnSpPr>
-                      <p:spPr>
-                        <a:xfrm>
-                          <a:off x="2286000" y="3352800"/>
-                          <a:ext cx="1600200" cy="0"/>
-                        </a:xfrm>
-                        <a:prstGeom prst="straightConnector1">
-                          <a:avLst/>
-                        </a:prstGeom>
-                        <a:ln>
-                          <a:solidFill>
-                            <a:schemeClr val="tx1"/>
-                          </a:solidFill>
-                          <a:tailEnd type="arrow"/>
-                        </a:ln>
-                      </p:spPr>
-                      <p:style>
-                        <a:lnRef idx="1">
-                          <a:schemeClr val="accent1"/>
-                        </a:lnRef>
-                        <a:fillRef idx="0">
-                          <a:schemeClr val="accent1"/>
-                        </a:fillRef>
-                        <a:effectRef idx="0">
-                          <a:schemeClr val="accent1"/>
-                        </a:effectRef>
-                        <a:fontRef idx="minor">
-                          <a:schemeClr val="tx1"/>
-                        </a:fontRef>
-                      </p:style>
-                    </p:cxnSp>
-                    <p:sp>
-                      <p:nvSpPr>
-                        <p:cNvPr id="326" name="TextBox 325"/>
-                        <p:cNvSpPr txBox="1"/>
-                        <p:nvPr/>
-                      </p:nvSpPr>
-                      <p:spPr>
-                        <a:xfrm>
-                          <a:off x="2819400" y="3314697"/>
-                          <a:ext cx="990600" cy="184666"/>
-                        </a:xfrm>
-                        <a:prstGeom prst="rect">
-                          <a:avLst/>
-                        </a:prstGeom>
-                        <a:noFill/>
-                        <a:ln>
-                          <a:noFill/>
-                        </a:ln>
-                      </p:spPr>
-                      <p:txBody>
-                        <a:bodyPr wrap="square" rtlCol="0">
-                          <a:spAutoFit/>
-                        </a:bodyPr>
-                        <a:lstStyle/>
-                        <a:p>
-                          <a:pPr algn="r"/>
-                          <a:r>
-                            <a:rPr lang="en-US" sz="600" dirty="0" smtClean="0"/>
-                            <a:t>Instruction </a:t>
-                          </a:r>
-                          <a:r>
-                            <a:rPr lang="en-US" sz="600" dirty="0" smtClean="0"/>
-                            <a:t>[11-9]</a:t>
-                          </a:r>
-                          <a:endParaRPr lang="en-US" sz="600" dirty="0"/>
-                        </a:p>
-                      </p:txBody>
-                    </p:sp>
-                    <p:cxnSp>
-                      <p:nvCxnSpPr>
-                        <p:cNvPr id="335" name="Straight Arrow Connector 334"/>
-                        <p:cNvCxnSpPr/>
-                        <p:nvPr/>
-                      </p:nvCxnSpPr>
-                      <p:spPr>
-                        <a:xfrm>
-                          <a:off x="2286000" y="3848103"/>
-                          <a:ext cx="1600200" cy="0"/>
-                        </a:xfrm>
-                        <a:prstGeom prst="straightConnector1">
-                          <a:avLst/>
-                        </a:prstGeom>
-                        <a:ln>
-                          <a:solidFill>
-                            <a:schemeClr val="tx1"/>
-                          </a:solidFill>
-                          <a:tailEnd type="arrow"/>
-                        </a:ln>
-                      </p:spPr>
-                      <p:style>
-                        <a:lnRef idx="1">
-                          <a:schemeClr val="accent1"/>
-                        </a:lnRef>
-                        <a:fillRef idx="0">
-                          <a:schemeClr val="accent1"/>
-                        </a:fillRef>
-                        <a:effectRef idx="0">
-                          <a:schemeClr val="accent1"/>
-                        </a:effectRef>
-                        <a:fontRef idx="minor">
-                          <a:schemeClr val="tx1"/>
-                        </a:fontRef>
-                      </p:style>
-                    </p:cxnSp>
-                    <p:sp>
-                      <p:nvSpPr>
-                        <p:cNvPr id="336" name="TextBox 335"/>
-                        <p:cNvSpPr txBox="1"/>
-                        <p:nvPr/>
-                      </p:nvSpPr>
-                      <p:spPr>
-                        <a:xfrm>
-                          <a:off x="1958975" y="3810000"/>
-                          <a:ext cx="990600" cy="184666"/>
-                        </a:xfrm>
-                        <a:prstGeom prst="rect">
-                          <a:avLst/>
-                        </a:prstGeom>
-                        <a:noFill/>
-                        <a:ln>
-                          <a:noFill/>
-                        </a:ln>
-                      </p:spPr>
-                      <p:txBody>
-                        <a:bodyPr wrap="square" rtlCol="0">
-                          <a:spAutoFit/>
-                        </a:bodyPr>
-                        <a:lstStyle/>
-                        <a:p>
-                          <a:pPr algn="r"/>
-                          <a:r>
-                            <a:rPr lang="en-US" sz="600" dirty="0" smtClean="0"/>
-                            <a:t>Instruction </a:t>
-                          </a:r>
-                          <a:r>
-                            <a:rPr lang="en-US" sz="600" dirty="0" smtClean="0"/>
-                            <a:t>[8-6]</a:t>
-                          </a:r>
-                          <a:endParaRPr lang="en-US" sz="600" dirty="0"/>
+                          <a:pPr algn="ctr"/>
+                          <a:endParaRPr lang="en-US"/>
                         </a:p>
                       </p:txBody>
                     </p:sp>
                   </p:grpSp>
                   <p:sp>
                     <p:nvSpPr>
-                      <p:cNvPr id="490" name="Oval 489"/>
+                      <p:cNvPr id="492" name="Oval 491"/>
                       <p:cNvSpPr/>
                       <p:nvPr/>
                     </p:nvSpPr>
                     <p:spPr>
                       <a:xfrm>
-                        <a:off x="2266944" y="3325828"/>
+                        <a:off x="2265356" y="3708276"/>
                         <a:ext cx="45719" cy="45719"/>
                       </a:xfrm>
                       <a:prstGeom prst="ellipse">
@@ -13325,13 +13803,13 @@
                 </p:grpSp>
                 <p:sp>
                   <p:nvSpPr>
-                    <p:cNvPr id="492" name="Oval 491"/>
+                    <p:cNvPr id="516" name="Oval 515"/>
                     <p:cNvSpPr/>
                     <p:nvPr/>
                   </p:nvSpPr>
                   <p:spPr>
                     <a:xfrm>
-                      <a:off x="2265356" y="3822704"/>
+                      <a:off x="2263768" y="4167180"/>
                       <a:ext cx="45719" cy="45719"/>
                     </a:xfrm>
                     <a:prstGeom prst="ellipse">
@@ -13372,15 +13850,51 @@
                   </p:txBody>
                 </p:sp>
               </p:grpSp>
+              <p:cxnSp>
+                <p:nvCxnSpPr>
+                  <p:cNvPr id="519" name="Straight Arrow Connector 518"/>
+                  <p:cNvCxnSpPr/>
+                  <p:nvPr/>
+                </p:nvCxnSpPr>
+                <p:spPr>
+                  <a:xfrm>
+                    <a:off x="3886200" y="6019800"/>
+                    <a:ext cx="1828800" cy="0"/>
+                  </a:xfrm>
+                  <a:prstGeom prst="straightConnector1">
+                    <a:avLst/>
+                  </a:prstGeom>
+                  <a:ln>
+                    <a:solidFill>
+                      <a:schemeClr val="tx1"/>
+                    </a:solidFill>
+                    <a:tailEnd type="arrow"/>
+                  </a:ln>
+                </p:spPr>
+                <p:style>
+                  <a:lnRef idx="1">
+                    <a:schemeClr val="accent1"/>
+                  </a:lnRef>
+                  <a:fillRef idx="0">
+                    <a:schemeClr val="accent1"/>
+                  </a:fillRef>
+                  <a:effectRef idx="0">
+                    <a:schemeClr val="accent1"/>
+                  </a:effectRef>
+                  <a:fontRef idx="minor">
+                    <a:schemeClr val="tx1"/>
+                  </a:fontRef>
+                </p:style>
+              </p:cxnSp>
               <p:sp>
                 <p:nvSpPr>
-                  <p:cNvPr id="516" name="Oval 515"/>
+                  <p:cNvPr id="525" name="Oval 524"/>
                   <p:cNvSpPr/>
                   <p:nvPr/>
                 </p:nvSpPr>
                 <p:spPr>
                   <a:xfrm>
-                    <a:off x="2263768" y="4167180"/>
+                    <a:off x="3865556" y="5305749"/>
                     <a:ext cx="45719" cy="45719"/>
                   </a:xfrm>
                   <a:prstGeom prst="ellipse">
@@ -13420,52 +13934,85 @@
                   </a:p>
                 </p:txBody>
               </p:sp>
+              <p:cxnSp>
+                <p:nvCxnSpPr>
+                  <p:cNvPr id="521" name="Straight Connector 520"/>
+                  <p:cNvCxnSpPr/>
+                  <p:nvPr/>
+                </p:nvCxnSpPr>
+                <p:spPr>
+                  <a:xfrm flipV="1">
+                    <a:off x="3886200" y="5334000"/>
+                    <a:ext cx="0" cy="685800"/>
+                  </a:xfrm>
+                  <a:prstGeom prst="line">
+                    <a:avLst/>
+                  </a:prstGeom>
+                  <a:ln>
+                    <a:solidFill>
+                      <a:schemeClr val="tx1"/>
+                    </a:solidFill>
+                  </a:ln>
+                </p:spPr>
+                <p:style>
+                  <a:lnRef idx="1">
+                    <a:schemeClr val="accent1"/>
+                  </a:lnRef>
+                  <a:fillRef idx="0">
+                    <a:schemeClr val="accent1"/>
+                  </a:fillRef>
+                  <a:effectRef idx="0">
+                    <a:schemeClr val="accent1"/>
+                  </a:effectRef>
+                  <a:fontRef idx="minor">
+                    <a:schemeClr val="tx1"/>
+                  </a:fontRef>
+                </p:style>
+              </p:cxnSp>
+              <p:sp>
+                <p:nvSpPr>
+                  <p:cNvPr id="551" name="TextBox 550"/>
+                  <p:cNvSpPr txBox="1"/>
+                  <p:nvPr/>
+                </p:nvSpPr>
+                <p:spPr>
+                  <a:xfrm>
+                    <a:off x="4114800" y="6019800"/>
+                    <a:ext cx="762000" cy="184666"/>
+                  </a:xfrm>
+                  <a:prstGeom prst="rect">
+                    <a:avLst/>
+                  </a:prstGeom>
+                  <a:noFill/>
+                  <a:ln>
+                    <a:noFill/>
+                  </a:ln>
+                </p:spPr>
+                <p:txBody>
+                  <a:bodyPr wrap="square" rtlCol="0">
+                    <a:spAutoFit/>
+                  </a:bodyPr>
+                  <a:lstStyle/>
+                  <a:p>
+                    <a:pPr algn="r"/>
+                    <a:r>
+                      <a:rPr lang="en-US" sz="600" dirty="0" smtClean="0"/>
+                      <a:t>Instruction [2-0]</a:t>
+                    </a:r>
+                    <a:endParaRPr lang="en-US" sz="600" dirty="0"/>
+                  </a:p>
+                </p:txBody>
+              </p:sp>
             </p:grpSp>
-            <p:cxnSp>
-              <p:nvCxnSpPr>
-                <p:cNvPr id="519" name="Straight Arrow Connector 518"/>
-                <p:cNvCxnSpPr/>
-                <p:nvPr/>
-              </p:nvCxnSpPr>
-              <p:spPr>
-                <a:xfrm>
-                  <a:off x="3886200" y="6019800"/>
-                  <a:ext cx="1828800" cy="0"/>
-                </a:xfrm>
-                <a:prstGeom prst="straightConnector1">
-                  <a:avLst/>
-                </a:prstGeom>
-                <a:ln>
-                  <a:solidFill>
-                    <a:schemeClr val="tx1"/>
-                  </a:solidFill>
-                  <a:tailEnd type="arrow"/>
-                </a:ln>
-              </p:spPr>
-              <p:style>
-                <a:lnRef idx="1">
-                  <a:schemeClr val="accent1"/>
-                </a:lnRef>
-                <a:fillRef idx="0">
-                  <a:schemeClr val="accent1"/>
-                </a:fillRef>
-                <a:effectRef idx="0">
-                  <a:schemeClr val="accent1"/>
-                </a:effectRef>
-                <a:fontRef idx="minor">
-                  <a:schemeClr val="tx1"/>
-                </a:fontRef>
-              </p:style>
-            </p:cxnSp>
             <p:sp>
               <p:nvSpPr>
-                <p:cNvPr id="525" name="Oval 524"/>
+                <p:cNvPr id="324" name="Oval 323"/>
                 <p:cNvSpPr/>
                 <p:nvPr/>
               </p:nvSpPr>
               <p:spPr>
                 <a:xfrm>
-                  <a:off x="3865556" y="5305749"/>
+                  <a:off x="2266950" y="4549361"/>
                   <a:ext cx="45719" cy="45719"/>
                 </a:xfrm>
                 <a:prstGeom prst="ellipse">
@@ -13505,85 +14052,87 @@
                 </a:p>
               </p:txBody>
             </p:sp>
-            <p:cxnSp>
-              <p:nvCxnSpPr>
-                <p:cNvPr id="521" name="Straight Connector 520"/>
-                <p:cNvCxnSpPr/>
-                <p:nvPr/>
-              </p:nvCxnSpPr>
-              <p:spPr>
-                <a:xfrm flipV="1">
-                  <a:off x="3886200" y="5334000"/>
-                  <a:ext cx="0" cy="685800"/>
-                </a:xfrm>
-                <a:prstGeom prst="line">
-                  <a:avLst/>
-                </a:prstGeom>
-                <a:ln>
-                  <a:solidFill>
-                    <a:schemeClr val="tx1"/>
-                  </a:solidFill>
-                </a:ln>
-              </p:spPr>
-              <p:style>
-                <a:lnRef idx="1">
-                  <a:schemeClr val="accent1"/>
-                </a:lnRef>
-                <a:fillRef idx="0">
-                  <a:schemeClr val="accent1"/>
-                </a:fillRef>
-                <a:effectRef idx="0">
-                  <a:schemeClr val="accent1"/>
-                </a:effectRef>
-                <a:fontRef idx="minor">
+          </p:grpSp>
+          <p:cxnSp>
+            <p:nvCxnSpPr>
+              <p:cNvPr id="330" name="Straight Arrow Connector 329"/>
+              <p:cNvCxnSpPr/>
+              <p:nvPr/>
+            </p:nvCxnSpPr>
+            <p:spPr>
+              <a:xfrm>
+                <a:off x="2959070" y="4225925"/>
+                <a:ext cx="168275" cy="0"/>
+              </a:xfrm>
+              <a:prstGeom prst="straightConnector1">
+                <a:avLst/>
+              </a:prstGeom>
+              <a:ln>
+                <a:solidFill>
                   <a:schemeClr val="tx1"/>
-                </a:fontRef>
-              </p:style>
-            </p:cxnSp>
-            <p:sp>
-              <p:nvSpPr>
-                <p:cNvPr id="551" name="TextBox 550"/>
-                <p:cNvSpPr txBox="1"/>
-                <p:nvPr/>
-              </p:nvSpPr>
-              <p:spPr>
-                <a:xfrm>
-                  <a:off x="4114800" y="6019800"/>
-                  <a:ext cx="762000" cy="184666"/>
-                </a:xfrm>
-                <a:prstGeom prst="rect">
-                  <a:avLst/>
-                </a:prstGeom>
-                <a:noFill/>
-                <a:ln>
-                  <a:noFill/>
-                </a:ln>
-              </p:spPr>
-              <p:txBody>
-                <a:bodyPr wrap="square" rtlCol="0">
-                  <a:spAutoFit/>
-                </a:bodyPr>
-                <a:lstStyle/>
-                <a:p>
-                  <a:pPr algn="r"/>
-                  <a:r>
-                    <a:rPr lang="en-US" sz="600" dirty="0" smtClean="0"/>
-                    <a:t>Instruction [2-0]</a:t>
-                  </a:r>
-                  <a:endParaRPr lang="en-US" sz="600" dirty="0"/>
-                </a:p>
-              </p:txBody>
-            </p:sp>
-          </p:grpSp>
+                </a:solidFill>
+                <a:tailEnd type="arrow"/>
+              </a:ln>
+            </p:spPr>
+            <p:style>
+              <a:lnRef idx="1">
+                <a:schemeClr val="accent1"/>
+              </a:lnRef>
+              <a:fillRef idx="0">
+                <a:schemeClr val="accent1"/>
+              </a:fillRef>
+              <a:effectRef idx="0">
+                <a:schemeClr val="accent1"/>
+              </a:effectRef>
+              <a:fontRef idx="minor">
+                <a:schemeClr val="tx1"/>
+              </a:fontRef>
+            </p:style>
+          </p:cxnSp>
+          <p:cxnSp>
+            <p:nvCxnSpPr>
+              <p:cNvPr id="339" name="Straight Connector 338"/>
+              <p:cNvCxnSpPr/>
+              <p:nvPr/>
+            </p:nvCxnSpPr>
+            <p:spPr>
+              <a:xfrm>
+                <a:off x="2959070" y="4225925"/>
+                <a:ext cx="0" cy="346075"/>
+              </a:xfrm>
+              <a:prstGeom prst="line">
+                <a:avLst/>
+              </a:prstGeom>
+              <a:ln>
+                <a:solidFill>
+                  <a:schemeClr val="tx1"/>
+                </a:solidFill>
+              </a:ln>
+            </p:spPr>
+            <p:style>
+              <a:lnRef idx="1">
+                <a:schemeClr val="accent1"/>
+              </a:lnRef>
+              <a:fillRef idx="0">
+                <a:schemeClr val="accent1"/>
+              </a:fillRef>
+              <a:effectRef idx="0">
+                <a:schemeClr val="accent1"/>
+              </a:effectRef>
+              <a:fontRef idx="minor">
+                <a:schemeClr val="tx1"/>
+              </a:fontRef>
+            </p:style>
+          </p:cxnSp>
           <p:sp>
             <p:nvSpPr>
-              <p:cNvPr id="324" name="Oval 323"/>
+              <p:cNvPr id="346" name="Oval 345"/>
               <p:cNvSpPr/>
               <p:nvPr/>
             </p:nvSpPr>
             <p:spPr>
               <a:xfrm>
-                <a:off x="2266950" y="4973956"/>
+                <a:off x="2937621" y="4543591"/>
                 <a:ext cx="45719" cy="45719"/>
               </a:xfrm>
               <a:prstGeom prst="ellipse">
@@ -13626,50 +14175,14 @@
         </p:grpSp>
         <p:cxnSp>
           <p:nvCxnSpPr>
-            <p:cNvPr id="330" name="Straight Arrow Connector 329"/>
+            <p:cNvPr id="356" name="Straight Connector 355"/>
             <p:cNvCxnSpPr/>
             <p:nvPr/>
           </p:nvCxnSpPr>
           <p:spPr>
             <a:xfrm>
-              <a:off x="2895600" y="4495800"/>
-              <a:ext cx="168275" cy="0"/>
-            </a:xfrm>
-            <a:prstGeom prst="straightConnector1">
-              <a:avLst/>
-            </a:prstGeom>
-            <a:ln>
-              <a:solidFill>
-                <a:schemeClr val="tx1"/>
-              </a:solidFill>
-              <a:tailEnd type="arrow"/>
-            </a:ln>
-          </p:spPr>
-          <p:style>
-            <a:lnRef idx="1">
-              <a:schemeClr val="accent1"/>
-            </a:lnRef>
-            <a:fillRef idx="0">
-              <a:schemeClr val="accent1"/>
-            </a:fillRef>
-            <a:effectRef idx="0">
-              <a:schemeClr val="accent1"/>
-            </a:effectRef>
-            <a:fontRef idx="minor">
-              <a:schemeClr val="tx1"/>
-            </a:fontRef>
-          </p:style>
-        </p:cxnSp>
-        <p:cxnSp>
-          <p:nvCxnSpPr>
-            <p:cNvPr id="339" name="Straight Connector 338"/>
-            <p:cNvCxnSpPr/>
-            <p:nvPr/>
-          </p:nvCxnSpPr>
-          <p:spPr>
-            <a:xfrm>
-              <a:off x="2895600" y="3844925"/>
-              <a:ext cx="0" cy="650875"/>
+              <a:off x="2286000" y="4572000"/>
+              <a:ext cx="1295400" cy="0"/>
             </a:xfrm>
             <a:prstGeom prst="line">
               <a:avLst/>
@@ -13695,54 +14208,41 @@
             </a:fontRef>
           </p:style>
         </p:cxnSp>
-        <p:sp>
-          <p:nvSpPr>
-            <p:cNvPr id="346" name="Oval 345"/>
-            <p:cNvSpPr/>
+        <p:cxnSp>
+          <p:nvCxnSpPr>
+            <p:cNvPr id="358" name="Straight Connector 357"/>
+            <p:cNvCxnSpPr/>
             <p:nvPr/>
-          </p:nvSpPr>
+          </p:nvCxnSpPr>
           <p:spPr>
             <a:xfrm>
-              <a:off x="2876550" y="3829050"/>
-              <a:ext cx="45719" cy="45719"/>
+              <a:off x="3581400" y="4267200"/>
+              <a:ext cx="0" cy="304800"/>
             </a:xfrm>
-            <a:prstGeom prst="ellipse">
+            <a:prstGeom prst="line">
               <a:avLst/>
             </a:prstGeom>
-            <a:solidFill>
-              <a:schemeClr val="tx1"/>
-            </a:solidFill>
-            <a:ln w="6350">
+            <a:ln>
               <a:solidFill>
                 <a:schemeClr val="tx1"/>
               </a:solidFill>
             </a:ln>
           </p:spPr>
           <p:style>
-            <a:lnRef idx="2">
-              <a:schemeClr val="accent1">
-                <a:shade val="50000"/>
-              </a:schemeClr>
+            <a:lnRef idx="1">
+              <a:schemeClr val="accent1"/>
             </a:lnRef>
-            <a:fillRef idx="1">
+            <a:fillRef idx="0">
               <a:schemeClr val="accent1"/>
             </a:fillRef>
             <a:effectRef idx="0">
               <a:schemeClr val="accent1"/>
             </a:effectRef>
             <a:fontRef idx="minor">
-              <a:schemeClr val="lt1"/>
+              <a:schemeClr val="tx1"/>
             </a:fontRef>
           </p:style>
-          <p:txBody>
-            <a:bodyPr rtlCol="0" anchor="ctr"/>
-            <a:lstStyle/>
-            <a:p>
-              <a:pPr algn="ctr"/>
-              <a:endParaRPr lang="en-US"/>
-            </a:p>
-          </p:txBody>
-        </p:sp>
+        </p:cxnSp>
       </p:grpSp>
     </p:spTree>
   </p:cSld>
